--- a/Báo-cáo-đồ-án.pptx
+++ b/Báo-cáo-đồ-án.pptx
@@ -1293,7 +1293,11 @@
     </dgm:pt>
     <dgm:pt modelId="{F56FC70B-F031-44BF-8170-50470F1BEE76}" type="pres">
       <dgm:prSet presAssocID="{1D5F95FF-CA61-4FED-AA5C-06E868FB04B5}" presName="imgShp" presStyleLbl="fgImgPlace1" presStyleIdx="0" presStyleCnt="8"/>
-      <dgm:spPr/>
+      <dgm:spPr>
+        <a:prstGeom prst="flowChartConnector">
+          <a:avLst/>
+        </a:prstGeom>
+      </dgm:spPr>
       <dgm:t>
         <a:bodyPr/>
         <a:lstStyle/>
@@ -1508,23 +1512,23 @@
     </dgm:pt>
   </dgm:ptLst>
   <dgm:cxnLst>
+    <dgm:cxn modelId="{699D224B-E574-704A-8531-94F95B2262DF}" type="presOf" srcId="{1D5F95FF-CA61-4FED-AA5C-06E868FB04B5}" destId="{D7523A9B-8F14-4380-9308-122600EDC90C}" srcOrd="0" destOrd="0" presId="urn:microsoft.com/office/officeart/2005/8/layout/vList3#1"/>
+    <dgm:cxn modelId="{6437BDB7-9938-49DE-B8B6-6FF4C6F78C13}" srcId="{80BD3E6B-BFA6-45F5-A95B-268B01B30626}" destId="{6CAE721B-A27C-435F-BD0A-1F982E0FE7FD}" srcOrd="2" destOrd="0" parTransId="{AE4A892C-CC6A-401B-8D5A-01AD8832F7CF}" sibTransId="{446A4E00-44ED-443C-9B1C-6D1FFE0B6FD9}"/>
+    <dgm:cxn modelId="{B8AE433B-A14D-4F64-BE59-1CB42B1B366E}" type="presOf" srcId="{3374BD26-DA3C-44FC-9044-7C40C94D830A}" destId="{E556136F-CDF5-419B-BF65-FBFD923437C0}" srcOrd="0" destOrd="0" presId="urn:microsoft.com/office/officeart/2005/8/layout/vList3#1"/>
+    <dgm:cxn modelId="{7F870E0C-A2EA-4EA9-AD7B-1CE99E3BD035}" srcId="{80BD3E6B-BFA6-45F5-A95B-268B01B30626}" destId="{8BDBE172-4E28-444C-9767-4CD7D6CBAFD4}" srcOrd="5" destOrd="0" parTransId="{BC4645DE-D84B-4FE2-BB3A-0273848A81A0}" sibTransId="{B82A3410-EB1D-420D-8DB2-04F26D57A1DE}"/>
     <dgm:cxn modelId="{3251AEF8-ECBF-9B43-9620-5FB9C9DB77A3}" type="presOf" srcId="{6CAE721B-A27C-435F-BD0A-1F982E0FE7FD}" destId="{3ACA20C4-195C-434D-9658-B9001188B574}" srcOrd="0" destOrd="0" presId="urn:microsoft.com/office/officeart/2005/8/layout/vList3#1"/>
+    <dgm:cxn modelId="{FE85EC50-F402-4CA5-B7A2-9C60A6DE697C}" type="presOf" srcId="{9A77EF8F-F04A-4B41-BFB7-F4E852C5EE88}" destId="{3AE37666-E249-4DD9-AADA-E4A46813033E}" srcOrd="0" destOrd="0" presId="urn:microsoft.com/office/officeart/2005/8/layout/vList3#1"/>
+    <dgm:cxn modelId="{41ECE407-F89E-45FB-859B-B23750CB4164}" srcId="{80BD3E6B-BFA6-45F5-A95B-268B01B30626}" destId="{3374BD26-DA3C-44FC-9044-7C40C94D830A}" srcOrd="6" destOrd="0" parTransId="{C894479A-35BA-4104-AE45-664293E866C8}" sibTransId="{F077E482-FCC5-42FC-96D5-11740E778C75}"/>
+    <dgm:cxn modelId="{A5899991-7375-4099-B791-47AE086567FB}" srcId="{80BD3E6B-BFA6-45F5-A95B-268B01B30626}" destId="{9A77EF8F-F04A-4B41-BFB7-F4E852C5EE88}" srcOrd="7" destOrd="0" parTransId="{0D229EF7-3EFD-4F6A-ACE2-C324EAAD431F}" sibTransId="{2D75CFD2-BD1B-4AE2-9E64-9A94820DA269}"/>
+    <dgm:cxn modelId="{E365AB48-FE18-4D8C-9446-7EF8078A6664}" type="presOf" srcId="{8BDBE172-4E28-444C-9767-4CD7D6CBAFD4}" destId="{13D41184-2F53-4041-80BC-849B5C113C61}" srcOrd="0" destOrd="0" presId="urn:microsoft.com/office/officeart/2005/8/layout/vList3#1"/>
+    <dgm:cxn modelId="{28A91C34-D41F-4A17-BB42-B93D9917BEF7}" type="presOf" srcId="{99261721-DA63-4BFB-9185-8B2EBF338862}" destId="{6CA79189-6C05-404E-AAA6-2B4F90FC8D6C}" srcOrd="0" destOrd="0" presId="urn:microsoft.com/office/officeart/2005/8/layout/vList3#1"/>
+    <dgm:cxn modelId="{40F4C030-5171-4E0A-8AAB-600EFA5EEEE0}" srcId="{80BD3E6B-BFA6-45F5-A95B-268B01B30626}" destId="{1D5F95FF-CA61-4FED-AA5C-06E868FB04B5}" srcOrd="0" destOrd="0" parTransId="{BD553156-B953-4E63-8337-6EA0C1BFC443}" sibTransId="{B19BA830-DFF2-4332-8C99-E5E175D256A1}"/>
     <dgm:cxn modelId="{4B6FAEEC-EE42-4B41-9482-74E3ACB90487}" type="presOf" srcId="{80BD3E6B-BFA6-45F5-A95B-268B01B30626}" destId="{8AA1428D-8B22-454C-B41A-DCB9BFA5D77E}" srcOrd="0" destOrd="0" presId="urn:microsoft.com/office/officeart/2005/8/layout/vList3#1"/>
-    <dgm:cxn modelId="{A5899991-7375-4099-B791-47AE086567FB}" srcId="{80BD3E6B-BFA6-45F5-A95B-268B01B30626}" destId="{9A77EF8F-F04A-4B41-BFB7-F4E852C5EE88}" srcOrd="7" destOrd="0" parTransId="{0D229EF7-3EFD-4F6A-ACE2-C324EAAD431F}" sibTransId="{2D75CFD2-BD1B-4AE2-9E64-9A94820DA269}"/>
-    <dgm:cxn modelId="{40F4C030-5171-4E0A-8AAB-600EFA5EEEE0}" srcId="{80BD3E6B-BFA6-45F5-A95B-268B01B30626}" destId="{1D5F95FF-CA61-4FED-AA5C-06E868FB04B5}" srcOrd="0" destOrd="0" parTransId="{BD553156-B953-4E63-8337-6EA0C1BFC443}" sibTransId="{B19BA830-DFF2-4332-8C99-E5E175D256A1}"/>
+    <dgm:cxn modelId="{A7819643-B1EB-4038-A78B-6C568F295BA0}" srcId="{80BD3E6B-BFA6-45F5-A95B-268B01B30626}" destId="{37C75499-B20F-4232-9A16-0A5918C1ACAF}" srcOrd="1" destOrd="0" parTransId="{CCAA3DF5-32DF-4554-9CDC-DDA72FC2CB0A}" sibTransId="{43402988-FC9E-46CF-A4CF-F75837BF655D}"/>
+    <dgm:cxn modelId="{75A8202C-47DF-42EB-A7F5-0C8ACC913208}" srcId="{80BD3E6B-BFA6-45F5-A95B-268B01B30626}" destId="{99261721-DA63-4BFB-9185-8B2EBF338862}" srcOrd="3" destOrd="0" parTransId="{F08B2DCD-16C4-43B7-9770-D7C05831BD3B}" sibTransId="{F68EB63A-A92B-4B97-92D9-4CEE472FE1AE}"/>
+    <dgm:cxn modelId="{A6EB1C55-E2D9-E642-BA06-2ED498D41648}" type="presOf" srcId="{37C75499-B20F-4232-9A16-0A5918C1ACAF}" destId="{8DB51D92-391B-4051-9822-8D8579957043}" srcOrd="0" destOrd="0" presId="urn:microsoft.com/office/officeart/2005/8/layout/vList3#1"/>
     <dgm:cxn modelId="{5F628D29-F108-4D35-999B-DEAC25B7B33B}" srcId="{80BD3E6B-BFA6-45F5-A95B-268B01B30626}" destId="{6C8E89C2-8E40-4A39-A09D-15970575181B}" srcOrd="4" destOrd="0" parTransId="{CB8CF22B-3EAA-438B-BB00-7A803A185D86}" sibTransId="{655D7231-A4B7-447B-8F15-E6E5A49F4DD1}"/>
     <dgm:cxn modelId="{0018F25B-584B-D449-B805-61FB03AC87ED}" type="presOf" srcId="{6C8E89C2-8E40-4A39-A09D-15970575181B}" destId="{750C7532-9BDE-4AC6-87A0-D13E1BE4FB14}" srcOrd="0" destOrd="0" presId="urn:microsoft.com/office/officeart/2005/8/layout/vList3#1"/>
-    <dgm:cxn modelId="{6437BDB7-9938-49DE-B8B6-6FF4C6F78C13}" srcId="{80BD3E6B-BFA6-45F5-A95B-268B01B30626}" destId="{6CAE721B-A27C-435F-BD0A-1F982E0FE7FD}" srcOrd="2" destOrd="0" parTransId="{AE4A892C-CC6A-401B-8D5A-01AD8832F7CF}" sibTransId="{446A4E00-44ED-443C-9B1C-6D1FFE0B6FD9}"/>
-    <dgm:cxn modelId="{699D224B-E574-704A-8531-94F95B2262DF}" type="presOf" srcId="{1D5F95FF-CA61-4FED-AA5C-06E868FB04B5}" destId="{D7523A9B-8F14-4380-9308-122600EDC90C}" srcOrd="0" destOrd="0" presId="urn:microsoft.com/office/officeart/2005/8/layout/vList3#1"/>
-    <dgm:cxn modelId="{B8AE433B-A14D-4F64-BE59-1CB42B1B366E}" type="presOf" srcId="{3374BD26-DA3C-44FC-9044-7C40C94D830A}" destId="{E556136F-CDF5-419B-BF65-FBFD923437C0}" srcOrd="0" destOrd="0" presId="urn:microsoft.com/office/officeart/2005/8/layout/vList3#1"/>
-    <dgm:cxn modelId="{7F870E0C-A2EA-4EA9-AD7B-1CE99E3BD035}" srcId="{80BD3E6B-BFA6-45F5-A95B-268B01B30626}" destId="{8BDBE172-4E28-444C-9767-4CD7D6CBAFD4}" srcOrd="5" destOrd="0" parTransId="{BC4645DE-D84B-4FE2-BB3A-0273848A81A0}" sibTransId="{B82A3410-EB1D-420D-8DB2-04F26D57A1DE}"/>
-    <dgm:cxn modelId="{E365AB48-FE18-4D8C-9446-7EF8078A6664}" type="presOf" srcId="{8BDBE172-4E28-444C-9767-4CD7D6CBAFD4}" destId="{13D41184-2F53-4041-80BC-849B5C113C61}" srcOrd="0" destOrd="0" presId="urn:microsoft.com/office/officeart/2005/8/layout/vList3#1"/>
-    <dgm:cxn modelId="{A7819643-B1EB-4038-A78B-6C568F295BA0}" srcId="{80BD3E6B-BFA6-45F5-A95B-268B01B30626}" destId="{37C75499-B20F-4232-9A16-0A5918C1ACAF}" srcOrd="1" destOrd="0" parTransId="{CCAA3DF5-32DF-4554-9CDC-DDA72FC2CB0A}" sibTransId="{43402988-FC9E-46CF-A4CF-F75837BF655D}"/>
-    <dgm:cxn modelId="{A6EB1C55-E2D9-E642-BA06-2ED498D41648}" type="presOf" srcId="{37C75499-B20F-4232-9A16-0A5918C1ACAF}" destId="{8DB51D92-391B-4051-9822-8D8579957043}" srcOrd="0" destOrd="0" presId="urn:microsoft.com/office/officeart/2005/8/layout/vList3#1"/>
-    <dgm:cxn modelId="{FE85EC50-F402-4CA5-B7A2-9C60A6DE697C}" type="presOf" srcId="{9A77EF8F-F04A-4B41-BFB7-F4E852C5EE88}" destId="{3AE37666-E249-4DD9-AADA-E4A46813033E}" srcOrd="0" destOrd="0" presId="urn:microsoft.com/office/officeart/2005/8/layout/vList3#1"/>
-    <dgm:cxn modelId="{28A91C34-D41F-4A17-BB42-B93D9917BEF7}" type="presOf" srcId="{99261721-DA63-4BFB-9185-8B2EBF338862}" destId="{6CA79189-6C05-404E-AAA6-2B4F90FC8D6C}" srcOrd="0" destOrd="0" presId="urn:microsoft.com/office/officeart/2005/8/layout/vList3#1"/>
-    <dgm:cxn modelId="{41ECE407-F89E-45FB-859B-B23750CB4164}" srcId="{80BD3E6B-BFA6-45F5-A95B-268B01B30626}" destId="{3374BD26-DA3C-44FC-9044-7C40C94D830A}" srcOrd="6" destOrd="0" parTransId="{C894479A-35BA-4104-AE45-664293E866C8}" sibTransId="{F077E482-FCC5-42FC-96D5-11740E778C75}"/>
-    <dgm:cxn modelId="{75A8202C-47DF-42EB-A7F5-0C8ACC913208}" srcId="{80BD3E6B-BFA6-45F5-A95B-268B01B30626}" destId="{99261721-DA63-4BFB-9185-8B2EBF338862}" srcOrd="3" destOrd="0" parTransId="{F08B2DCD-16C4-43B7-9770-D7C05831BD3B}" sibTransId="{F68EB63A-A92B-4B97-92D9-4CEE472FE1AE}"/>
     <dgm:cxn modelId="{B00015E1-E82D-CA47-860A-BC62A111A149}" type="presParOf" srcId="{8AA1428D-8B22-454C-B41A-DCB9BFA5D77E}" destId="{B52988AD-C9E4-4B79-AEB4-75A75E5017BA}" srcOrd="0" destOrd="0" presId="urn:microsoft.com/office/officeart/2005/8/layout/vList3#1"/>
     <dgm:cxn modelId="{B0AB9BC7-56AB-F743-8F72-79C31B6DD68B}" type="presParOf" srcId="{B52988AD-C9E4-4B79-AEB4-75A75E5017BA}" destId="{F56FC70B-F031-44BF-8170-50470F1BEE76}" srcOrd="0" destOrd="0" presId="urn:microsoft.com/office/officeart/2005/8/layout/vList3#1"/>
     <dgm:cxn modelId="{71DC97E7-4A17-3D4A-9462-9107340E6EE8}" type="presParOf" srcId="{B52988AD-C9E4-4B79-AEB4-75A75E5017BA}" destId="{D7523A9B-8F14-4380-9308-122600EDC90C}" srcOrd="1" destOrd="0" presId="urn:microsoft.com/office/officeart/2005/8/layout/vList3#1"/>
@@ -1561,7 +1565,7 @@
   <dgm:whole/>
   <dgm:extLst>
     <a:ext uri="http://schemas.microsoft.com/office/drawing/2008/diagram">
-      <dsp:dataModelExt xmlns:dsp="http://schemas.microsoft.com/office/drawing/2008/diagram" xmlns="" relId="rId6" minVer="http://schemas.openxmlformats.org/drawingml/2006/diagram"/>
+      <dsp:dataModelExt xmlns:dsp="http://schemas.microsoft.com/office/drawing/2008/diagram" relId="rId6" minVer="http://schemas.openxmlformats.org/drawingml/2006/diagram"/>
     </a:ext>
   </dgm:extLst>
 </dgm:dataModel>
@@ -1582,8 +1586,8 @@
       </dsp:nvSpPr>
       <dsp:spPr>
         <a:xfrm rot="10800000">
-          <a:off x="1470991" y="594"/>
-          <a:ext cx="5244655" cy="599878"/>
+          <a:off x="1432289" y="2616"/>
+          <a:ext cx="5244655" cy="445070"/>
         </a:xfrm>
         <a:prstGeom prst="homePlate">
           <a:avLst/>
@@ -1625,12 +1629,12 @@
         </a:fontRef>
       </dsp:style>
       <dsp:txBody>
-        <a:bodyPr spcFirstLastPara="0" vert="horz" wrap="square" lIns="264530" tIns="91440" rIns="170688" bIns="91440" numCol="1" spcCol="1270" anchor="ctr" anchorCtr="0">
+        <a:bodyPr spcFirstLastPara="0" vert="horz" wrap="square" lIns="196264" tIns="76200" rIns="142240" bIns="76200" numCol="1" spcCol="1270" anchor="ctr" anchorCtr="0">
           <a:noAutofit/>
         </a:bodyPr>
         <a:lstStyle/>
         <a:p>
-          <a:pPr lvl="0" algn="ctr" defTabSz="1066800" rtl="0">
+          <a:pPr lvl="0" algn="ctr" defTabSz="889000" rtl="0">
             <a:lnSpc>
               <a:spcPct val="90000"/>
             </a:lnSpc>
@@ -1642,27 +1646,27 @@
             </a:spcAft>
           </a:pPr>
           <a:r>
-            <a:rPr lang="en-US" sz="2400" kern="1200" dirty="0" err="1" smtClean="0"/>
+            <a:rPr lang="en-US" sz="2000" kern="1200" dirty="0" err="1" smtClean="0"/>
             <a:t>Giới</a:t>
           </a:r>
           <a:r>
-            <a:rPr lang="en-US" sz="2400" kern="1200" dirty="0" smtClean="0"/>
+            <a:rPr lang="en-US" sz="2000" kern="1200" dirty="0" smtClean="0"/>
             <a:t> </a:t>
           </a:r>
           <a:r>
-            <a:rPr lang="en-US" sz="2400" kern="1200" dirty="0" err="1" smtClean="0"/>
+            <a:rPr lang="en-US" sz="2000" kern="1200" dirty="0" err="1" smtClean="0"/>
             <a:t>thiệu</a:t>
           </a:r>
           <a:r>
-            <a:rPr lang="en-US" sz="2400" kern="1200" dirty="0" smtClean="0"/>
+            <a:rPr lang="en-US" sz="2000" kern="1200" dirty="0" smtClean="0"/>
             <a:t> </a:t>
           </a:r>
-          <a:endParaRPr lang="en-US" sz="2400" kern="1200" dirty="0"/>
+          <a:endParaRPr lang="en-US" sz="2000" kern="1200" dirty="0"/>
         </a:p>
       </dsp:txBody>
       <dsp:txXfrm rot="10800000">
-        <a:off x="1620960" y="594"/>
-        <a:ext cx="5094686" cy="599878"/>
+        <a:off x="1543556" y="2616"/>
+        <a:ext cx="5133388" cy="445070"/>
       </dsp:txXfrm>
     </dsp:sp>
     <dsp:sp modelId="{F56FC70B-F031-44BF-8170-50470F1BEE76}">
@@ -1672,10 +1676,10 @@
       </dsp:nvSpPr>
       <dsp:spPr>
         <a:xfrm>
-          <a:off x="1171052" y="594"/>
-          <a:ext cx="599878" cy="599878"/>
+          <a:off x="1209754" y="2616"/>
+          <a:ext cx="445070" cy="445070"/>
         </a:xfrm>
-        <a:prstGeom prst="ellipse">
+        <a:prstGeom prst="flowChartConnector">
           <a:avLst/>
         </a:prstGeom>
         <a:solidFill>
@@ -1721,17 +1725,17 @@
       </dsp:nvSpPr>
       <dsp:spPr>
         <a:xfrm rot="10800000">
-          <a:off x="1470991" y="779541"/>
-          <a:ext cx="5244655" cy="599878"/>
+          <a:off x="1432289" y="580544"/>
+          <a:ext cx="5244655" cy="445070"/>
         </a:xfrm>
         <a:prstGeom prst="homePlate">
           <a:avLst/>
         </a:prstGeom>
         <a:solidFill>
           <a:schemeClr val="accent4">
-            <a:hueOff val="2079139"/>
-            <a:satOff val="-9594"/>
-            <a:lumOff val="353"/>
+            <a:hueOff val="1485099"/>
+            <a:satOff val="-6853"/>
+            <a:lumOff val="252"/>
             <a:alphaOff val="0"/>
           </a:schemeClr>
         </a:solidFill>
@@ -1764,12 +1768,12 @@
         </a:fontRef>
       </dsp:style>
       <dsp:txBody>
-        <a:bodyPr spcFirstLastPara="0" vert="horz" wrap="square" lIns="264530" tIns="91440" rIns="170688" bIns="91440" numCol="1" spcCol="1270" anchor="ctr" anchorCtr="0">
+        <a:bodyPr spcFirstLastPara="0" vert="horz" wrap="square" lIns="196264" tIns="76200" rIns="142240" bIns="76200" numCol="1" spcCol="1270" anchor="ctr" anchorCtr="0">
           <a:noAutofit/>
         </a:bodyPr>
         <a:lstStyle/>
         <a:p>
-          <a:pPr lvl="0" algn="ctr" defTabSz="1066800" rtl="0">
+          <a:pPr lvl="0" algn="ctr" defTabSz="889000" rtl="0">
             <a:lnSpc>
               <a:spcPct val="90000"/>
             </a:lnSpc>
@@ -1781,15 +1785,15 @@
             </a:spcAft>
           </a:pPr>
           <a:r>
-            <a:rPr lang="en-US" sz="2400" kern="1200" smtClean="0"/>
-            <a:t>Lịch sử phát triển Ngôn ngữ lập trình</a:t>
+            <a:rPr lang="en-US" sz="2000" kern="1200" dirty="0" smtClean="0"/>
+            <a:t>Phân chia công việc</a:t>
           </a:r>
-          <a:endParaRPr lang="en-US" sz="2400" kern="1200"/>
+          <a:endParaRPr lang="en-US" sz="2000" kern="1200" dirty="0"/>
         </a:p>
       </dsp:txBody>
       <dsp:txXfrm rot="10800000">
-        <a:off x="1620960" y="779541"/>
-        <a:ext cx="5094686" cy="599878"/>
+        <a:off x="1543556" y="580544"/>
+        <a:ext cx="5133388" cy="445070"/>
       </dsp:txXfrm>
     </dsp:sp>
     <dsp:sp modelId="{89B3021E-F9D4-4C92-BFB7-CF081341ECD1}">
@@ -1799,8 +1803,8 @@
       </dsp:nvSpPr>
       <dsp:spPr>
         <a:xfrm>
-          <a:off x="1171052" y="779541"/>
-          <a:ext cx="599878" cy="599878"/>
+          <a:off x="1209754" y="580544"/>
+          <a:ext cx="445070" cy="445070"/>
         </a:xfrm>
         <a:prstGeom prst="ellipse">
           <a:avLst/>
@@ -1808,9 +1812,9 @@
         <a:solidFill>
           <a:schemeClr val="accent4">
             <a:tint val="50000"/>
-            <a:hueOff val="2289505"/>
-            <a:satOff val="-12031"/>
-            <a:lumOff val="-871"/>
+            <a:hueOff val="1635361"/>
+            <a:satOff val="-8594"/>
+            <a:lumOff val="-622"/>
             <a:alphaOff val="0"/>
           </a:schemeClr>
         </a:solidFill>
@@ -1848,17 +1852,17 @@
       </dsp:nvSpPr>
       <dsp:spPr>
         <a:xfrm rot="10800000">
-          <a:off x="1470991" y="1558487"/>
-          <a:ext cx="5244655" cy="599878"/>
+          <a:off x="1432289" y="1158472"/>
+          <a:ext cx="5244655" cy="445070"/>
         </a:xfrm>
         <a:prstGeom prst="homePlate">
           <a:avLst/>
         </a:prstGeom>
         <a:solidFill>
           <a:schemeClr val="accent4">
-            <a:hueOff val="4158277"/>
-            <a:satOff val="-19187"/>
-            <a:lumOff val="706"/>
+            <a:hueOff val="2970198"/>
+            <a:satOff val="-13705"/>
+            <a:lumOff val="504"/>
             <a:alphaOff val="0"/>
           </a:schemeClr>
         </a:solidFill>
@@ -1891,12 +1895,12 @@
         </a:fontRef>
       </dsp:style>
       <dsp:txBody>
-        <a:bodyPr spcFirstLastPara="0" vert="horz" wrap="square" lIns="264530" tIns="91440" rIns="170688" bIns="91440" numCol="1" spcCol="1270" anchor="ctr" anchorCtr="0">
+        <a:bodyPr spcFirstLastPara="0" vert="horz" wrap="square" lIns="196264" tIns="76200" rIns="142240" bIns="76200" numCol="1" spcCol="1270" anchor="ctr" anchorCtr="0">
           <a:noAutofit/>
         </a:bodyPr>
         <a:lstStyle/>
         <a:p>
-          <a:pPr lvl="0" algn="ctr" defTabSz="1066800" rtl="0">
+          <a:pPr lvl="0" algn="ctr" defTabSz="889000" rtl="0">
             <a:lnSpc>
               <a:spcPct val="90000"/>
             </a:lnSpc>
@@ -1908,15 +1912,15 @@
             </a:spcAft>
           </a:pPr>
           <a:r>
-            <a:rPr lang="en-US" sz="2400" kern="1200" smtClean="0"/>
-            <a:t>Các dạng Ngôn ngữ lập trình</a:t>
+            <a:rPr lang="en-US" sz="2000" kern="1200" dirty="0" smtClean="0"/>
+            <a:t>Kế Hoạch của nhóm</a:t>
           </a:r>
-          <a:endParaRPr lang="en-US" sz="2400" kern="1200"/>
+          <a:endParaRPr lang="en-US" sz="2000" kern="1200" dirty="0"/>
         </a:p>
       </dsp:txBody>
       <dsp:txXfrm rot="10800000">
-        <a:off x="1620960" y="1558487"/>
-        <a:ext cx="5094686" cy="599878"/>
+        <a:off x="1543556" y="1158472"/>
+        <a:ext cx="5133388" cy="445070"/>
       </dsp:txXfrm>
     </dsp:sp>
     <dsp:sp modelId="{99E87DE9-6950-40EB-84C7-40835B615D0D}">
@@ -1926,8 +1930,8 @@
       </dsp:nvSpPr>
       <dsp:spPr>
         <a:xfrm>
-          <a:off x="1171052" y="1558487"/>
-          <a:ext cx="599878" cy="599878"/>
+          <a:off x="1209754" y="1158472"/>
+          <a:ext cx="445070" cy="445070"/>
         </a:xfrm>
         <a:prstGeom prst="ellipse">
           <a:avLst/>
@@ -1935,9 +1939,9 @@
         <a:solidFill>
           <a:schemeClr val="accent4">
             <a:tint val="50000"/>
-            <a:hueOff val="4579010"/>
-            <a:satOff val="-24062"/>
-            <a:lumOff val="-1741"/>
+            <a:hueOff val="3270722"/>
+            <a:satOff val="-17187"/>
+            <a:lumOff val="-1244"/>
             <a:alphaOff val="0"/>
           </a:schemeClr>
         </a:solidFill>
@@ -1968,24 +1972,24 @@
         <a:fontRef idx="minor"/>
       </dsp:style>
     </dsp:sp>
-    <dsp:sp modelId="{E9E80CBF-C39B-4455-B36F-7CD7A9006AA2}">
+    <dsp:sp modelId="{6CA79189-6C05-404E-AAA6-2B4F90FC8D6C}">
       <dsp:nvSpPr>
         <dsp:cNvPr id="0" name=""/>
         <dsp:cNvSpPr/>
       </dsp:nvSpPr>
       <dsp:spPr>
         <a:xfrm rot="10800000">
-          <a:off x="1470991" y="2337434"/>
-          <a:ext cx="5244655" cy="599878"/>
+          <a:off x="1432289" y="1736400"/>
+          <a:ext cx="5244655" cy="445070"/>
         </a:xfrm>
         <a:prstGeom prst="homePlate">
           <a:avLst/>
         </a:prstGeom>
         <a:solidFill>
           <a:schemeClr val="accent4">
-            <a:hueOff val="6237416"/>
-            <a:satOff val="-28781"/>
-            <a:lumOff val="1059"/>
+            <a:hueOff val="4455297"/>
+            <a:satOff val="-20558"/>
+            <a:lumOff val="756"/>
             <a:alphaOff val="0"/>
           </a:schemeClr>
         </a:solidFill>
@@ -2018,12 +2022,12 @@
         </a:fontRef>
       </dsp:style>
       <dsp:txBody>
-        <a:bodyPr spcFirstLastPara="0" vert="horz" wrap="square" lIns="264530" tIns="91440" rIns="170688" bIns="91440" numCol="1" spcCol="1270" anchor="ctr" anchorCtr="0">
+        <a:bodyPr spcFirstLastPara="0" vert="horz" wrap="square" lIns="196264" tIns="76200" rIns="142240" bIns="76200" numCol="1" spcCol="1270" anchor="ctr" anchorCtr="0">
           <a:noAutofit/>
         </a:bodyPr>
         <a:lstStyle/>
         <a:p>
-          <a:pPr lvl="0" algn="ctr" defTabSz="1066800" rtl="0">
+          <a:pPr lvl="0" algn="ctr" defTabSz="889000" rtl="0">
             <a:lnSpc>
               <a:spcPct val="90000"/>
             </a:lnSpc>
@@ -2035,26 +2039,26 @@
             </a:spcAft>
           </a:pPr>
           <a:r>
-            <a:rPr lang="en-US" sz="2400" kern="1200" smtClean="0"/>
-            <a:t>Các công cụ Ngôn ngữ lập trình</a:t>
+            <a:rPr lang="en-US" sz="2000" kern="1200" dirty="0" smtClean="0"/>
+            <a:t>Thái độ của các thành viên</a:t>
           </a:r>
-          <a:endParaRPr lang="en-US" sz="2400" kern="1200"/>
+          <a:endParaRPr lang="en-US" sz="2000" kern="1200" dirty="0"/>
         </a:p>
       </dsp:txBody>
       <dsp:txXfrm rot="10800000">
-        <a:off x="1620960" y="2337434"/>
-        <a:ext cx="5094686" cy="599878"/>
+        <a:off x="1543556" y="1736400"/>
+        <a:ext cx="5133388" cy="445070"/>
       </dsp:txXfrm>
     </dsp:sp>
-    <dsp:sp modelId="{81757A16-B33E-46D4-8998-D348694ADE08}">
+    <dsp:sp modelId="{4EE51578-5D96-4595-B1FE-1D0DEA5CA07C}">
       <dsp:nvSpPr>
         <dsp:cNvPr id="0" name=""/>
         <dsp:cNvSpPr/>
       </dsp:nvSpPr>
       <dsp:spPr>
         <a:xfrm>
-          <a:off x="1171052" y="2337434"/>
-          <a:ext cx="599878" cy="599878"/>
+          <a:off x="1209754" y="1736400"/>
+          <a:ext cx="445070" cy="445070"/>
         </a:xfrm>
         <a:prstGeom prst="ellipse">
           <a:avLst/>
@@ -2062,136 +2066,9 @@
         <a:solidFill>
           <a:schemeClr val="accent4">
             <a:tint val="50000"/>
-            <a:hueOff val="6868515"/>
-            <a:satOff val="-36094"/>
-            <a:lumOff val="-2612"/>
-            <a:alphaOff val="0"/>
-          </a:schemeClr>
-        </a:solidFill>
-        <a:ln w="12700" cap="flat" cmpd="sng" algn="ctr">
-          <a:solidFill>
-            <a:schemeClr val="lt1">
-              <a:hueOff val="0"/>
-              <a:satOff val="0"/>
-              <a:lumOff val="0"/>
-              <a:alphaOff val="0"/>
-            </a:schemeClr>
-          </a:solidFill>
-          <a:prstDash val="solid"/>
-          <a:miter lim="800000"/>
-        </a:ln>
-        <a:effectLst/>
-      </dsp:spPr>
-      <dsp:style>
-        <a:lnRef idx="2">
-          <a:scrgbClr r="0" g="0" b="0"/>
-        </a:lnRef>
-        <a:fillRef idx="1">
-          <a:scrgbClr r="0" g="0" b="0"/>
-        </a:fillRef>
-        <a:effectRef idx="0">
-          <a:scrgbClr r="0" g="0" b="0"/>
-        </a:effectRef>
-        <a:fontRef idx="minor"/>
-      </dsp:style>
-    </dsp:sp>
-    <dsp:sp modelId="{0ACF1714-EF27-4819-BF25-282377132DC1}">
-      <dsp:nvSpPr>
-        <dsp:cNvPr id="0" name=""/>
-        <dsp:cNvSpPr/>
-      </dsp:nvSpPr>
-      <dsp:spPr>
-        <a:xfrm rot="10800000">
-          <a:off x="1470991" y="3116380"/>
-          <a:ext cx="5244655" cy="599878"/>
-        </a:xfrm>
-        <a:prstGeom prst="homePlate">
-          <a:avLst/>
-        </a:prstGeom>
-        <a:solidFill>
-          <a:schemeClr val="accent4">
-            <a:hueOff val="8316554"/>
-            <a:satOff val="-38374"/>
-            <a:lumOff val="1412"/>
-            <a:alphaOff val="0"/>
-          </a:schemeClr>
-        </a:solidFill>
-        <a:ln w="12700" cap="flat" cmpd="sng" algn="ctr">
-          <a:solidFill>
-            <a:schemeClr val="lt1">
-              <a:hueOff val="0"/>
-              <a:satOff val="0"/>
-              <a:lumOff val="0"/>
-              <a:alphaOff val="0"/>
-            </a:schemeClr>
-          </a:solidFill>
-          <a:prstDash val="solid"/>
-          <a:miter lim="800000"/>
-        </a:ln>
-        <a:effectLst/>
-      </dsp:spPr>
-      <dsp:style>
-        <a:lnRef idx="2">
-          <a:scrgbClr r="0" g="0" b="0"/>
-        </a:lnRef>
-        <a:fillRef idx="1">
-          <a:scrgbClr r="0" g="0" b="0"/>
-        </a:fillRef>
-        <a:effectRef idx="0">
-          <a:scrgbClr r="0" g="0" b="0"/>
-        </a:effectRef>
-        <a:fontRef idx="minor">
-          <a:schemeClr val="lt1"/>
-        </a:fontRef>
-      </dsp:style>
-      <dsp:txBody>
-        <a:bodyPr spcFirstLastPara="0" vert="horz" wrap="square" lIns="264530" tIns="91440" rIns="170688" bIns="91440" numCol="1" spcCol="1270" anchor="ctr" anchorCtr="0">
-          <a:noAutofit/>
-        </a:bodyPr>
-        <a:lstStyle/>
-        <a:p>
-          <a:pPr lvl="0" algn="ctr" defTabSz="1066800" rtl="0">
-            <a:lnSpc>
-              <a:spcPct val="90000"/>
-            </a:lnSpc>
-            <a:spcBef>
-              <a:spcPct val="0"/>
-            </a:spcBef>
-            <a:spcAft>
-              <a:spcPct val="35000"/>
-            </a:spcAft>
-          </a:pPr>
-          <a:r>
-            <a:rPr lang="en-US" sz="2400" kern="1200" smtClean="0"/>
-            <a:t>Cấu trúc một chương trình C++</a:t>
-          </a:r>
-          <a:endParaRPr lang="en-US" sz="2400" kern="1200"/>
-        </a:p>
-      </dsp:txBody>
-      <dsp:txXfrm rot="10800000">
-        <a:off x="1620960" y="3116380"/>
-        <a:ext cx="5094686" cy="599878"/>
-      </dsp:txXfrm>
-    </dsp:sp>
-    <dsp:sp modelId="{9271EB9B-6E45-41B7-B80E-65F1F636E2A3}">
-      <dsp:nvSpPr>
-        <dsp:cNvPr id="0" name=""/>
-        <dsp:cNvSpPr/>
-      </dsp:nvSpPr>
-      <dsp:spPr>
-        <a:xfrm>
-          <a:off x="1171052" y="3116380"/>
-          <a:ext cx="599878" cy="599878"/>
-        </a:xfrm>
-        <a:prstGeom prst="ellipse">
-          <a:avLst/>
-        </a:prstGeom>
-        <a:solidFill>
-          <a:schemeClr val="accent4">
-            <a:tint val="50000"/>
-            <a:hueOff val="9158020"/>
-            <a:satOff val="-48125"/>
-            <a:lumOff val="-3482"/>
+            <a:hueOff val="4906082"/>
+            <a:satOff val="-25781"/>
+            <a:lumOff val="-1866"/>
             <a:alphaOff val="0"/>
           </a:schemeClr>
         </a:solidFill>
@@ -2229,8 +2106,389 @@
       </dsp:nvSpPr>
       <dsp:spPr>
         <a:xfrm rot="10800000">
-          <a:off x="1470991" y="3895326"/>
-          <a:ext cx="5244655" cy="599878"/>
+          <a:off x="1432289" y="2314328"/>
+          <a:ext cx="5244655" cy="445070"/>
+        </a:xfrm>
+        <a:prstGeom prst="homePlate">
+          <a:avLst/>
+        </a:prstGeom>
+        <a:solidFill>
+          <a:schemeClr val="accent4">
+            <a:hueOff val="5940396"/>
+            <a:satOff val="-27410"/>
+            <a:lumOff val="1009"/>
+            <a:alphaOff val="0"/>
+          </a:schemeClr>
+        </a:solidFill>
+        <a:ln w="12700" cap="flat" cmpd="sng" algn="ctr">
+          <a:solidFill>
+            <a:schemeClr val="lt1">
+              <a:hueOff val="0"/>
+              <a:satOff val="0"/>
+              <a:lumOff val="0"/>
+              <a:alphaOff val="0"/>
+            </a:schemeClr>
+          </a:solidFill>
+          <a:prstDash val="solid"/>
+          <a:miter lim="800000"/>
+        </a:ln>
+        <a:effectLst/>
+      </dsp:spPr>
+      <dsp:style>
+        <a:lnRef idx="2">
+          <a:scrgbClr r="0" g="0" b="0"/>
+        </a:lnRef>
+        <a:fillRef idx="1">
+          <a:scrgbClr r="0" g="0" b="0"/>
+        </a:fillRef>
+        <a:effectRef idx="0">
+          <a:scrgbClr r="0" g="0" b="0"/>
+        </a:effectRef>
+        <a:fontRef idx="minor">
+          <a:schemeClr val="lt1"/>
+        </a:fontRef>
+      </dsp:style>
+      <dsp:txBody>
+        <a:bodyPr spcFirstLastPara="0" vert="horz" wrap="square" lIns="196264" tIns="76200" rIns="142240" bIns="76200" numCol="1" spcCol="1270" anchor="ctr" anchorCtr="0">
+          <a:noAutofit/>
+        </a:bodyPr>
+        <a:lstStyle/>
+        <a:p>
+          <a:pPr lvl="0" algn="ctr" defTabSz="889000" rtl="0">
+            <a:lnSpc>
+              <a:spcPct val="90000"/>
+            </a:lnSpc>
+            <a:spcBef>
+              <a:spcPct val="0"/>
+            </a:spcBef>
+            <a:spcAft>
+              <a:spcPct val="35000"/>
+            </a:spcAft>
+          </a:pPr>
+          <a:r>
+            <a:rPr lang="en-US" sz="2000" kern="1200" dirty="0" smtClean="0"/>
+            <a:t>Đánh giá các buổi họp nhóm</a:t>
+          </a:r>
+          <a:endParaRPr lang="en-US" sz="2000" kern="1200" dirty="0"/>
+        </a:p>
+      </dsp:txBody>
+      <dsp:txXfrm rot="10800000">
+        <a:off x="1543556" y="2314328"/>
+        <a:ext cx="5133388" cy="445070"/>
+      </dsp:txXfrm>
+    </dsp:sp>
+    <dsp:sp modelId="{7335870A-BE03-457A-9BF0-A3EE44A6357C}">
+      <dsp:nvSpPr>
+        <dsp:cNvPr id="0" name=""/>
+        <dsp:cNvSpPr/>
+      </dsp:nvSpPr>
+      <dsp:spPr>
+        <a:xfrm>
+          <a:off x="1209754" y="2314328"/>
+          <a:ext cx="445070" cy="445070"/>
+        </a:xfrm>
+        <a:prstGeom prst="ellipse">
+          <a:avLst/>
+        </a:prstGeom>
+        <a:solidFill>
+          <a:schemeClr val="accent4">
+            <a:tint val="50000"/>
+            <a:hueOff val="6541443"/>
+            <a:satOff val="-34375"/>
+            <a:lumOff val="-2487"/>
+            <a:alphaOff val="0"/>
+          </a:schemeClr>
+        </a:solidFill>
+        <a:ln w="12700" cap="flat" cmpd="sng" algn="ctr">
+          <a:solidFill>
+            <a:schemeClr val="lt1">
+              <a:hueOff val="0"/>
+              <a:satOff val="0"/>
+              <a:lumOff val="0"/>
+              <a:alphaOff val="0"/>
+            </a:schemeClr>
+          </a:solidFill>
+          <a:prstDash val="solid"/>
+          <a:miter lim="800000"/>
+        </a:ln>
+        <a:effectLst/>
+      </dsp:spPr>
+      <dsp:style>
+        <a:lnRef idx="2">
+          <a:scrgbClr r="0" g="0" b="0"/>
+        </a:lnRef>
+        <a:fillRef idx="1">
+          <a:scrgbClr r="0" g="0" b="0"/>
+        </a:fillRef>
+        <a:effectRef idx="0">
+          <a:scrgbClr r="0" g="0" b="0"/>
+        </a:effectRef>
+        <a:fontRef idx="minor"/>
+      </dsp:style>
+    </dsp:sp>
+    <dsp:sp modelId="{13D41184-2F53-4041-80BC-849B5C113C61}">
+      <dsp:nvSpPr>
+        <dsp:cNvPr id="0" name=""/>
+        <dsp:cNvSpPr/>
+      </dsp:nvSpPr>
+      <dsp:spPr>
+        <a:xfrm rot="10800000">
+          <a:off x="1432289" y="2892256"/>
+          <a:ext cx="5244655" cy="445070"/>
+        </a:xfrm>
+        <a:prstGeom prst="homePlate">
+          <a:avLst/>
+        </a:prstGeom>
+        <a:solidFill>
+          <a:schemeClr val="accent4">
+            <a:hueOff val="7425495"/>
+            <a:satOff val="-34263"/>
+            <a:lumOff val="1261"/>
+            <a:alphaOff val="0"/>
+          </a:schemeClr>
+        </a:solidFill>
+        <a:ln w="12700" cap="flat" cmpd="sng" algn="ctr">
+          <a:solidFill>
+            <a:schemeClr val="lt1">
+              <a:hueOff val="0"/>
+              <a:satOff val="0"/>
+              <a:lumOff val="0"/>
+              <a:alphaOff val="0"/>
+            </a:schemeClr>
+          </a:solidFill>
+          <a:prstDash val="solid"/>
+          <a:miter lim="800000"/>
+        </a:ln>
+        <a:effectLst/>
+      </dsp:spPr>
+      <dsp:style>
+        <a:lnRef idx="2">
+          <a:scrgbClr r="0" g="0" b="0"/>
+        </a:lnRef>
+        <a:fillRef idx="1">
+          <a:scrgbClr r="0" g="0" b="0"/>
+        </a:fillRef>
+        <a:effectRef idx="0">
+          <a:scrgbClr r="0" g="0" b="0"/>
+        </a:effectRef>
+        <a:fontRef idx="minor">
+          <a:schemeClr val="lt1"/>
+        </a:fontRef>
+      </dsp:style>
+      <dsp:txBody>
+        <a:bodyPr spcFirstLastPara="0" vert="horz" wrap="square" lIns="196264" tIns="76200" rIns="142240" bIns="76200" numCol="1" spcCol="1270" anchor="ctr" anchorCtr="0">
+          <a:noAutofit/>
+        </a:bodyPr>
+        <a:lstStyle/>
+        <a:p>
+          <a:pPr lvl="0" algn="ctr" defTabSz="889000" rtl="0">
+            <a:lnSpc>
+              <a:spcPct val="90000"/>
+            </a:lnSpc>
+            <a:spcBef>
+              <a:spcPct val="0"/>
+            </a:spcBef>
+            <a:spcAft>
+              <a:spcPct val="35000"/>
+            </a:spcAft>
+          </a:pPr>
+          <a:r>
+            <a:rPr lang="en-US" sz="2000" kern="1200" dirty="0" smtClean="0"/>
+            <a:t>Biên bản làm việc nhóm</a:t>
+          </a:r>
+          <a:endParaRPr lang="en-US" sz="2000" kern="1200" dirty="0"/>
+        </a:p>
+      </dsp:txBody>
+      <dsp:txXfrm rot="10800000">
+        <a:off x="1543556" y="2892256"/>
+        <a:ext cx="5133388" cy="445070"/>
+      </dsp:txXfrm>
+    </dsp:sp>
+    <dsp:sp modelId="{C705203E-DE74-438E-9C6C-5CD2F79F7A39}">
+      <dsp:nvSpPr>
+        <dsp:cNvPr id="0" name=""/>
+        <dsp:cNvSpPr/>
+      </dsp:nvSpPr>
+      <dsp:spPr>
+        <a:xfrm>
+          <a:off x="1209754" y="2892256"/>
+          <a:ext cx="445070" cy="445070"/>
+        </a:xfrm>
+        <a:prstGeom prst="ellipse">
+          <a:avLst/>
+        </a:prstGeom>
+        <a:solidFill>
+          <a:schemeClr val="accent4">
+            <a:tint val="50000"/>
+            <a:hueOff val="8176804"/>
+            <a:satOff val="-42969"/>
+            <a:lumOff val="-3109"/>
+            <a:alphaOff val="0"/>
+          </a:schemeClr>
+        </a:solidFill>
+        <a:ln w="12700" cap="flat" cmpd="sng" algn="ctr">
+          <a:solidFill>
+            <a:schemeClr val="lt1">
+              <a:hueOff val="0"/>
+              <a:satOff val="0"/>
+              <a:lumOff val="0"/>
+              <a:alphaOff val="0"/>
+            </a:schemeClr>
+          </a:solidFill>
+          <a:prstDash val="solid"/>
+          <a:miter lim="800000"/>
+        </a:ln>
+        <a:effectLst/>
+      </dsp:spPr>
+      <dsp:style>
+        <a:lnRef idx="2">
+          <a:scrgbClr r="0" g="0" b="0"/>
+        </a:lnRef>
+        <a:fillRef idx="1">
+          <a:scrgbClr r="0" g="0" b="0"/>
+        </a:fillRef>
+        <a:effectRef idx="0">
+          <a:scrgbClr r="0" g="0" b="0"/>
+        </a:effectRef>
+        <a:fontRef idx="minor"/>
+      </dsp:style>
+    </dsp:sp>
+    <dsp:sp modelId="{E556136F-CDF5-419B-BF65-FBFD923437C0}">
+      <dsp:nvSpPr>
+        <dsp:cNvPr id="0" name=""/>
+        <dsp:cNvSpPr/>
+      </dsp:nvSpPr>
+      <dsp:spPr>
+        <a:xfrm rot="10800000">
+          <a:off x="1432289" y="3470184"/>
+          <a:ext cx="5244655" cy="445070"/>
+        </a:xfrm>
+        <a:prstGeom prst="homePlate">
+          <a:avLst/>
+        </a:prstGeom>
+        <a:solidFill>
+          <a:schemeClr val="accent4">
+            <a:hueOff val="8910594"/>
+            <a:satOff val="-41115"/>
+            <a:lumOff val="1513"/>
+            <a:alphaOff val="0"/>
+          </a:schemeClr>
+        </a:solidFill>
+        <a:ln w="12700" cap="flat" cmpd="sng" algn="ctr">
+          <a:solidFill>
+            <a:schemeClr val="lt1">
+              <a:hueOff val="0"/>
+              <a:satOff val="0"/>
+              <a:lumOff val="0"/>
+              <a:alphaOff val="0"/>
+            </a:schemeClr>
+          </a:solidFill>
+          <a:prstDash val="solid"/>
+          <a:miter lim="800000"/>
+        </a:ln>
+        <a:effectLst/>
+      </dsp:spPr>
+      <dsp:style>
+        <a:lnRef idx="2">
+          <a:scrgbClr r="0" g="0" b="0"/>
+        </a:lnRef>
+        <a:fillRef idx="1">
+          <a:scrgbClr r="0" g="0" b="0"/>
+        </a:fillRef>
+        <a:effectRef idx="0">
+          <a:scrgbClr r="0" g="0" b="0"/>
+        </a:effectRef>
+        <a:fontRef idx="minor">
+          <a:schemeClr val="lt1"/>
+        </a:fontRef>
+      </dsp:style>
+      <dsp:txBody>
+        <a:bodyPr spcFirstLastPara="0" vert="horz" wrap="square" lIns="196264" tIns="76200" rIns="142240" bIns="76200" numCol="1" spcCol="1270" anchor="ctr" anchorCtr="0">
+          <a:noAutofit/>
+        </a:bodyPr>
+        <a:lstStyle/>
+        <a:p>
+          <a:pPr lvl="0" algn="ctr" defTabSz="889000" rtl="0">
+            <a:lnSpc>
+              <a:spcPct val="90000"/>
+            </a:lnSpc>
+            <a:spcBef>
+              <a:spcPct val="0"/>
+            </a:spcBef>
+            <a:spcAft>
+              <a:spcPct val="35000"/>
+            </a:spcAft>
+          </a:pPr>
+          <a:r>
+            <a:rPr lang="en-US" sz="2000" kern="1200" dirty="0" smtClean="0"/>
+            <a:t>Đánh giá thành viên</a:t>
+          </a:r>
+          <a:endParaRPr lang="en-US" sz="2000" kern="1200" dirty="0"/>
+        </a:p>
+      </dsp:txBody>
+      <dsp:txXfrm rot="10800000">
+        <a:off x="1543556" y="3470184"/>
+        <a:ext cx="5133388" cy="445070"/>
+      </dsp:txXfrm>
+    </dsp:sp>
+    <dsp:sp modelId="{A168BB1B-C133-4B09-AE5F-F3283510AD73}">
+      <dsp:nvSpPr>
+        <dsp:cNvPr id="0" name=""/>
+        <dsp:cNvSpPr/>
+      </dsp:nvSpPr>
+      <dsp:spPr>
+        <a:xfrm>
+          <a:off x="1209754" y="3470184"/>
+          <a:ext cx="445070" cy="445070"/>
+        </a:xfrm>
+        <a:prstGeom prst="ellipse">
+          <a:avLst/>
+        </a:prstGeom>
+        <a:solidFill>
+          <a:schemeClr val="accent4">
+            <a:tint val="50000"/>
+            <a:hueOff val="9812164"/>
+            <a:satOff val="-51562"/>
+            <a:lumOff val="-3731"/>
+            <a:alphaOff val="0"/>
+          </a:schemeClr>
+        </a:solidFill>
+        <a:ln w="12700" cap="flat" cmpd="sng" algn="ctr">
+          <a:solidFill>
+            <a:schemeClr val="lt1">
+              <a:hueOff val="0"/>
+              <a:satOff val="0"/>
+              <a:lumOff val="0"/>
+              <a:alphaOff val="0"/>
+            </a:schemeClr>
+          </a:solidFill>
+          <a:prstDash val="solid"/>
+          <a:miter lim="800000"/>
+        </a:ln>
+        <a:effectLst/>
+      </dsp:spPr>
+      <dsp:style>
+        <a:lnRef idx="2">
+          <a:scrgbClr r="0" g="0" b="0"/>
+        </a:lnRef>
+        <a:fillRef idx="1">
+          <a:scrgbClr r="0" g="0" b="0"/>
+        </a:fillRef>
+        <a:effectRef idx="0">
+          <a:scrgbClr r="0" g="0" b="0"/>
+        </a:effectRef>
+        <a:fontRef idx="minor"/>
+      </dsp:style>
+    </dsp:sp>
+    <dsp:sp modelId="{3AE37666-E249-4DD9-AADA-E4A46813033E}">
+      <dsp:nvSpPr>
+        <dsp:cNvPr id="0" name=""/>
+        <dsp:cNvSpPr/>
+      </dsp:nvSpPr>
+      <dsp:spPr>
+        <a:xfrm rot="10800000">
+          <a:off x="1432289" y="4048112"/>
+          <a:ext cx="5244655" cy="445070"/>
         </a:xfrm>
         <a:prstGeom prst="homePlate">
           <a:avLst/>
@@ -2272,12 +2530,12 @@
         </a:fontRef>
       </dsp:style>
       <dsp:txBody>
-        <a:bodyPr spcFirstLastPara="0" vert="horz" wrap="square" lIns="264530" tIns="91440" rIns="170688" bIns="91440" numCol="1" spcCol="1270" anchor="ctr" anchorCtr="0">
+        <a:bodyPr spcFirstLastPara="0" vert="horz" wrap="square" lIns="196264" tIns="76200" rIns="142240" bIns="76200" numCol="1" spcCol="1270" anchor="ctr" anchorCtr="0">
           <a:noAutofit/>
         </a:bodyPr>
         <a:lstStyle/>
         <a:p>
-          <a:pPr lvl="0" algn="ctr" defTabSz="1066800" rtl="0">
+          <a:pPr lvl="0" algn="ctr" defTabSz="889000" rtl="0">
             <a:lnSpc>
               <a:spcPct val="90000"/>
             </a:lnSpc>
@@ -2289,74 +2547,26 @@
             </a:spcAft>
           </a:pPr>
           <a:r>
-            <a:rPr lang="en-US" sz="2400" kern="1200" dirty="0" err="1" smtClean="0"/>
-            <a:t>Giải</a:t>
+            <a:rPr lang="en-US" sz="2000" kern="1200" dirty="0" smtClean="0"/>
+            <a:t>Clip đồ án</a:t>
           </a:r>
-          <a:r>
-            <a:rPr lang="en-US" sz="2400" kern="1200" dirty="0" smtClean="0"/>
-            <a:t> </a:t>
-          </a:r>
-          <a:r>
-            <a:rPr lang="en-US" sz="2400" kern="1200" dirty="0" err="1" smtClean="0"/>
-            <a:t>thuật</a:t>
-          </a:r>
-          <a:r>
-            <a:rPr lang="en-US" sz="2400" kern="1200" dirty="0" smtClean="0"/>
-            <a:t> </a:t>
-          </a:r>
-          <a:r>
-            <a:rPr lang="en-US" sz="2400" kern="1200" dirty="0" err="1" smtClean="0"/>
-            <a:t>và</a:t>
-          </a:r>
-          <a:r>
-            <a:rPr lang="en-US" sz="2400" kern="1200" dirty="0" smtClean="0"/>
-            <a:t> </a:t>
-          </a:r>
-          <a:r>
-            <a:rPr lang="en-US" sz="2400" kern="1200" dirty="0" err="1" smtClean="0"/>
-            <a:t>đặc</a:t>
-          </a:r>
-          <a:r>
-            <a:rPr lang="en-US" sz="2400" kern="1200" dirty="0" smtClean="0"/>
-            <a:t> </a:t>
-          </a:r>
-          <a:r>
-            <a:rPr lang="en-US" sz="2400" kern="1200" dirty="0" err="1" smtClean="0"/>
-            <a:t>tả</a:t>
-          </a:r>
-          <a:r>
-            <a:rPr lang="en-US" sz="2400" kern="1200" dirty="0" smtClean="0"/>
-            <a:t> </a:t>
-          </a:r>
-          <a:r>
-            <a:rPr lang="en-US" sz="2400" kern="1200" dirty="0" err="1" smtClean="0"/>
-            <a:t>giải</a:t>
-          </a:r>
-          <a:r>
-            <a:rPr lang="en-US" sz="2400" kern="1200" dirty="0" smtClean="0"/>
-            <a:t> </a:t>
-          </a:r>
-          <a:r>
-            <a:rPr lang="en-US" sz="2400" kern="1200" dirty="0" err="1" smtClean="0"/>
-            <a:t>thuật</a:t>
-          </a:r>
-          <a:endParaRPr lang="en-US" sz="2400" kern="1200" dirty="0"/>
+          <a:endParaRPr lang="en-US" sz="2000" kern="1200" dirty="0"/>
         </a:p>
       </dsp:txBody>
       <dsp:txXfrm rot="10800000">
-        <a:off x="1620960" y="3895326"/>
-        <a:ext cx="5094686" cy="599878"/>
+        <a:off x="1543556" y="4048112"/>
+        <a:ext cx="5133388" cy="445070"/>
       </dsp:txXfrm>
     </dsp:sp>
-    <dsp:sp modelId="{7335870A-BE03-457A-9BF0-A3EE44A6357C}">
+    <dsp:sp modelId="{684FB06E-CAB0-4A2F-8213-E45FE9987EA6}">
       <dsp:nvSpPr>
         <dsp:cNvPr id="0" name=""/>
         <dsp:cNvSpPr/>
       </dsp:nvSpPr>
       <dsp:spPr>
         <a:xfrm>
-          <a:off x="1171052" y="3895326"/>
-          <a:ext cx="599878" cy="599878"/>
+          <a:off x="1209754" y="4048112"/>
+          <a:ext cx="445070" cy="445070"/>
         </a:xfrm>
         <a:prstGeom prst="ellipse">
           <a:avLst/>
@@ -3817,7 +4027,7 @@
     </p:spTree>
     <p:extLst>
       <p:ext uri="{BB962C8B-B14F-4D97-AF65-F5344CB8AC3E}">
-        <p14:creationId xmlns:p14="http://schemas.microsoft.com/office/powerpoint/2010/main" xmlns="" val="1586409557"/>
+        <p14:creationId xmlns:p14="http://schemas.microsoft.com/office/powerpoint/2010/main" val="1586409557"/>
       </p:ext>
     </p:extLst>
   </p:cSld>
@@ -3971,7 +4181,7 @@
           </a:ln>
           <a:extLst>
             <a:ext uri="{909E8E84-426E-40DD-AFC4-6F175D3DCCD1}">
-              <a14:hiddenFill xmlns:a14="http://schemas.microsoft.com/office/drawing/2010/main" xmlns="">
+              <a14:hiddenFill xmlns:a14="http://schemas.microsoft.com/office/drawing/2010/main">
                 <a:solidFill>
                   <a:srgbClr val="FFFFFF"/>
                 </a:solidFill>
@@ -4153,7 +4363,7 @@
     </p:spTree>
     <p:extLst>
       <p:ext uri="{BB962C8B-B14F-4D97-AF65-F5344CB8AC3E}">
-        <p14:creationId xmlns:p14="http://schemas.microsoft.com/office/powerpoint/2010/main" xmlns="" val="3779946414"/>
+        <p14:creationId xmlns:p14="http://schemas.microsoft.com/office/powerpoint/2010/main" val="3779946414"/>
       </p:ext>
     </p:extLst>
   </p:cSld>
@@ -4315,14 +4525,14 @@
           <a:ln/>
           <a:extLst>
             <a:ext uri="{909E8E84-426E-40DD-AFC4-6F175D3DCCD1}">
-              <a14:hiddenFill xmlns:a14="http://schemas.microsoft.com/office/drawing/2010/main" xmlns="">
+              <a14:hiddenFill xmlns:a14="http://schemas.microsoft.com/office/drawing/2010/main">
                 <a:solidFill>
                   <a:srgbClr val="FFFFFF"/>
                 </a:solidFill>
               </a14:hiddenFill>
             </a:ext>
             <a:ext uri="{91240B29-F687-4F45-9708-019B960494DF}">
-              <a14:hiddenLine xmlns:a14="http://schemas.microsoft.com/office/drawing/2010/main" xmlns="" w="9525">
+              <a14:hiddenLine xmlns:a14="http://schemas.microsoft.com/office/drawing/2010/main" w="9525">
                 <a:solidFill>
                   <a:srgbClr val="000000"/>
                 </a:solidFill>
@@ -4473,14 +4683,14 @@
           <a:ln/>
           <a:extLst>
             <a:ext uri="{909E8E84-426E-40DD-AFC4-6F175D3DCCD1}">
-              <a14:hiddenFill xmlns:a14="http://schemas.microsoft.com/office/drawing/2010/main" xmlns="">
+              <a14:hiddenFill xmlns:a14="http://schemas.microsoft.com/office/drawing/2010/main">
                 <a:solidFill>
                   <a:srgbClr val="FFFFFF"/>
                 </a:solidFill>
               </a14:hiddenFill>
             </a:ext>
             <a:ext uri="{91240B29-F687-4F45-9708-019B960494DF}">
-              <a14:hiddenLine xmlns:a14="http://schemas.microsoft.com/office/drawing/2010/main" xmlns="" w="9525">
+              <a14:hiddenLine xmlns:a14="http://schemas.microsoft.com/office/drawing/2010/main" w="9525">
                 <a:solidFill>
                   <a:srgbClr val="000000"/>
                 </a:solidFill>
@@ -4503,7 +4713,7 @@
     </p:spTree>
     <p:extLst>
       <p:ext uri="{BB962C8B-B14F-4D97-AF65-F5344CB8AC3E}">
-        <p14:creationId xmlns:p14="http://schemas.microsoft.com/office/powerpoint/2010/main" xmlns="" val="2460111543"/>
+        <p14:creationId xmlns:p14="http://schemas.microsoft.com/office/powerpoint/2010/main" val="2460111543"/>
       </p:ext>
     </p:extLst>
   </p:cSld>
@@ -4760,7 +4970,7 @@
     </p:spTree>
     <p:extLst>
       <p:ext uri="{BB962C8B-B14F-4D97-AF65-F5344CB8AC3E}">
-        <p14:creationId xmlns:p14="http://schemas.microsoft.com/office/powerpoint/2010/main" xmlns="" val="1191603254"/>
+        <p14:creationId xmlns:p14="http://schemas.microsoft.com/office/powerpoint/2010/main" val="1191603254"/>
       </p:ext>
     </p:extLst>
   </p:cSld>
@@ -4984,7 +5194,7 @@
     </p:spTree>
     <p:extLst>
       <p:ext uri="{BB962C8B-B14F-4D97-AF65-F5344CB8AC3E}">
-        <p14:creationId xmlns:p14="http://schemas.microsoft.com/office/powerpoint/2010/main" xmlns="" val="1071376976"/>
+        <p14:creationId xmlns:p14="http://schemas.microsoft.com/office/powerpoint/2010/main" val="1071376976"/>
       </p:ext>
     </p:extLst>
   </p:cSld>
@@ -5183,7 +5393,7 @@
     </p:spTree>
     <p:extLst>
       <p:ext uri="{BB962C8B-B14F-4D97-AF65-F5344CB8AC3E}">
-        <p14:creationId xmlns:p14="http://schemas.microsoft.com/office/powerpoint/2010/main" xmlns="" val="4215254224"/>
+        <p14:creationId xmlns:p14="http://schemas.microsoft.com/office/powerpoint/2010/main" val="4215254224"/>
       </p:ext>
     </p:extLst>
   </p:cSld>
@@ -5500,7 +5710,7 @@
     </p:spTree>
     <p:extLst>
       <p:ext uri="{BB962C8B-B14F-4D97-AF65-F5344CB8AC3E}">
-        <p14:creationId xmlns:p14="http://schemas.microsoft.com/office/powerpoint/2010/main" xmlns="" val="2932714335"/>
+        <p14:creationId xmlns:p14="http://schemas.microsoft.com/office/powerpoint/2010/main" val="2932714335"/>
       </p:ext>
     </p:extLst>
   </p:cSld>
@@ -5618,7 +5828,7 @@
             <a:alphaModFix amt="19000"/>
             <a:extLst>
               <a:ext uri="{28A0092B-C50C-407E-A947-70E740481C1C}">
-                <a14:useLocalDpi xmlns:a14="http://schemas.microsoft.com/office/drawing/2010/main" xmlns="" val="0"/>
+                <a14:useLocalDpi xmlns:a14="http://schemas.microsoft.com/office/drawing/2010/main" val="0"/>
               </a:ext>
             </a:extLst>
           </a:blip>
@@ -5639,7 +5849,7 @@
     </p:spTree>
     <p:extLst>
       <p:ext uri="{BB962C8B-B14F-4D97-AF65-F5344CB8AC3E}">
-        <p14:creationId xmlns:p14="http://schemas.microsoft.com/office/powerpoint/2010/main" xmlns="" val="3597262477"/>
+        <p14:creationId xmlns:p14="http://schemas.microsoft.com/office/powerpoint/2010/main" val="3597262477"/>
       </p:ext>
     </p:extLst>
   </p:cSld>
@@ -5925,7 +6135,7 @@
     </p:spTree>
     <p:extLst>
       <p:ext uri="{BB962C8B-B14F-4D97-AF65-F5344CB8AC3E}">
-        <p14:creationId xmlns:p14="http://schemas.microsoft.com/office/powerpoint/2010/main" xmlns="" val="4184055895"/>
+        <p14:creationId xmlns:p14="http://schemas.microsoft.com/office/powerpoint/2010/main" val="4184055895"/>
       </p:ext>
     </p:extLst>
   </p:cSld>
@@ -6341,7 +6551,7 @@
     </p:spTree>
     <p:extLst>
       <p:ext uri="{BB962C8B-B14F-4D97-AF65-F5344CB8AC3E}">
-        <p14:creationId xmlns:p14="http://schemas.microsoft.com/office/powerpoint/2010/main" xmlns="" val="3074528042"/>
+        <p14:creationId xmlns:p14="http://schemas.microsoft.com/office/powerpoint/2010/main" val="3074528042"/>
       </p:ext>
     </p:extLst>
   </p:cSld>
@@ -6513,7 +6723,7 @@
     </p:spTree>
     <p:extLst>
       <p:ext uri="{BB962C8B-B14F-4D97-AF65-F5344CB8AC3E}">
-        <p14:creationId xmlns:p14="http://schemas.microsoft.com/office/powerpoint/2010/main" xmlns="" val="493573408"/>
+        <p14:creationId xmlns:p14="http://schemas.microsoft.com/office/powerpoint/2010/main" val="493573408"/>
       </p:ext>
     </p:extLst>
   </p:cSld>
@@ -6627,7 +6837,7 @@
     </p:spTree>
     <p:extLst>
       <p:ext uri="{BB962C8B-B14F-4D97-AF65-F5344CB8AC3E}">
-        <p14:creationId xmlns:p14="http://schemas.microsoft.com/office/powerpoint/2010/main" xmlns="" val="3218785815"/>
+        <p14:creationId xmlns:p14="http://schemas.microsoft.com/office/powerpoint/2010/main" val="3218785815"/>
       </p:ext>
     </p:extLst>
   </p:cSld>
@@ -6923,7 +7133,7 @@
     </p:spTree>
     <p:extLst>
       <p:ext uri="{BB962C8B-B14F-4D97-AF65-F5344CB8AC3E}">
-        <p14:creationId xmlns:p14="http://schemas.microsoft.com/office/powerpoint/2010/main" xmlns="" val="677144757"/>
+        <p14:creationId xmlns:p14="http://schemas.microsoft.com/office/powerpoint/2010/main" val="677144757"/>
       </p:ext>
     </p:extLst>
   </p:cSld>
@@ -7199,7 +7409,7 @@
     </p:spTree>
     <p:extLst>
       <p:ext uri="{BB962C8B-B14F-4D97-AF65-F5344CB8AC3E}">
-        <p14:creationId xmlns:p14="http://schemas.microsoft.com/office/powerpoint/2010/main" xmlns="" val="895954504"/>
+        <p14:creationId xmlns:p14="http://schemas.microsoft.com/office/powerpoint/2010/main" val="895954504"/>
       </p:ext>
     </p:extLst>
   </p:cSld>
@@ -7636,7 +7846,7 @@
           <a:blip r:embed="rId13">
             <a:extLst>
               <a:ext uri="{28A0092B-C50C-407E-A947-70E740481C1C}">
-                <a14:useLocalDpi xmlns:a14="http://schemas.microsoft.com/office/drawing/2010/main" xmlns="" val="0"/>
+                <a14:useLocalDpi xmlns:a14="http://schemas.microsoft.com/office/drawing/2010/main" val="0"/>
               </a:ext>
             </a:extLst>
           </a:blip>
@@ -7762,7 +7972,7 @@
           <a:blip r:embed="rId14" cstate="print">
             <a:extLst>
               <a:ext uri="{28A0092B-C50C-407E-A947-70E740481C1C}">
-                <a14:useLocalDpi xmlns:a14="http://schemas.microsoft.com/office/drawing/2010/main" xmlns="" val="0"/>
+                <a14:useLocalDpi xmlns:a14="http://schemas.microsoft.com/office/drawing/2010/main" val="0"/>
               </a:ext>
             </a:extLst>
           </a:blip>
@@ -7792,7 +8002,7 @@
           <a:blip r:embed="rId15" cstate="print">
             <a:extLst>
               <a:ext uri="{28A0092B-C50C-407E-A947-70E740481C1C}">
-                <a14:useLocalDpi xmlns:a14="http://schemas.microsoft.com/office/drawing/2010/main" xmlns="" val="0"/>
+                <a14:useLocalDpi xmlns:a14="http://schemas.microsoft.com/office/drawing/2010/main" val="0"/>
               </a:ext>
             </a:extLst>
           </a:blip>
@@ -7813,7 +8023,7 @@
     </p:spTree>
     <p:extLst>
       <p:ext uri="{BB962C8B-B14F-4D97-AF65-F5344CB8AC3E}">
-        <p14:creationId xmlns:p14="http://schemas.microsoft.com/office/powerpoint/2010/main" xmlns="" val="3286353079"/>
+        <p14:creationId xmlns:p14="http://schemas.microsoft.com/office/powerpoint/2010/main" val="3286353079"/>
       </p:ext>
     </p:extLst>
   </p:cSld>
@@ -8794,7 +9004,7 @@
     </p:spTree>
     <p:extLst>
       <p:ext uri="{BB962C8B-B14F-4D97-AF65-F5344CB8AC3E}">
-        <p14:creationId xmlns:p14="http://schemas.microsoft.com/office/powerpoint/2010/main" xmlns="" val="2134968034"/>
+        <p14:creationId xmlns:p14="http://schemas.microsoft.com/office/powerpoint/2010/main" val="2134968034"/>
       </p:ext>
     </p:extLst>
   </p:cSld>
@@ -8858,22 +9068,12 @@
               <a:buChar char="v"/>
             </a:pPr>
             <a:r>
-              <a:rPr lang="en-US" dirty="0" smtClean="0"/>
-              <a:t>Phần quan trọng nhất</a:t>
-            </a:r>
-          </a:p>
-          <a:p>
-            <a:pPr>
-              <a:buFont typeface="Wingdings" pitchFamily="2" charset="2"/>
-              <a:buChar char="v"/>
-            </a:pPr>
-            <a:r>
-              <a:rPr lang="en-US" dirty="0" smtClean="0"/>
-              <a:t>Sau khi qua 7 phần xin mời các bạn đến với clip của nhóm </a:t>
-            </a:r>
-            <a:r>
-              <a:rPr lang="en-US" dirty="0" smtClean="0"/>
-              <a:t>:</a:t>
+              <a:rPr lang="en-US" dirty="0" err="1" smtClean="0"/>
+              <a:t>Sau</a:t>
+            </a:r>
+            <a:r>
+              <a:rPr lang="en-US" dirty="0" smtClean="0"/>
+              <a:t> khi qua 7 phần xin mời các bạn đến với clip của nhóm :</a:t>
             </a:r>
           </a:p>
           <a:p>
@@ -9000,7 +9200,7 @@
     </p:spTree>
     <p:extLst>
       <p:ext uri="{BB962C8B-B14F-4D97-AF65-F5344CB8AC3E}">
-        <p14:creationId xmlns:p14="http://schemas.microsoft.com/office/powerpoint/2010/main" xmlns="" val="3417245275"/>
+        <p14:creationId xmlns:p14="http://schemas.microsoft.com/office/powerpoint/2010/main" val="3417245275"/>
       </p:ext>
     </p:extLst>
   </p:cSld>
@@ -9163,7 +9363,7 @@
     </p:spTree>
     <p:extLst>
       <p:ext uri="{BB962C8B-B14F-4D97-AF65-F5344CB8AC3E}">
-        <p14:creationId xmlns:p14="http://schemas.microsoft.com/office/powerpoint/2010/main" xmlns="" val="395878056"/>
+        <p14:creationId xmlns:p14="http://schemas.microsoft.com/office/powerpoint/2010/main" val="395878056"/>
       </p:ext>
     </p:extLst>
   </p:cSld>
@@ -9228,7 +9428,31 @@
             </a:pPr>
             <a:r>
               <a:rPr lang="en-US" dirty="0" smtClean="0"/>
-              <a:t>Lê Thành Trung(Nhóm Trưởng)</a:t>
+              <a:t>Lê </a:t>
+            </a:r>
+            <a:r>
+              <a:rPr lang="en-US" dirty="0" err="1" smtClean="0"/>
+              <a:t>Thành</a:t>
+            </a:r>
+            <a:r>
+              <a:rPr lang="en-US" dirty="0" smtClean="0"/>
+              <a:t> </a:t>
+            </a:r>
+            <a:r>
+              <a:rPr lang="en-US" dirty="0" err="1" smtClean="0"/>
+              <a:t>Trung</a:t>
+            </a:r>
+            <a:r>
+              <a:rPr lang="en-US" dirty="0" smtClean="0"/>
+              <a:t> (Nhóm </a:t>
+            </a:r>
+            <a:r>
+              <a:rPr lang="en-US" dirty="0" err="1" smtClean="0"/>
+              <a:t>Trưởng</a:t>
+            </a:r>
+            <a:r>
+              <a:rPr lang="en-US" dirty="0" smtClean="0"/>
+              <a:t>).</a:t>
             </a:r>
           </a:p>
           <a:p>
@@ -9241,7 +9465,35 @@
                 <a:latin typeface="Arial" pitchFamily="34" charset="0"/>
                 <a:cs typeface="Arial" pitchFamily="34" charset="0"/>
               </a:rPr>
-              <a:t>Lê Văn Huy</a:t>
+              <a:t>Lê </a:t>
+            </a:r>
+            <a:r>
+              <a:rPr lang="en-US" dirty="0" err="1" smtClean="0">
+                <a:latin typeface="Arial" pitchFamily="34" charset="0"/>
+                <a:cs typeface="Arial" pitchFamily="34" charset="0"/>
+              </a:rPr>
+              <a:t>Văn</a:t>
+            </a:r>
+            <a:r>
+              <a:rPr lang="en-US" dirty="0" smtClean="0">
+                <a:latin typeface="Arial" pitchFamily="34" charset="0"/>
+                <a:cs typeface="Arial" pitchFamily="34" charset="0"/>
+              </a:rPr>
+              <a:t> </a:t>
+            </a:r>
+            <a:r>
+              <a:rPr lang="en-US" dirty="0" err="1" smtClean="0">
+                <a:latin typeface="Arial" pitchFamily="34" charset="0"/>
+                <a:cs typeface="Arial" pitchFamily="34" charset="0"/>
+              </a:rPr>
+              <a:t>Huy</a:t>
+            </a:r>
+            <a:r>
+              <a:rPr lang="en-US" dirty="0" smtClean="0">
+                <a:latin typeface="Arial" pitchFamily="34" charset="0"/>
+                <a:cs typeface="Arial" pitchFamily="34" charset="0"/>
+              </a:rPr>
+              <a:t>.</a:t>
             </a:r>
           </a:p>
           <a:p>
@@ -9254,7 +9506,35 @@
                 <a:latin typeface="Arial" pitchFamily="34" charset="0"/>
                 <a:cs typeface="Arial" pitchFamily="34" charset="0"/>
               </a:rPr>
-              <a:t>Phùng Viết Huy</a:t>
+              <a:t>Phùng </a:t>
+            </a:r>
+            <a:r>
+              <a:rPr lang="en-US" dirty="0" err="1" smtClean="0">
+                <a:latin typeface="Arial" pitchFamily="34" charset="0"/>
+                <a:cs typeface="Arial" pitchFamily="34" charset="0"/>
+              </a:rPr>
+              <a:t>Viết</a:t>
+            </a:r>
+            <a:r>
+              <a:rPr lang="en-US" dirty="0" smtClean="0">
+                <a:latin typeface="Arial" pitchFamily="34" charset="0"/>
+                <a:cs typeface="Arial" pitchFamily="34" charset="0"/>
+              </a:rPr>
+              <a:t> </a:t>
+            </a:r>
+            <a:r>
+              <a:rPr lang="en-US" dirty="0" err="1" smtClean="0">
+                <a:latin typeface="Arial" pitchFamily="34" charset="0"/>
+                <a:cs typeface="Arial" pitchFamily="34" charset="0"/>
+              </a:rPr>
+              <a:t>Huy</a:t>
+            </a:r>
+            <a:r>
+              <a:rPr lang="en-US" dirty="0" smtClean="0">
+                <a:latin typeface="Arial" pitchFamily="34" charset="0"/>
+                <a:cs typeface="Arial" pitchFamily="34" charset="0"/>
+              </a:rPr>
+              <a:t>.</a:t>
             </a:r>
           </a:p>
           <a:p>
@@ -9264,7 +9544,15 @@
             </a:pPr>
             <a:r>
               <a:rPr lang="en-US" dirty="0" smtClean="0"/>
-              <a:t>Quách Văn Thiên An	</a:t>
+              <a:t>Quách Văn </a:t>
+            </a:r>
+            <a:r>
+              <a:rPr lang="en-US" dirty="0" err="1" smtClean="0"/>
+              <a:t>Thiên</a:t>
+            </a:r>
+            <a:r>
+              <a:rPr lang="en-US" dirty="0" smtClean="0"/>
+              <a:t> An.	</a:t>
             </a:r>
           </a:p>
           <a:p>
@@ -9273,8 +9561,20 @@
               <a:buAutoNum type="arabicPeriod"/>
             </a:pPr>
             <a:r>
-              <a:rPr lang="en-US" dirty="0" smtClean="0"/>
-              <a:t>Nguyễn Lộc</a:t>
+              <a:rPr lang="en-US" dirty="0" err="1" smtClean="0"/>
+              <a:t>Nguyễn</a:t>
+            </a:r>
+            <a:r>
+              <a:rPr lang="en-US" dirty="0" smtClean="0"/>
+              <a:t> </a:t>
+            </a:r>
+            <a:r>
+              <a:rPr lang="en-US" dirty="0" err="1" smtClean="0"/>
+              <a:t>Lộc</a:t>
+            </a:r>
+            <a:r>
+              <a:rPr lang="en-US" dirty="0" smtClean="0"/>
+              <a:t>.</a:t>
             </a:r>
             <a:endParaRPr lang="en-US" dirty="0" smtClean="0">
               <a:latin typeface="Arial" pitchFamily="34" charset="0"/>
@@ -9440,7 +9740,7 @@
             <p:ph idx="1"/>
             <p:extLst>
               <p:ext uri="{D42A27DB-BD31-4B8C-83A1-F6EECF244321}">
-                <p14:modId xmlns:p14="http://schemas.microsoft.com/office/powerpoint/2010/main" xmlns="" val="1694855842"/>
+                <p14:modId xmlns:p14="http://schemas.microsoft.com/office/powerpoint/2010/main" val="1800465449"/>
               </p:ext>
             </p:extLst>
           </p:nvPr>
@@ -9615,7 +9915,15 @@
             </a:pPr>
             <a:r>
               <a:rPr lang="en-US" dirty="0" smtClean="0"/>
-              <a:t>Đồ án “Ước mơ” được thực hiện với nhóm 7</a:t>
+              <a:t>Đồ án “Ước mơ” được thực hiện với </a:t>
+            </a:r>
+            <a:r>
+              <a:rPr lang="en-US" dirty="0" err="1" smtClean="0"/>
+              <a:t>nhóm</a:t>
+            </a:r>
+            <a:r>
+              <a:rPr lang="en-US" dirty="0" smtClean="0"/>
+              <a:t> 7.</a:t>
             </a:r>
           </a:p>
           <a:p>
@@ -9628,14 +9936,164 @@
                 <a:latin typeface="Arial" pitchFamily="34" charset="0"/>
                 <a:cs typeface="Arial" pitchFamily="34" charset="0"/>
               </a:rPr>
-              <a:t>Nói </a:t>
+              <a:t>Nói về ước mơ của </a:t>
+            </a:r>
+            <a:r>
+              <a:rPr lang="en-US" dirty="0" err="1" smtClean="0">
+                <a:latin typeface="Arial" pitchFamily="34" charset="0"/>
+                <a:cs typeface="Arial" pitchFamily="34" charset="0"/>
+              </a:rPr>
+              <a:t>bạn</a:t>
             </a:r>
             <a:r>
               <a:rPr lang="en-US" dirty="0" smtClean="0">
                 <a:latin typeface="Arial" pitchFamily="34" charset="0"/>
                 <a:cs typeface="Arial" pitchFamily="34" charset="0"/>
               </a:rPr>
-              <a:t>về ước mơ của bạn Lộc trong nhóm bọn mình. </a:t>
+              <a:t> </a:t>
+            </a:r>
+            <a:r>
+              <a:rPr lang="en-US" dirty="0" err="1" smtClean="0">
+                <a:latin typeface="Arial" pitchFamily="34" charset="0"/>
+                <a:cs typeface="Arial" pitchFamily="34" charset="0"/>
+              </a:rPr>
+              <a:t>Lộc</a:t>
+            </a:r>
+            <a:r>
+              <a:rPr lang="en-US" dirty="0" smtClean="0"/>
+              <a:t>.</a:t>
+            </a:r>
+            <a:r>
+              <a:rPr lang="en-US" dirty="0"/>
+              <a:t> </a:t>
+            </a:r>
+            <a:r>
+              <a:rPr lang="en-US" dirty="0" err="1" smtClean="0"/>
+              <a:t>Từ</a:t>
+            </a:r>
+            <a:r>
+              <a:rPr lang="en-US" dirty="0" smtClean="0"/>
+              <a:t> </a:t>
+            </a:r>
+            <a:r>
+              <a:rPr lang="en-US" dirty="0" err="1" smtClean="0"/>
+              <a:t>những</a:t>
+            </a:r>
+            <a:r>
+              <a:rPr lang="en-US" dirty="0" smtClean="0"/>
+              <a:t> </a:t>
+            </a:r>
+            <a:r>
+              <a:rPr lang="en-US" dirty="0" err="1" smtClean="0"/>
+              <a:t>ước</a:t>
+            </a:r>
+            <a:r>
+              <a:rPr lang="en-US" dirty="0" smtClean="0"/>
+              <a:t> </a:t>
+            </a:r>
+            <a:r>
+              <a:rPr lang="en-US" dirty="0" err="1" smtClean="0"/>
+              <a:t>mơ</a:t>
+            </a:r>
+            <a:r>
+              <a:rPr lang="en-US" dirty="0" smtClean="0"/>
+              <a:t> </a:t>
+            </a:r>
+            <a:r>
+              <a:rPr lang="en-US" dirty="0" err="1" smtClean="0"/>
+              <a:t>từ</a:t>
+            </a:r>
+            <a:r>
+              <a:rPr lang="en-US" dirty="0" smtClean="0"/>
+              <a:t> </a:t>
+            </a:r>
+            <a:r>
+              <a:rPr lang="en-US" dirty="0" err="1" smtClean="0"/>
+              <a:t>khi</a:t>
+            </a:r>
+            <a:r>
+              <a:rPr lang="en-US" dirty="0" smtClean="0"/>
+              <a:t> </a:t>
+            </a:r>
+            <a:r>
+              <a:rPr lang="en-US" dirty="0" err="1" smtClean="0"/>
+              <a:t>còn</a:t>
+            </a:r>
+            <a:r>
+              <a:rPr lang="en-US" dirty="0"/>
+              <a:t> </a:t>
+            </a:r>
+            <a:r>
+              <a:rPr lang="en-US" dirty="0" err="1" smtClean="0"/>
+              <a:t>nhỏ</a:t>
+            </a:r>
+            <a:r>
+              <a:rPr lang="en-US" dirty="0" smtClean="0"/>
+              <a:t> </a:t>
+            </a:r>
+            <a:r>
+              <a:rPr lang="en-US" dirty="0" err="1" smtClean="0"/>
+              <a:t>và</a:t>
+            </a:r>
+            <a:r>
+              <a:rPr lang="en-US" dirty="0" smtClean="0"/>
+              <a:t> </a:t>
+            </a:r>
+            <a:r>
+              <a:rPr lang="en-US" dirty="0" err="1" smtClean="0"/>
+              <a:t>dần</a:t>
+            </a:r>
+            <a:r>
+              <a:rPr lang="en-US" dirty="0" smtClean="0"/>
+              <a:t> </a:t>
+            </a:r>
+            <a:r>
+              <a:rPr lang="en-US" dirty="0" err="1" smtClean="0"/>
+              <a:t>dần</a:t>
+            </a:r>
+            <a:r>
+              <a:rPr lang="en-US" dirty="0" smtClean="0"/>
+              <a:t> </a:t>
+            </a:r>
+            <a:r>
+              <a:rPr lang="en-US" dirty="0" err="1" smtClean="0"/>
+              <a:t>thay</a:t>
+            </a:r>
+            <a:r>
+              <a:rPr lang="en-US" dirty="0" smtClean="0"/>
+              <a:t> </a:t>
+            </a:r>
+            <a:r>
+              <a:rPr lang="en-US" dirty="0" err="1" smtClean="0"/>
+              <a:t>đổi</a:t>
+            </a:r>
+            <a:r>
+              <a:rPr lang="en-US" dirty="0" smtClean="0"/>
+              <a:t> </a:t>
+            </a:r>
+            <a:r>
+              <a:rPr lang="en-US" dirty="0" err="1" smtClean="0"/>
+              <a:t>theo</a:t>
+            </a:r>
+            <a:r>
+              <a:rPr lang="en-US" dirty="0" smtClean="0"/>
+              <a:t> </a:t>
+            </a:r>
+            <a:r>
+              <a:rPr lang="en-US" dirty="0" err="1" smtClean="0"/>
+              <a:t>thời</a:t>
+            </a:r>
+            <a:r>
+              <a:rPr lang="en-US" dirty="0" smtClean="0"/>
+              <a:t> </a:t>
+            </a:r>
+            <a:r>
+              <a:rPr lang="en-US" dirty="0" err="1" smtClean="0"/>
+              <a:t>gian</a:t>
+            </a:r>
+            <a:r>
+              <a:rPr lang="en-US" dirty="0" smtClean="0"/>
+              <a:t>.</a:t>
             </a:r>
           </a:p>
           <a:p>
@@ -9644,8 +10102,140 @@
               <a:buChar char=""/>
             </a:pPr>
             <a:r>
-              <a:rPr lang="en-US" dirty="0" smtClean="0"/>
-              <a:t>Câu chuyện đi từ khi bạn lộc còn bé có những ước mơ như bao đứa trẻ khác và lớn lên định hướng được ước mơ của mình.</a:t>
+              <a:rPr lang="en-US" dirty="0" err="1" smtClean="0"/>
+              <a:t>Đến</a:t>
+            </a:r>
+            <a:r>
+              <a:rPr lang="en-US" dirty="0" smtClean="0"/>
+              <a:t> </a:t>
+            </a:r>
+            <a:r>
+              <a:rPr lang="en-US" dirty="0" err="1" smtClean="0"/>
+              <a:t>khi</a:t>
+            </a:r>
+            <a:r>
+              <a:rPr lang="en-US" dirty="0" smtClean="0"/>
+              <a:t> </a:t>
+            </a:r>
+            <a:r>
+              <a:rPr lang="en-US" dirty="0" err="1" smtClean="0"/>
+              <a:t>trưởng</a:t>
+            </a:r>
+            <a:r>
+              <a:rPr lang="en-US" dirty="0" smtClean="0"/>
+              <a:t> </a:t>
+            </a:r>
+            <a:r>
+              <a:rPr lang="en-US" dirty="0" err="1" smtClean="0"/>
+              <a:t>thành</a:t>
+            </a:r>
+            <a:r>
+              <a:rPr lang="en-US" dirty="0" smtClean="0"/>
+              <a:t> </a:t>
+            </a:r>
+            <a:r>
+              <a:rPr lang="en-US" dirty="0" err="1" smtClean="0"/>
+              <a:t>hơn</a:t>
+            </a:r>
+            <a:r>
+              <a:rPr lang="en-US" dirty="0" smtClean="0"/>
+              <a:t>, </a:t>
+            </a:r>
+            <a:r>
+              <a:rPr lang="en-US" dirty="0" err="1" smtClean="0"/>
+              <a:t>Lộc</a:t>
+            </a:r>
+            <a:r>
+              <a:rPr lang="en-US" dirty="0" smtClean="0"/>
+              <a:t> </a:t>
+            </a:r>
+            <a:r>
+              <a:rPr lang="en-US" dirty="0" err="1" smtClean="0"/>
+              <a:t>đã</a:t>
+            </a:r>
+            <a:r>
+              <a:rPr lang="en-US" dirty="0" smtClean="0"/>
+              <a:t> </a:t>
+            </a:r>
+            <a:r>
+              <a:rPr lang="en-US" dirty="0" err="1" smtClean="0"/>
+              <a:t>có</a:t>
+            </a:r>
+            <a:r>
+              <a:rPr lang="en-US" dirty="0" smtClean="0"/>
+              <a:t> </a:t>
+            </a:r>
+            <a:r>
+              <a:rPr lang="en-US" dirty="0" err="1" smtClean="0"/>
+              <a:t>những</a:t>
+            </a:r>
+            <a:r>
+              <a:rPr lang="en-US" dirty="0" smtClean="0"/>
+              <a:t> </a:t>
+            </a:r>
+            <a:r>
+              <a:rPr lang="en-US" dirty="0" err="1" smtClean="0"/>
+              <a:t>ước</a:t>
+            </a:r>
+            <a:r>
+              <a:rPr lang="en-US" dirty="0" smtClean="0"/>
+              <a:t> </a:t>
+            </a:r>
+            <a:r>
+              <a:rPr lang="en-US" dirty="0" err="1" smtClean="0"/>
+              <a:t>mơ</a:t>
+            </a:r>
+            <a:r>
+              <a:rPr lang="en-US" dirty="0" smtClean="0"/>
+              <a:t> </a:t>
+            </a:r>
+            <a:r>
+              <a:rPr lang="en-US" dirty="0" err="1" smtClean="0"/>
+              <a:t>vững</a:t>
+            </a:r>
+            <a:r>
+              <a:rPr lang="en-US" dirty="0" smtClean="0"/>
+              <a:t> </a:t>
+            </a:r>
+            <a:r>
+              <a:rPr lang="en-US" dirty="0" err="1" smtClean="0"/>
+              <a:t>vàng</a:t>
+            </a:r>
+            <a:r>
+              <a:rPr lang="en-US" dirty="0"/>
+              <a:t> </a:t>
+            </a:r>
+            <a:r>
+              <a:rPr lang="en-US" dirty="0" err="1" smtClean="0"/>
+              <a:t>và</a:t>
+            </a:r>
+            <a:r>
+              <a:rPr lang="en-US" dirty="0" smtClean="0"/>
+              <a:t> </a:t>
+            </a:r>
+            <a:r>
+              <a:rPr lang="en-US" dirty="0" err="1" smtClean="0"/>
+              <a:t>thiết</a:t>
+            </a:r>
+            <a:r>
+              <a:rPr lang="en-US" dirty="0" smtClean="0"/>
+              <a:t> </a:t>
+            </a:r>
+            <a:r>
+              <a:rPr lang="en-US" dirty="0" err="1" smtClean="0"/>
+              <a:t>thực</a:t>
+            </a:r>
+            <a:r>
+              <a:rPr lang="en-US" dirty="0" smtClean="0"/>
+              <a:t> </a:t>
+            </a:r>
+            <a:r>
+              <a:rPr lang="en-US" dirty="0" err="1" smtClean="0"/>
+              <a:t>hơn</a:t>
+            </a:r>
+            <a:r>
+              <a:rPr lang="en-US" dirty="0" smtClean="0"/>
+              <a:t>.</a:t>
             </a:r>
           </a:p>
           <a:p>
@@ -9654,13 +10244,85 @@
               <a:buChar char=""/>
             </a:pPr>
             <a:r>
-              <a:rPr lang="en-US" dirty="0" smtClean="0"/>
-              <a:t>Và câu chuyện được nói rõ hơn trong phần clip.</a:t>
-            </a:r>
-            <a:endParaRPr lang="en-US" dirty="0" smtClean="0">
-              <a:latin typeface="Arial" pitchFamily="34" charset="0"/>
-              <a:cs typeface="Arial" pitchFamily="34" charset="0"/>
-            </a:endParaRPr>
+              <a:rPr lang="en-US" dirty="0" err="1" smtClean="0"/>
+              <a:t>Và</a:t>
+            </a:r>
+            <a:r>
+              <a:rPr lang="en-US" dirty="0" smtClean="0"/>
+              <a:t> </a:t>
+            </a:r>
+            <a:r>
+              <a:rPr lang="en-US" dirty="0" err="1" smtClean="0"/>
+              <a:t>những</a:t>
+            </a:r>
+            <a:r>
+              <a:rPr lang="en-US" dirty="0" smtClean="0"/>
+              <a:t> </a:t>
+            </a:r>
+            <a:r>
+              <a:rPr lang="en-US" dirty="0" err="1" smtClean="0"/>
+              <a:t>điều</a:t>
+            </a:r>
+            <a:r>
+              <a:rPr lang="en-US" dirty="0" smtClean="0"/>
+              <a:t> </a:t>
+            </a:r>
+            <a:r>
+              <a:rPr lang="en-US" dirty="0" err="1" smtClean="0"/>
+              <a:t>mà</a:t>
+            </a:r>
+            <a:r>
+              <a:rPr lang="en-US" dirty="0" smtClean="0"/>
+              <a:t> </a:t>
+            </a:r>
+            <a:r>
+              <a:rPr lang="en-US" dirty="0" err="1" smtClean="0"/>
+              <a:t>Lộc</a:t>
+            </a:r>
+            <a:r>
+              <a:rPr lang="en-US" dirty="0" smtClean="0"/>
+              <a:t> </a:t>
+            </a:r>
+            <a:r>
+              <a:rPr lang="en-US" dirty="0" err="1" smtClean="0"/>
+              <a:t>cần</a:t>
+            </a:r>
+            <a:r>
+              <a:rPr lang="en-US" dirty="0" smtClean="0"/>
+              <a:t> </a:t>
+            </a:r>
+            <a:r>
+              <a:rPr lang="en-US" dirty="0" err="1" smtClean="0"/>
+              <a:t>phải</a:t>
+            </a:r>
+            <a:r>
+              <a:rPr lang="en-US" dirty="0" smtClean="0"/>
+              <a:t> </a:t>
+            </a:r>
+            <a:r>
+              <a:rPr lang="en-US" dirty="0" err="1" smtClean="0"/>
+              <a:t>học</a:t>
+            </a:r>
+            <a:r>
+              <a:rPr lang="en-US" dirty="0" smtClean="0"/>
+              <a:t> </a:t>
+            </a:r>
+            <a:r>
+              <a:rPr lang="en-US" dirty="0" err="1" smtClean="0"/>
+              <a:t>và</a:t>
+            </a:r>
+            <a:r>
+              <a:rPr lang="en-US" dirty="0" smtClean="0"/>
+              <a:t> </a:t>
+            </a:r>
+            <a:r>
+              <a:rPr lang="en-US" dirty="0" err="1" smtClean="0"/>
+              <a:t>làm</a:t>
+            </a:r>
+            <a:r>
+              <a:rPr lang="en-US" dirty="0" smtClean="0"/>
+              <a:t>.</a:t>
+            </a:r>
           </a:p>
         </p:txBody>
       </p:sp>
@@ -10059,7 +10721,47 @@
             </a:pPr>
             <a:r>
               <a:rPr lang="en-US" dirty="0" smtClean="0"/>
-              <a:t>Mọi người đều nhận công việc của mình một cách thoải mái </a:t>
+              <a:t>Mọi người đều nhận công việc của mình một </a:t>
+            </a:r>
+            <a:r>
+              <a:rPr lang="en-US" dirty="0" err="1" smtClean="0"/>
+              <a:t>cách</a:t>
+            </a:r>
+            <a:r>
+              <a:rPr lang="en-US" dirty="0" smtClean="0"/>
+              <a:t> </a:t>
+            </a:r>
+            <a:r>
+              <a:rPr lang="en-US" dirty="0" err="1" smtClean="0"/>
+              <a:t>cụ</a:t>
+            </a:r>
+            <a:r>
+              <a:rPr lang="en-US" dirty="0" smtClean="0"/>
+              <a:t> </a:t>
+            </a:r>
+            <a:r>
+              <a:rPr lang="en-US" dirty="0" err="1" smtClean="0"/>
+              <a:t>thể</a:t>
+            </a:r>
+            <a:r>
+              <a:rPr lang="en-US" dirty="0" smtClean="0"/>
+              <a:t> </a:t>
+            </a:r>
+            <a:r>
+              <a:rPr lang="en-US" dirty="0" err="1" smtClean="0"/>
+              <a:t>và</a:t>
+            </a:r>
+            <a:r>
+              <a:rPr lang="en-US" dirty="0" smtClean="0"/>
+              <a:t> chi </a:t>
+            </a:r>
+            <a:r>
+              <a:rPr lang="en-US" dirty="0" err="1" smtClean="0"/>
+              <a:t>tiết</a:t>
+            </a:r>
+            <a:r>
+              <a:rPr lang="en-US" dirty="0" smtClean="0"/>
+              <a:t>.</a:t>
             </a:r>
           </a:p>
           <a:p>
@@ -10068,8 +10770,124 @@
               <a:buChar char="v"/>
             </a:pPr>
             <a:r>
-              <a:rPr lang="en-US" dirty="0" smtClean="0"/>
-              <a:t>Chi tiết công việc cho từng bạn là được liệt kê trong file world</a:t>
+              <a:rPr lang="en-US" dirty="0" err="1" smtClean="0"/>
+              <a:t>Và</a:t>
+            </a:r>
+            <a:r>
+              <a:rPr lang="en-US" dirty="0"/>
+              <a:t> </a:t>
+            </a:r>
+            <a:r>
+              <a:rPr lang="en-US" dirty="0" err="1" smtClean="0"/>
+              <a:t>các</a:t>
+            </a:r>
+            <a:r>
+              <a:rPr lang="en-US" dirty="0" smtClean="0"/>
+              <a:t> </a:t>
+            </a:r>
+            <a:r>
+              <a:rPr lang="en-US" dirty="0" err="1" smtClean="0"/>
+              <a:t>thành</a:t>
+            </a:r>
+            <a:r>
+              <a:rPr lang="en-US" dirty="0" smtClean="0"/>
+              <a:t> </a:t>
+            </a:r>
+            <a:r>
+              <a:rPr lang="en-US" dirty="0" err="1" smtClean="0"/>
+              <a:t>viên</a:t>
+            </a:r>
+            <a:r>
+              <a:rPr lang="en-US" dirty="0" smtClean="0"/>
+              <a:t> </a:t>
+            </a:r>
+            <a:r>
+              <a:rPr lang="en-US" dirty="0" err="1" smtClean="0"/>
+              <a:t>trong</a:t>
+            </a:r>
+            <a:r>
+              <a:rPr lang="en-US" dirty="0" smtClean="0"/>
+              <a:t> </a:t>
+            </a:r>
+            <a:r>
+              <a:rPr lang="en-US" dirty="0" err="1" smtClean="0"/>
+              <a:t>nhóm</a:t>
+            </a:r>
+            <a:r>
+              <a:rPr lang="en-US" dirty="0" smtClean="0"/>
+              <a:t> </a:t>
+            </a:r>
+            <a:r>
+              <a:rPr lang="en-US" dirty="0" err="1" smtClean="0"/>
+              <a:t>được</a:t>
+            </a:r>
+            <a:r>
+              <a:rPr lang="en-US" dirty="0" smtClean="0"/>
+              <a:t> </a:t>
+            </a:r>
+            <a:r>
+              <a:rPr lang="en-US" dirty="0" err="1" smtClean="0"/>
+              <a:t>quy</a:t>
+            </a:r>
+            <a:r>
+              <a:rPr lang="en-US" dirty="0" smtClean="0"/>
+              <a:t> </a:t>
+            </a:r>
+            <a:r>
+              <a:rPr lang="en-US" dirty="0" err="1" smtClean="0"/>
+              <a:t>định</a:t>
+            </a:r>
+            <a:r>
+              <a:rPr lang="en-US" dirty="0" smtClean="0"/>
+              <a:t> </a:t>
+            </a:r>
+            <a:r>
+              <a:rPr lang="en-US" dirty="0" err="1" smtClean="0"/>
+              <a:t>thời</a:t>
+            </a:r>
+            <a:r>
+              <a:rPr lang="en-US" dirty="0" smtClean="0"/>
+              <a:t> </a:t>
+            </a:r>
+            <a:r>
+              <a:rPr lang="en-US" dirty="0" err="1" smtClean="0"/>
+              <a:t>gian</a:t>
+            </a:r>
+            <a:r>
+              <a:rPr lang="en-US" dirty="0" smtClean="0"/>
+              <a:t> </a:t>
+            </a:r>
+            <a:r>
+              <a:rPr lang="en-US" dirty="0" err="1" smtClean="0"/>
+              <a:t>nộp</a:t>
+            </a:r>
+            <a:r>
+              <a:rPr lang="en-US" dirty="0" smtClean="0"/>
+              <a:t> </a:t>
+            </a:r>
+            <a:r>
+              <a:rPr lang="en-US" dirty="0" err="1" smtClean="0"/>
+              <a:t>bài</a:t>
+            </a:r>
+            <a:r>
+              <a:rPr lang="en-US" dirty="0" smtClean="0"/>
+              <a:t> </a:t>
+            </a:r>
+            <a:r>
+              <a:rPr lang="en-US" dirty="0" err="1" smtClean="0"/>
+              <a:t>rõ</a:t>
+            </a:r>
+            <a:r>
+              <a:rPr lang="en-US" dirty="0" smtClean="0"/>
+              <a:t> </a:t>
+            </a:r>
+            <a:r>
+              <a:rPr lang="en-US" dirty="0" err="1" smtClean="0"/>
+              <a:t>ràng</a:t>
+            </a:r>
+            <a:r>
+              <a:rPr lang="en-US" dirty="0" smtClean="0"/>
+              <a:t>. </a:t>
             </a:r>
           </a:p>
         </p:txBody>
@@ -10181,7 +10999,7 @@
     </p:spTree>
     <p:extLst>
       <p:ext uri="{BB962C8B-B14F-4D97-AF65-F5344CB8AC3E}">
-        <p14:creationId xmlns:p14="http://schemas.microsoft.com/office/powerpoint/2010/main" xmlns="" val="2136782892"/>
+        <p14:creationId xmlns:p14="http://schemas.microsoft.com/office/powerpoint/2010/main" val="2136782892"/>
       </p:ext>
     </p:extLst>
   </p:cSld>
@@ -10242,14 +11060,35 @@
                 <a:latin typeface="Arial" pitchFamily="34" charset="0"/>
                 <a:cs typeface="Arial" pitchFamily="34" charset="0"/>
               </a:rPr>
-              <a:t>Mọi người cùng nhau thảo luận và cùng thống nhất kế </a:t>
+              <a:t>Mọi người cùng nhau thảo luận và cùng thống nhất </a:t>
+            </a:r>
+            <a:r>
+              <a:rPr lang="en-US" dirty="0" err="1" smtClean="0">
+                <a:latin typeface="Arial" pitchFamily="34" charset="0"/>
+                <a:cs typeface="Arial" pitchFamily="34" charset="0"/>
+              </a:rPr>
+              <a:t>kế</a:t>
             </a:r>
             <a:r>
               <a:rPr lang="en-US" dirty="0" smtClean="0">
                 <a:latin typeface="Arial" pitchFamily="34" charset="0"/>
                 <a:cs typeface="Arial" pitchFamily="34" charset="0"/>
               </a:rPr>
+              <a:t> </a:t>
+            </a:r>
+            <a:r>
+              <a:rPr lang="en-US" dirty="0" err="1" smtClean="0">
+                <a:latin typeface="Arial" pitchFamily="34" charset="0"/>
+                <a:cs typeface="Arial" pitchFamily="34" charset="0"/>
+              </a:rPr>
               <a:t>hoạch</a:t>
+            </a:r>
+            <a:r>
+              <a:rPr lang="en-US" dirty="0" smtClean="0">
+                <a:latin typeface="Arial" pitchFamily="34" charset="0"/>
+                <a:cs typeface="Arial" pitchFamily="34" charset="0"/>
+              </a:rPr>
+              <a:t>.</a:t>
             </a:r>
           </a:p>
           <a:p>
@@ -10262,26 +11101,36 @@
                 <a:latin typeface="Arial" pitchFamily="34" charset="0"/>
                 <a:cs typeface="Arial" pitchFamily="34" charset="0"/>
               </a:rPr>
-              <a:t>Kế hoạch được lên chi tiết và có thời hạn</a:t>
-            </a:r>
-            <a:endParaRPr lang="en-US" dirty="0" smtClean="0">
-              <a:latin typeface="Arial" pitchFamily="34" charset="0"/>
-              <a:cs typeface="Arial" pitchFamily="34" charset="0"/>
-            </a:endParaRPr>
-          </a:p>
-          <a:p>
-            <a:pPr marL="539750" indent="-457200">
-              <a:buFont typeface="Wingdings" pitchFamily="2" charset="2"/>
-              <a:buChar char="v"/>
-            </a:pPr>
-            <a:r>
-              <a:rPr lang="en-US" dirty="0" smtClean="0"/>
-              <a:t>Kế hoạch chi tiết có trong world</a:t>
-            </a:r>
-            <a:endParaRPr lang="en-US" dirty="0" smtClean="0">
-              <a:latin typeface="Arial" pitchFamily="34" charset="0"/>
-              <a:cs typeface="Arial" pitchFamily="34" charset="0"/>
-            </a:endParaRPr>
+              <a:t>Kế hoạch được lên chi tiết và có </a:t>
+            </a:r>
+            <a:r>
+              <a:rPr lang="en-US" dirty="0" err="1" smtClean="0">
+                <a:latin typeface="Arial" pitchFamily="34" charset="0"/>
+                <a:cs typeface="Arial" pitchFamily="34" charset="0"/>
+              </a:rPr>
+              <a:t>thời</a:t>
+            </a:r>
+            <a:r>
+              <a:rPr lang="en-US" dirty="0" smtClean="0">
+                <a:latin typeface="Arial" pitchFamily="34" charset="0"/>
+                <a:cs typeface="Arial" pitchFamily="34" charset="0"/>
+              </a:rPr>
+              <a:t> </a:t>
+            </a:r>
+            <a:r>
+              <a:rPr lang="en-US" dirty="0" err="1" smtClean="0">
+                <a:latin typeface="Arial" pitchFamily="34" charset="0"/>
+                <a:cs typeface="Arial" pitchFamily="34" charset="0"/>
+              </a:rPr>
+              <a:t>hạn</a:t>
+            </a:r>
+            <a:r>
+              <a:rPr lang="en-US" dirty="0" smtClean="0">
+                <a:latin typeface="Arial" pitchFamily="34" charset="0"/>
+                <a:cs typeface="Arial" pitchFamily="34" charset="0"/>
+              </a:rPr>
+              <a:t>.</a:t>
+            </a:r>
           </a:p>
         </p:txBody>
       </p:sp>
@@ -10392,7 +11241,7 @@
     </p:spTree>
     <p:extLst>
       <p:ext uri="{BB962C8B-B14F-4D97-AF65-F5344CB8AC3E}">
-        <p14:creationId xmlns:p14="http://schemas.microsoft.com/office/powerpoint/2010/main" xmlns="" val="792502242"/>
+        <p14:creationId xmlns:p14="http://schemas.microsoft.com/office/powerpoint/2010/main" val="792502242"/>
       </p:ext>
     </p:extLst>
   </p:cSld>
@@ -10450,7 +11299,23 @@
             </a:pPr>
             <a:r>
               <a:rPr lang="en-US" dirty="0" smtClean="0"/>
-              <a:t>Các thành viên đều có thái độ làm việc nghiêm chỉnh </a:t>
+              <a:t>Các thành viên đều có thái độ làm việc </a:t>
+            </a:r>
+            <a:r>
+              <a:rPr lang="en-US" dirty="0" err="1" smtClean="0"/>
+              <a:t>nghiêm</a:t>
+            </a:r>
+            <a:r>
+              <a:rPr lang="en-US" dirty="0" smtClean="0"/>
+              <a:t> </a:t>
+            </a:r>
+            <a:r>
+              <a:rPr lang="en-US" dirty="0" err="1" smtClean="0"/>
+              <a:t>chỉnh</a:t>
+            </a:r>
+            <a:r>
+              <a:rPr lang="en-US" dirty="0" smtClean="0"/>
+              <a:t>.</a:t>
             </a:r>
           </a:p>
           <a:p>
@@ -10459,8 +11324,92 @@
               <a:buChar char=""/>
             </a:pPr>
             <a:r>
-              <a:rPr lang="en-US" dirty="0" smtClean="0"/>
-              <a:t>Không có sự cãi cọ bất đồng quan điểm</a:t>
+              <a:rPr lang="en-US" dirty="0" err="1" smtClean="0"/>
+              <a:t>Các</a:t>
+            </a:r>
+            <a:r>
+              <a:rPr lang="en-US" dirty="0" smtClean="0"/>
+              <a:t> </a:t>
+            </a:r>
+            <a:r>
+              <a:rPr lang="en-US" dirty="0" err="1" smtClean="0"/>
+              <a:t>thành</a:t>
+            </a:r>
+            <a:r>
+              <a:rPr lang="en-US" dirty="0" smtClean="0"/>
+              <a:t> </a:t>
+            </a:r>
+            <a:r>
+              <a:rPr lang="en-US" dirty="0" err="1" smtClean="0"/>
+              <a:t>viên</a:t>
+            </a:r>
+            <a:r>
+              <a:rPr lang="en-US" dirty="0" smtClean="0"/>
+              <a:t> </a:t>
+            </a:r>
+            <a:r>
+              <a:rPr lang="en-US" dirty="0" err="1" smtClean="0"/>
+              <a:t>đều</a:t>
+            </a:r>
+            <a:r>
+              <a:rPr lang="en-US" dirty="0" smtClean="0"/>
+              <a:t> </a:t>
+            </a:r>
+            <a:r>
+              <a:rPr lang="en-US" dirty="0" err="1" smtClean="0"/>
+              <a:t>hoàn</a:t>
+            </a:r>
+            <a:r>
+              <a:rPr lang="en-US" dirty="0" smtClean="0"/>
+              <a:t> </a:t>
+            </a:r>
+            <a:r>
+              <a:rPr lang="en-US" dirty="0" err="1" smtClean="0"/>
+              <a:t>thành</a:t>
+            </a:r>
+            <a:r>
+              <a:rPr lang="en-US" dirty="0" smtClean="0"/>
+              <a:t> </a:t>
+            </a:r>
+            <a:r>
+              <a:rPr lang="en-US" dirty="0" err="1" smtClean="0"/>
+              <a:t>công</a:t>
+            </a:r>
+            <a:r>
+              <a:rPr lang="en-US" dirty="0" smtClean="0"/>
+              <a:t> </a:t>
+            </a:r>
+            <a:r>
+              <a:rPr lang="en-US" dirty="0" err="1" smtClean="0"/>
+              <a:t>việc</a:t>
+            </a:r>
+            <a:r>
+              <a:rPr lang="en-US" dirty="0" smtClean="0"/>
+              <a:t> </a:t>
+            </a:r>
+            <a:r>
+              <a:rPr lang="en-US" dirty="0" err="1" smtClean="0"/>
+              <a:t>đúng</a:t>
+            </a:r>
+            <a:r>
+              <a:rPr lang="en-US" dirty="0" smtClean="0"/>
+              <a:t> </a:t>
+            </a:r>
+            <a:r>
+              <a:rPr lang="en-US" dirty="0" err="1" smtClean="0"/>
+              <a:t>tiến</a:t>
+            </a:r>
+            <a:r>
+              <a:rPr lang="en-US" dirty="0" smtClean="0"/>
+              <a:t> </a:t>
+            </a:r>
+            <a:r>
+              <a:rPr lang="en-US" dirty="0" err="1" smtClean="0"/>
+              <a:t>độ</a:t>
+            </a:r>
+            <a:r>
+              <a:rPr lang="en-US" dirty="0" smtClean="0"/>
+              <a:t>.</a:t>
             </a:r>
           </a:p>
           <a:p>
@@ -10469,9 +11418,77 @@
               <a:buChar char=""/>
             </a:pPr>
             <a:r>
-              <a:rPr lang="en-US" dirty="0" smtClean="0"/>
-              <a:t>Đánh giá thái độ chi tiết có trong world</a:t>
-            </a:r>
+              <a:rPr lang="en-US" dirty="0" err="1" smtClean="0"/>
+              <a:t>Hoàn</a:t>
+            </a:r>
+            <a:r>
+              <a:rPr lang="en-US" dirty="0" smtClean="0"/>
+              <a:t> </a:t>
+            </a:r>
+            <a:r>
+              <a:rPr lang="en-US" dirty="0" err="1" smtClean="0"/>
+              <a:t>thành</a:t>
+            </a:r>
+            <a:r>
+              <a:rPr lang="en-US" dirty="0" smtClean="0"/>
+              <a:t> </a:t>
+            </a:r>
+            <a:r>
+              <a:rPr lang="en-US" dirty="0" err="1" smtClean="0"/>
+              <a:t>tốt</a:t>
+            </a:r>
+            <a:r>
+              <a:rPr lang="en-US" dirty="0" smtClean="0"/>
+              <a:t> </a:t>
+            </a:r>
+            <a:r>
+              <a:rPr lang="en-US" dirty="0" err="1" smtClean="0"/>
+              <a:t>các</a:t>
+            </a:r>
+            <a:r>
+              <a:rPr lang="en-US" dirty="0" smtClean="0"/>
+              <a:t> </a:t>
+            </a:r>
+            <a:r>
+              <a:rPr lang="en-US" dirty="0" err="1" smtClean="0"/>
+              <a:t>công</a:t>
+            </a:r>
+            <a:r>
+              <a:rPr lang="en-US" dirty="0" smtClean="0"/>
+              <a:t> </a:t>
+            </a:r>
+            <a:r>
+              <a:rPr lang="en-US" dirty="0" err="1" smtClean="0"/>
+              <a:t>việc</a:t>
+            </a:r>
+            <a:r>
+              <a:rPr lang="en-US" dirty="0" smtClean="0"/>
+              <a:t> </a:t>
+            </a:r>
+            <a:r>
+              <a:rPr lang="en-US" dirty="0" err="1" smtClean="0"/>
+              <a:t>được</a:t>
+            </a:r>
+            <a:r>
+              <a:rPr lang="en-US" dirty="0" smtClean="0"/>
+              <a:t> </a:t>
+            </a:r>
+            <a:r>
+              <a:rPr lang="en-US" dirty="0" err="1" smtClean="0"/>
+              <a:t>giao</a:t>
+            </a:r>
+            <a:r>
+              <a:rPr lang="en-US" dirty="0"/>
+              <a:t>.</a:t>
+            </a:r>
+            <a:endParaRPr lang="en-US" dirty="0" smtClean="0"/>
+          </a:p>
+          <a:p>
+            <a:pPr marL="365125" indent="-282575" algn="just">
+              <a:buFont typeface="Wingdings 2" pitchFamily="18" charset="2"/>
+              <a:buChar char=""/>
+            </a:pPr>
+            <a:endParaRPr lang="en-US" dirty="0" smtClean="0"/>
           </a:p>
         </p:txBody>
       </p:sp>
@@ -10582,7 +11599,7 @@
     </p:spTree>
     <p:extLst>
       <p:ext uri="{BB962C8B-B14F-4D97-AF65-F5344CB8AC3E}">
-        <p14:creationId xmlns:p14="http://schemas.microsoft.com/office/powerpoint/2010/main" xmlns="" val="792502242"/>
+        <p14:creationId xmlns:p14="http://schemas.microsoft.com/office/powerpoint/2010/main" val="792502242"/>
       </p:ext>
     </p:extLst>
   </p:cSld>
@@ -10639,9 +11656,58 @@
               <a:buChar char="v"/>
             </a:pPr>
             <a:r>
-              <a:rPr lang="en-US" dirty="0" smtClean="0"/>
-              <a:t>Các buổi làm việc nhóm đều diễn ra suôn sẻ và vui tươi</a:t>
-            </a:r>
+              <a:rPr lang="en-US" dirty="0" err="1" smtClean="0"/>
+              <a:t>Các</a:t>
+            </a:r>
+            <a:r>
+              <a:rPr lang="en-US" dirty="0" smtClean="0"/>
+              <a:t> </a:t>
+            </a:r>
+            <a:r>
+              <a:rPr lang="en-US" dirty="0" err="1" smtClean="0"/>
+              <a:t>thành</a:t>
+            </a:r>
+            <a:r>
+              <a:rPr lang="en-US" dirty="0" smtClean="0"/>
+              <a:t> </a:t>
+            </a:r>
+            <a:r>
+              <a:rPr lang="en-US" dirty="0" err="1" smtClean="0"/>
+              <a:t>viên</a:t>
+            </a:r>
+            <a:r>
+              <a:rPr lang="en-US" dirty="0" smtClean="0"/>
+              <a:t> </a:t>
+            </a:r>
+            <a:r>
+              <a:rPr lang="en-US" dirty="0" err="1" smtClean="0"/>
+              <a:t>tham</a:t>
+            </a:r>
+            <a:r>
+              <a:rPr lang="en-US" dirty="0" smtClean="0"/>
+              <a:t> </a:t>
+            </a:r>
+            <a:r>
+              <a:rPr lang="en-US" dirty="0" err="1" smtClean="0"/>
+              <a:t>gia</a:t>
+            </a:r>
+            <a:r>
+              <a:rPr lang="en-US" dirty="0" smtClean="0"/>
+              <a:t> </a:t>
+            </a:r>
+            <a:r>
+              <a:rPr lang="en-US" dirty="0" err="1" smtClean="0"/>
+              <a:t>đầy</a:t>
+            </a:r>
+            <a:r>
+              <a:rPr lang="en-US" dirty="0" smtClean="0"/>
+              <a:t> </a:t>
+            </a:r>
+            <a:r>
+              <a:rPr lang="en-US" dirty="0" err="1" smtClean="0"/>
+              <a:t>đủ</a:t>
+            </a:r>
+            <a:endParaRPr lang="en-US" dirty="0" smtClean="0"/>
           </a:p>
           <a:p>
             <a:pPr marL="539750" indent="-457200">
@@ -10649,8 +11715,76 @@
               <a:buChar char="v"/>
             </a:pPr>
             <a:r>
-              <a:rPr lang="en-US" dirty="0" smtClean="0"/>
-              <a:t>Mọi người đều có mặt đầy đủ trong các buổi làm việc</a:t>
+              <a:rPr lang="en-US" dirty="0" err="1" smtClean="0"/>
+              <a:t>Phân</a:t>
+            </a:r>
+            <a:r>
+              <a:rPr lang="en-US" dirty="0" smtClean="0"/>
+              <a:t> </a:t>
+            </a:r>
+            <a:r>
+              <a:rPr lang="en-US" dirty="0" err="1" smtClean="0"/>
+              <a:t>công</a:t>
+            </a:r>
+            <a:r>
+              <a:rPr lang="en-US" dirty="0" smtClean="0"/>
+              <a:t>, </a:t>
+            </a:r>
+            <a:r>
+              <a:rPr lang="en-US" dirty="0" err="1" smtClean="0"/>
+              <a:t>kiểm</a:t>
+            </a:r>
+            <a:r>
+              <a:rPr lang="en-US" dirty="0" smtClean="0"/>
+              <a:t> </a:t>
+            </a:r>
+            <a:r>
+              <a:rPr lang="en-US" dirty="0" err="1" smtClean="0"/>
+              <a:t>tra</a:t>
+            </a:r>
+            <a:r>
+              <a:rPr lang="en-US" dirty="0" smtClean="0"/>
+              <a:t> </a:t>
+            </a:r>
+            <a:r>
+              <a:rPr lang="en-US" dirty="0" err="1" smtClean="0"/>
+              <a:t>công</a:t>
+            </a:r>
+            <a:r>
+              <a:rPr lang="en-US" dirty="0" smtClean="0"/>
+              <a:t> </a:t>
+            </a:r>
+            <a:r>
+              <a:rPr lang="en-US" dirty="0" err="1" smtClean="0"/>
+              <a:t>việc</a:t>
+            </a:r>
+            <a:r>
+              <a:rPr lang="en-US" dirty="0" smtClean="0"/>
+              <a:t> </a:t>
+            </a:r>
+            <a:r>
+              <a:rPr lang="en-US" dirty="0" err="1" smtClean="0"/>
+              <a:t>từng</a:t>
+            </a:r>
+            <a:r>
+              <a:rPr lang="en-US" dirty="0" smtClean="0"/>
+              <a:t> </a:t>
+            </a:r>
+            <a:r>
+              <a:rPr lang="en-US" dirty="0" err="1" smtClean="0"/>
+              <a:t>thành</a:t>
+            </a:r>
+            <a:r>
+              <a:rPr lang="en-US" dirty="0" smtClean="0"/>
+              <a:t> </a:t>
+            </a:r>
+            <a:r>
+              <a:rPr lang="en-US" dirty="0" err="1" smtClean="0"/>
+              <a:t>viên</a:t>
+            </a:r>
+            <a:r>
+              <a:rPr lang="en-US" dirty="0" smtClean="0"/>
+              <a:t>.</a:t>
             </a:r>
           </a:p>
           <a:p>
@@ -10660,7 +11794,285 @@
             </a:pPr>
             <a:r>
               <a:rPr lang="en-US" dirty="0" smtClean="0"/>
-              <a:t>Những buổi họp có hiệu quả tốt</a:t>
+              <a:t>Song </a:t>
+            </a:r>
+            <a:r>
+              <a:rPr lang="en-US" dirty="0" err="1" smtClean="0"/>
+              <a:t>đó</a:t>
+            </a:r>
+            <a:r>
+              <a:rPr lang="en-US" dirty="0" smtClean="0"/>
+              <a:t>, </a:t>
+            </a:r>
+            <a:r>
+              <a:rPr lang="en-US" dirty="0" err="1" smtClean="0"/>
+              <a:t>cũng</a:t>
+            </a:r>
+            <a:r>
+              <a:rPr lang="en-US" dirty="0" smtClean="0"/>
+              <a:t> </a:t>
+            </a:r>
+            <a:r>
+              <a:rPr lang="en-US" dirty="0" err="1" smtClean="0"/>
+              <a:t>gặp</a:t>
+            </a:r>
+            <a:r>
+              <a:rPr lang="en-US" dirty="0" smtClean="0"/>
+              <a:t> </a:t>
+            </a:r>
+            <a:r>
+              <a:rPr lang="en-US" dirty="0" err="1" smtClean="0"/>
+              <a:t>những</a:t>
+            </a:r>
+            <a:r>
+              <a:rPr lang="en-US" dirty="0" smtClean="0"/>
+              <a:t> </a:t>
+            </a:r>
+            <a:r>
+              <a:rPr lang="en-US" dirty="0" err="1" smtClean="0"/>
+              <a:t>khó</a:t>
+            </a:r>
+            <a:r>
+              <a:rPr lang="en-US" dirty="0" smtClean="0"/>
+              <a:t> </a:t>
+            </a:r>
+            <a:r>
+              <a:rPr lang="en-US" dirty="0" err="1" smtClean="0"/>
+              <a:t>khăn</a:t>
+            </a:r>
+            <a:r>
+              <a:rPr lang="en-US" dirty="0" smtClean="0"/>
+              <a:t> </a:t>
+            </a:r>
+            <a:r>
+              <a:rPr lang="en-US" dirty="0" err="1" smtClean="0"/>
+              <a:t>về</a:t>
+            </a:r>
+            <a:r>
+              <a:rPr lang="en-US" dirty="0" smtClean="0"/>
+              <a:t> </a:t>
+            </a:r>
+            <a:r>
+              <a:rPr lang="en-US" dirty="0" err="1" smtClean="0"/>
+              <a:t>kỹ</a:t>
+            </a:r>
+            <a:r>
+              <a:rPr lang="en-US" dirty="0" smtClean="0"/>
+              <a:t> </a:t>
+            </a:r>
+            <a:r>
+              <a:rPr lang="en-US" dirty="0" err="1" smtClean="0"/>
+              <a:t>thuật</a:t>
+            </a:r>
+            <a:r>
+              <a:rPr lang="en-US" dirty="0" smtClean="0"/>
+              <a:t> </a:t>
+            </a:r>
+            <a:r>
+              <a:rPr lang="en-US" dirty="0" err="1" smtClean="0"/>
+              <a:t>cũng</a:t>
+            </a:r>
+            <a:r>
+              <a:rPr lang="en-US" dirty="0" smtClean="0"/>
+              <a:t> </a:t>
+            </a:r>
+            <a:r>
+              <a:rPr lang="en-US" dirty="0" err="1" smtClean="0"/>
+              <a:t>như</a:t>
+            </a:r>
+            <a:r>
+              <a:rPr lang="en-US" dirty="0" smtClean="0"/>
+              <a:t> </a:t>
+            </a:r>
+            <a:r>
+              <a:rPr lang="en-US" dirty="0" err="1" smtClean="0"/>
+              <a:t>về</a:t>
+            </a:r>
+            <a:r>
+              <a:rPr lang="en-US" dirty="0" smtClean="0"/>
+              <a:t> ý </a:t>
+            </a:r>
+            <a:r>
+              <a:rPr lang="en-US" dirty="0" err="1" smtClean="0"/>
+              <a:t>tưởng</a:t>
+            </a:r>
+            <a:r>
+              <a:rPr lang="en-US" dirty="0" smtClean="0"/>
+              <a:t> </a:t>
+            </a:r>
+            <a:r>
+              <a:rPr lang="en-US" dirty="0" err="1" smtClean="0"/>
+              <a:t>lẫn</a:t>
+            </a:r>
+            <a:r>
+              <a:rPr lang="en-US" dirty="0" smtClean="0"/>
+              <a:t> </a:t>
+            </a:r>
+            <a:r>
+              <a:rPr lang="en-US" dirty="0" err="1" smtClean="0"/>
+              <a:t>quan</a:t>
+            </a:r>
+            <a:r>
+              <a:rPr lang="en-US" dirty="0" smtClean="0"/>
+              <a:t> </a:t>
+            </a:r>
+            <a:r>
+              <a:rPr lang="en-US" dirty="0" err="1" smtClean="0"/>
+              <a:t>điểm</a:t>
+            </a:r>
+            <a:r>
+              <a:rPr lang="en-US" dirty="0" smtClean="0"/>
+              <a:t> </a:t>
+            </a:r>
+            <a:r>
+              <a:rPr lang="en-US" dirty="0" err="1" smtClean="0"/>
+              <a:t>trình</a:t>
+            </a:r>
+            <a:r>
+              <a:rPr lang="en-US" dirty="0" smtClean="0"/>
+              <a:t> </a:t>
+            </a:r>
+            <a:r>
+              <a:rPr lang="en-US" dirty="0" err="1" smtClean="0"/>
+              <a:t>bày</a:t>
+            </a:r>
+            <a:r>
+              <a:rPr lang="en-US" dirty="0" smtClean="0"/>
+              <a:t>.</a:t>
+            </a:r>
+          </a:p>
+          <a:p>
+            <a:pPr marL="539750" indent="-457200">
+              <a:buFont typeface="Wingdings" pitchFamily="2" charset="2"/>
+              <a:buChar char="v"/>
+            </a:pPr>
+            <a:r>
+              <a:rPr lang="en-US" dirty="0" err="1" smtClean="0"/>
+              <a:t>Và</a:t>
+            </a:r>
+            <a:r>
+              <a:rPr lang="en-US" dirty="0" smtClean="0"/>
+              <a:t> </a:t>
+            </a:r>
+            <a:r>
+              <a:rPr lang="en-US" dirty="0" err="1" smtClean="0"/>
+              <a:t>các</a:t>
+            </a:r>
+            <a:r>
+              <a:rPr lang="en-US" dirty="0"/>
+              <a:t> </a:t>
+            </a:r>
+            <a:r>
+              <a:rPr lang="en-US" dirty="0" err="1" smtClean="0"/>
+              <a:t>vấn</a:t>
+            </a:r>
+            <a:r>
+              <a:rPr lang="en-US" dirty="0" smtClean="0"/>
+              <a:t> </a:t>
+            </a:r>
+            <a:r>
+              <a:rPr lang="en-US" dirty="0" err="1" smtClean="0"/>
+              <a:t>đề</a:t>
+            </a:r>
+            <a:r>
+              <a:rPr lang="en-US" dirty="0" smtClean="0"/>
+              <a:t> </a:t>
+            </a:r>
+            <a:r>
+              <a:rPr lang="en-US" dirty="0" err="1" smtClean="0"/>
+              <a:t>được</a:t>
+            </a:r>
+            <a:r>
+              <a:rPr lang="en-US" dirty="0" smtClean="0"/>
+              <a:t> </a:t>
+            </a:r>
+            <a:r>
+              <a:rPr lang="en-US" dirty="0" err="1" smtClean="0"/>
+              <a:t>giải</a:t>
+            </a:r>
+            <a:r>
+              <a:rPr lang="en-US" dirty="0" smtClean="0"/>
+              <a:t> </a:t>
+            </a:r>
+            <a:r>
+              <a:rPr lang="en-US" dirty="0" err="1" smtClean="0"/>
+              <a:t>quyết</a:t>
+            </a:r>
+            <a:r>
+              <a:rPr lang="en-US" dirty="0" smtClean="0"/>
+              <a:t> </a:t>
+            </a:r>
+            <a:r>
+              <a:rPr lang="en-US" dirty="0" err="1" smtClean="0"/>
+              <a:t>một</a:t>
+            </a:r>
+            <a:r>
+              <a:rPr lang="en-US" dirty="0" smtClean="0"/>
+              <a:t> </a:t>
+            </a:r>
+            <a:r>
+              <a:rPr lang="en-US" dirty="0" err="1" smtClean="0"/>
+              <a:t>cách</a:t>
+            </a:r>
+            <a:r>
+              <a:rPr lang="en-US" dirty="0" smtClean="0"/>
+              <a:t> </a:t>
+            </a:r>
+            <a:r>
+              <a:rPr lang="en-US" dirty="0" err="1" smtClean="0"/>
+              <a:t>suôn</a:t>
+            </a:r>
+            <a:r>
+              <a:rPr lang="en-US" dirty="0" smtClean="0"/>
+              <a:t> </a:t>
+            </a:r>
+            <a:r>
+              <a:rPr lang="en-US" dirty="0" err="1" smtClean="0"/>
+              <a:t>sẻ</a:t>
+            </a:r>
+            <a:r>
+              <a:rPr lang="en-US" dirty="0"/>
+              <a:t> </a:t>
+            </a:r>
+            <a:r>
+              <a:rPr lang="en-US" dirty="0" err="1" smtClean="0"/>
+              <a:t>khi</a:t>
+            </a:r>
+            <a:r>
+              <a:rPr lang="en-US" dirty="0" smtClean="0"/>
+              <a:t> </a:t>
+            </a:r>
+            <a:r>
+              <a:rPr lang="en-US" dirty="0" err="1" smtClean="0"/>
+              <a:t>kết</a:t>
+            </a:r>
+            <a:r>
+              <a:rPr lang="en-US" dirty="0" smtClean="0"/>
+              <a:t> </a:t>
+            </a:r>
+            <a:r>
+              <a:rPr lang="en-US" dirty="0" err="1" smtClean="0"/>
+              <a:t>thúc</a:t>
+            </a:r>
+            <a:r>
+              <a:rPr lang="en-US" dirty="0" smtClean="0"/>
+              <a:t> </a:t>
+            </a:r>
+            <a:r>
+              <a:rPr lang="en-US" dirty="0" err="1" smtClean="0"/>
+              <a:t>họp</a:t>
+            </a:r>
+            <a:r>
+              <a:rPr lang="en-US" dirty="0" smtClean="0"/>
+              <a:t> </a:t>
+            </a:r>
+            <a:r>
+              <a:rPr lang="en-US" dirty="0" err="1" smtClean="0"/>
+              <a:t>nhóm</a:t>
+            </a:r>
+            <a:r>
+              <a:rPr lang="en-US" dirty="0" smtClean="0"/>
+              <a:t>. </a:t>
             </a:r>
           </a:p>
         </p:txBody>
@@ -10774,7 +12186,7 @@
     </p:spTree>
     <p:extLst>
       <p:ext uri="{BB962C8B-B14F-4D97-AF65-F5344CB8AC3E}">
-        <p14:creationId xmlns:p14="http://schemas.microsoft.com/office/powerpoint/2010/main" xmlns="" val="792502242"/>
+        <p14:creationId xmlns:p14="http://schemas.microsoft.com/office/powerpoint/2010/main" val="792502242"/>
       </p:ext>
     </p:extLst>
   </p:cSld>
@@ -10830,27 +12242,68 @@
           <a:p>
             <a:r>
               <a:rPr lang="en-US" dirty="0" smtClean="0"/>
-              <a:t>Có bốn biên bản họp nhóm</a:t>
-            </a:r>
-          </a:p>
-          <a:p>
-            <a:r>
-              <a:rPr lang="en-US" dirty="0" smtClean="0"/>
-              <a:t>Liệt kê ý tưởng, ý kiến của các thành viên </a:t>
-            </a:r>
-          </a:p>
-          <a:p>
-            <a:r>
-              <a:rPr lang="en-US" dirty="0" smtClean="0"/>
-              <a:t>Cách làm việc nhóm và sự dẫn dắt của nhóm trưởng</a:t>
-            </a:r>
-          </a:p>
-          <a:p>
-            <a:r>
-              <a:rPr lang="en-US" dirty="0" smtClean="0"/>
-              <a:t>Các biên bản chi tiết có trong world</a:t>
-            </a:r>
-            <a:endParaRPr lang="en-US" dirty="0"/>
+              <a:t>Có bốn biên bản </a:t>
+            </a:r>
+            <a:r>
+              <a:rPr lang="en-US" dirty="0" err="1" smtClean="0"/>
+              <a:t>họp</a:t>
+            </a:r>
+            <a:r>
+              <a:rPr lang="en-US" dirty="0" smtClean="0"/>
+              <a:t> </a:t>
+            </a:r>
+            <a:r>
+              <a:rPr lang="en-US" dirty="0" err="1" smtClean="0"/>
+              <a:t>nhóm</a:t>
+            </a:r>
+            <a:r>
+              <a:rPr lang="en-US" dirty="0" smtClean="0"/>
+              <a:t>.</a:t>
+            </a:r>
+          </a:p>
+          <a:p>
+            <a:r>
+              <a:rPr lang="en-US" dirty="0" smtClean="0"/>
+              <a:t>Liệt kê ý tưởng, ý kiến của các </a:t>
+            </a:r>
+            <a:r>
+              <a:rPr lang="en-US" dirty="0" err="1" smtClean="0"/>
+              <a:t>thành</a:t>
+            </a:r>
+            <a:r>
+              <a:rPr lang="en-US" dirty="0" smtClean="0"/>
+              <a:t> </a:t>
+            </a:r>
+            <a:r>
+              <a:rPr lang="en-US" dirty="0" err="1" smtClean="0"/>
+              <a:t>viên</a:t>
+            </a:r>
+            <a:r>
+              <a:rPr lang="en-US" dirty="0" smtClean="0"/>
+              <a:t>. </a:t>
+            </a:r>
+          </a:p>
+          <a:p>
+            <a:r>
+              <a:rPr lang="en-US" dirty="0" smtClean="0"/>
+              <a:t>Cách làm việc nhóm và sự dẫn dắt của </a:t>
+            </a:r>
+            <a:r>
+              <a:rPr lang="en-US" dirty="0" err="1" smtClean="0"/>
+              <a:t>nhóm</a:t>
+            </a:r>
+            <a:r>
+              <a:rPr lang="en-US" dirty="0" smtClean="0"/>
+              <a:t> </a:t>
+            </a:r>
+            <a:r>
+              <a:rPr lang="en-US" dirty="0" err="1" smtClean="0"/>
+              <a:t>trưởng</a:t>
+            </a:r>
+            <a:r>
+              <a:rPr lang="en-US" dirty="0" smtClean="0"/>
+              <a:t>.</a:t>
+            </a:r>
           </a:p>
         </p:txBody>
       </p:sp>
@@ -10963,7 +12416,7 @@
     </p:spTree>
     <p:extLst>
       <p:ext uri="{BB962C8B-B14F-4D97-AF65-F5344CB8AC3E}">
-        <p14:creationId xmlns:p14="http://schemas.microsoft.com/office/powerpoint/2010/main" xmlns="" val="1674230041"/>
+        <p14:creationId xmlns:p14="http://schemas.microsoft.com/office/powerpoint/2010/main" val="1674230041"/>
       </p:ext>
     </p:extLst>
   </p:cSld>

--- a/Báo-cáo-đồ-án.pptx
+++ b/Báo-cáo-đồ-án.pptx
@@ -1293,11 +1293,7 @@
     </dgm:pt>
     <dgm:pt modelId="{F56FC70B-F031-44BF-8170-50470F1BEE76}" type="pres">
       <dgm:prSet presAssocID="{1D5F95FF-CA61-4FED-AA5C-06E868FB04B5}" presName="imgShp" presStyleLbl="fgImgPlace1" presStyleIdx="0" presStyleCnt="8"/>
-      <dgm:spPr>
-        <a:prstGeom prst="flowChartConnector">
-          <a:avLst/>
-        </a:prstGeom>
-      </dgm:spPr>
+      <dgm:spPr/>
       <dgm:t>
         <a:bodyPr/>
         <a:lstStyle/>
@@ -1512,23 +1508,23 @@
     </dgm:pt>
   </dgm:ptLst>
   <dgm:cxnLst>
+    <dgm:cxn modelId="{3251AEF8-ECBF-9B43-9620-5FB9C9DB77A3}" type="presOf" srcId="{6CAE721B-A27C-435F-BD0A-1F982E0FE7FD}" destId="{3ACA20C4-195C-434D-9658-B9001188B574}" srcOrd="0" destOrd="0" presId="urn:microsoft.com/office/officeart/2005/8/layout/vList3#1"/>
+    <dgm:cxn modelId="{4B6FAEEC-EE42-4B41-9482-74E3ACB90487}" type="presOf" srcId="{80BD3E6B-BFA6-45F5-A95B-268B01B30626}" destId="{8AA1428D-8B22-454C-B41A-DCB9BFA5D77E}" srcOrd="0" destOrd="0" presId="urn:microsoft.com/office/officeart/2005/8/layout/vList3#1"/>
+    <dgm:cxn modelId="{A5899991-7375-4099-B791-47AE086567FB}" srcId="{80BD3E6B-BFA6-45F5-A95B-268B01B30626}" destId="{9A77EF8F-F04A-4B41-BFB7-F4E852C5EE88}" srcOrd="7" destOrd="0" parTransId="{0D229EF7-3EFD-4F6A-ACE2-C324EAAD431F}" sibTransId="{2D75CFD2-BD1B-4AE2-9E64-9A94820DA269}"/>
+    <dgm:cxn modelId="{40F4C030-5171-4E0A-8AAB-600EFA5EEEE0}" srcId="{80BD3E6B-BFA6-45F5-A95B-268B01B30626}" destId="{1D5F95FF-CA61-4FED-AA5C-06E868FB04B5}" srcOrd="0" destOrd="0" parTransId="{BD553156-B953-4E63-8337-6EA0C1BFC443}" sibTransId="{B19BA830-DFF2-4332-8C99-E5E175D256A1}"/>
+    <dgm:cxn modelId="{5F628D29-F108-4D35-999B-DEAC25B7B33B}" srcId="{80BD3E6B-BFA6-45F5-A95B-268B01B30626}" destId="{6C8E89C2-8E40-4A39-A09D-15970575181B}" srcOrd="4" destOrd="0" parTransId="{CB8CF22B-3EAA-438B-BB00-7A803A185D86}" sibTransId="{655D7231-A4B7-447B-8F15-E6E5A49F4DD1}"/>
+    <dgm:cxn modelId="{0018F25B-584B-D449-B805-61FB03AC87ED}" type="presOf" srcId="{6C8E89C2-8E40-4A39-A09D-15970575181B}" destId="{750C7532-9BDE-4AC6-87A0-D13E1BE4FB14}" srcOrd="0" destOrd="0" presId="urn:microsoft.com/office/officeart/2005/8/layout/vList3#1"/>
+    <dgm:cxn modelId="{6437BDB7-9938-49DE-B8B6-6FF4C6F78C13}" srcId="{80BD3E6B-BFA6-45F5-A95B-268B01B30626}" destId="{6CAE721B-A27C-435F-BD0A-1F982E0FE7FD}" srcOrd="2" destOrd="0" parTransId="{AE4A892C-CC6A-401B-8D5A-01AD8832F7CF}" sibTransId="{446A4E00-44ED-443C-9B1C-6D1FFE0B6FD9}"/>
     <dgm:cxn modelId="{699D224B-E574-704A-8531-94F95B2262DF}" type="presOf" srcId="{1D5F95FF-CA61-4FED-AA5C-06E868FB04B5}" destId="{D7523A9B-8F14-4380-9308-122600EDC90C}" srcOrd="0" destOrd="0" presId="urn:microsoft.com/office/officeart/2005/8/layout/vList3#1"/>
-    <dgm:cxn modelId="{6437BDB7-9938-49DE-B8B6-6FF4C6F78C13}" srcId="{80BD3E6B-BFA6-45F5-A95B-268B01B30626}" destId="{6CAE721B-A27C-435F-BD0A-1F982E0FE7FD}" srcOrd="2" destOrd="0" parTransId="{AE4A892C-CC6A-401B-8D5A-01AD8832F7CF}" sibTransId="{446A4E00-44ED-443C-9B1C-6D1FFE0B6FD9}"/>
     <dgm:cxn modelId="{B8AE433B-A14D-4F64-BE59-1CB42B1B366E}" type="presOf" srcId="{3374BD26-DA3C-44FC-9044-7C40C94D830A}" destId="{E556136F-CDF5-419B-BF65-FBFD923437C0}" srcOrd="0" destOrd="0" presId="urn:microsoft.com/office/officeart/2005/8/layout/vList3#1"/>
     <dgm:cxn modelId="{7F870E0C-A2EA-4EA9-AD7B-1CE99E3BD035}" srcId="{80BD3E6B-BFA6-45F5-A95B-268B01B30626}" destId="{8BDBE172-4E28-444C-9767-4CD7D6CBAFD4}" srcOrd="5" destOrd="0" parTransId="{BC4645DE-D84B-4FE2-BB3A-0273848A81A0}" sibTransId="{B82A3410-EB1D-420D-8DB2-04F26D57A1DE}"/>
-    <dgm:cxn modelId="{3251AEF8-ECBF-9B43-9620-5FB9C9DB77A3}" type="presOf" srcId="{6CAE721B-A27C-435F-BD0A-1F982E0FE7FD}" destId="{3ACA20C4-195C-434D-9658-B9001188B574}" srcOrd="0" destOrd="0" presId="urn:microsoft.com/office/officeart/2005/8/layout/vList3#1"/>
+    <dgm:cxn modelId="{E365AB48-FE18-4D8C-9446-7EF8078A6664}" type="presOf" srcId="{8BDBE172-4E28-444C-9767-4CD7D6CBAFD4}" destId="{13D41184-2F53-4041-80BC-849B5C113C61}" srcOrd="0" destOrd="0" presId="urn:microsoft.com/office/officeart/2005/8/layout/vList3#1"/>
+    <dgm:cxn modelId="{A7819643-B1EB-4038-A78B-6C568F295BA0}" srcId="{80BD3E6B-BFA6-45F5-A95B-268B01B30626}" destId="{37C75499-B20F-4232-9A16-0A5918C1ACAF}" srcOrd="1" destOrd="0" parTransId="{CCAA3DF5-32DF-4554-9CDC-DDA72FC2CB0A}" sibTransId="{43402988-FC9E-46CF-A4CF-F75837BF655D}"/>
+    <dgm:cxn modelId="{A6EB1C55-E2D9-E642-BA06-2ED498D41648}" type="presOf" srcId="{37C75499-B20F-4232-9A16-0A5918C1ACAF}" destId="{8DB51D92-391B-4051-9822-8D8579957043}" srcOrd="0" destOrd="0" presId="urn:microsoft.com/office/officeart/2005/8/layout/vList3#1"/>
     <dgm:cxn modelId="{FE85EC50-F402-4CA5-B7A2-9C60A6DE697C}" type="presOf" srcId="{9A77EF8F-F04A-4B41-BFB7-F4E852C5EE88}" destId="{3AE37666-E249-4DD9-AADA-E4A46813033E}" srcOrd="0" destOrd="0" presId="urn:microsoft.com/office/officeart/2005/8/layout/vList3#1"/>
+    <dgm:cxn modelId="{28A91C34-D41F-4A17-BB42-B93D9917BEF7}" type="presOf" srcId="{99261721-DA63-4BFB-9185-8B2EBF338862}" destId="{6CA79189-6C05-404E-AAA6-2B4F90FC8D6C}" srcOrd="0" destOrd="0" presId="urn:microsoft.com/office/officeart/2005/8/layout/vList3#1"/>
     <dgm:cxn modelId="{41ECE407-F89E-45FB-859B-B23750CB4164}" srcId="{80BD3E6B-BFA6-45F5-A95B-268B01B30626}" destId="{3374BD26-DA3C-44FC-9044-7C40C94D830A}" srcOrd="6" destOrd="0" parTransId="{C894479A-35BA-4104-AE45-664293E866C8}" sibTransId="{F077E482-FCC5-42FC-96D5-11740E778C75}"/>
-    <dgm:cxn modelId="{A5899991-7375-4099-B791-47AE086567FB}" srcId="{80BD3E6B-BFA6-45F5-A95B-268B01B30626}" destId="{9A77EF8F-F04A-4B41-BFB7-F4E852C5EE88}" srcOrd="7" destOrd="0" parTransId="{0D229EF7-3EFD-4F6A-ACE2-C324EAAD431F}" sibTransId="{2D75CFD2-BD1B-4AE2-9E64-9A94820DA269}"/>
-    <dgm:cxn modelId="{E365AB48-FE18-4D8C-9446-7EF8078A6664}" type="presOf" srcId="{8BDBE172-4E28-444C-9767-4CD7D6CBAFD4}" destId="{13D41184-2F53-4041-80BC-849B5C113C61}" srcOrd="0" destOrd="0" presId="urn:microsoft.com/office/officeart/2005/8/layout/vList3#1"/>
-    <dgm:cxn modelId="{28A91C34-D41F-4A17-BB42-B93D9917BEF7}" type="presOf" srcId="{99261721-DA63-4BFB-9185-8B2EBF338862}" destId="{6CA79189-6C05-404E-AAA6-2B4F90FC8D6C}" srcOrd="0" destOrd="0" presId="urn:microsoft.com/office/officeart/2005/8/layout/vList3#1"/>
-    <dgm:cxn modelId="{40F4C030-5171-4E0A-8AAB-600EFA5EEEE0}" srcId="{80BD3E6B-BFA6-45F5-A95B-268B01B30626}" destId="{1D5F95FF-CA61-4FED-AA5C-06E868FB04B5}" srcOrd="0" destOrd="0" parTransId="{BD553156-B953-4E63-8337-6EA0C1BFC443}" sibTransId="{B19BA830-DFF2-4332-8C99-E5E175D256A1}"/>
-    <dgm:cxn modelId="{4B6FAEEC-EE42-4B41-9482-74E3ACB90487}" type="presOf" srcId="{80BD3E6B-BFA6-45F5-A95B-268B01B30626}" destId="{8AA1428D-8B22-454C-B41A-DCB9BFA5D77E}" srcOrd="0" destOrd="0" presId="urn:microsoft.com/office/officeart/2005/8/layout/vList3#1"/>
-    <dgm:cxn modelId="{A7819643-B1EB-4038-A78B-6C568F295BA0}" srcId="{80BD3E6B-BFA6-45F5-A95B-268B01B30626}" destId="{37C75499-B20F-4232-9A16-0A5918C1ACAF}" srcOrd="1" destOrd="0" parTransId="{CCAA3DF5-32DF-4554-9CDC-DDA72FC2CB0A}" sibTransId="{43402988-FC9E-46CF-A4CF-F75837BF655D}"/>
     <dgm:cxn modelId="{75A8202C-47DF-42EB-A7F5-0C8ACC913208}" srcId="{80BD3E6B-BFA6-45F5-A95B-268B01B30626}" destId="{99261721-DA63-4BFB-9185-8B2EBF338862}" srcOrd="3" destOrd="0" parTransId="{F08B2DCD-16C4-43B7-9770-D7C05831BD3B}" sibTransId="{F68EB63A-A92B-4B97-92D9-4CEE472FE1AE}"/>
-    <dgm:cxn modelId="{A6EB1C55-E2D9-E642-BA06-2ED498D41648}" type="presOf" srcId="{37C75499-B20F-4232-9A16-0A5918C1ACAF}" destId="{8DB51D92-391B-4051-9822-8D8579957043}" srcOrd="0" destOrd="0" presId="urn:microsoft.com/office/officeart/2005/8/layout/vList3#1"/>
-    <dgm:cxn modelId="{5F628D29-F108-4D35-999B-DEAC25B7B33B}" srcId="{80BD3E6B-BFA6-45F5-A95B-268B01B30626}" destId="{6C8E89C2-8E40-4A39-A09D-15970575181B}" srcOrd="4" destOrd="0" parTransId="{CB8CF22B-3EAA-438B-BB00-7A803A185D86}" sibTransId="{655D7231-A4B7-447B-8F15-E6E5A49F4DD1}"/>
-    <dgm:cxn modelId="{0018F25B-584B-D449-B805-61FB03AC87ED}" type="presOf" srcId="{6C8E89C2-8E40-4A39-A09D-15970575181B}" destId="{750C7532-9BDE-4AC6-87A0-D13E1BE4FB14}" srcOrd="0" destOrd="0" presId="urn:microsoft.com/office/officeart/2005/8/layout/vList3#1"/>
     <dgm:cxn modelId="{B00015E1-E82D-CA47-860A-BC62A111A149}" type="presParOf" srcId="{8AA1428D-8B22-454C-B41A-DCB9BFA5D77E}" destId="{B52988AD-C9E4-4B79-AEB4-75A75E5017BA}" srcOrd="0" destOrd="0" presId="urn:microsoft.com/office/officeart/2005/8/layout/vList3#1"/>
     <dgm:cxn modelId="{B0AB9BC7-56AB-F743-8F72-79C31B6DD68B}" type="presParOf" srcId="{B52988AD-C9E4-4B79-AEB4-75A75E5017BA}" destId="{F56FC70B-F031-44BF-8170-50470F1BEE76}" srcOrd="0" destOrd="0" presId="urn:microsoft.com/office/officeart/2005/8/layout/vList3#1"/>
     <dgm:cxn modelId="{71DC97E7-4A17-3D4A-9462-9107340E6EE8}" type="presParOf" srcId="{B52988AD-C9E4-4B79-AEB4-75A75E5017BA}" destId="{D7523A9B-8F14-4380-9308-122600EDC90C}" srcOrd="1" destOrd="0" presId="urn:microsoft.com/office/officeart/2005/8/layout/vList3#1"/>
@@ -1565,7 +1561,7 @@
   <dgm:whole/>
   <dgm:extLst>
     <a:ext uri="http://schemas.microsoft.com/office/drawing/2008/diagram">
-      <dsp:dataModelExt xmlns:dsp="http://schemas.microsoft.com/office/drawing/2008/diagram" relId="rId6" minVer="http://schemas.openxmlformats.org/drawingml/2006/diagram"/>
+      <dsp:dataModelExt xmlns:dsp="http://schemas.microsoft.com/office/drawing/2008/diagram" xmlns="" relId="rId6" minVer="http://schemas.openxmlformats.org/drawingml/2006/diagram"/>
     </a:ext>
   </dgm:extLst>
 </dgm:dataModel>
@@ -1586,8 +1582,8 @@
       </dsp:nvSpPr>
       <dsp:spPr>
         <a:xfrm rot="10800000">
-          <a:off x="1432289" y="2616"/>
-          <a:ext cx="5244655" cy="445070"/>
+          <a:off x="1470991" y="594"/>
+          <a:ext cx="5244655" cy="599878"/>
         </a:xfrm>
         <a:prstGeom prst="homePlate">
           <a:avLst/>
@@ -1629,12 +1625,12 @@
         </a:fontRef>
       </dsp:style>
       <dsp:txBody>
-        <a:bodyPr spcFirstLastPara="0" vert="horz" wrap="square" lIns="196264" tIns="76200" rIns="142240" bIns="76200" numCol="1" spcCol="1270" anchor="ctr" anchorCtr="0">
+        <a:bodyPr spcFirstLastPara="0" vert="horz" wrap="square" lIns="264530" tIns="91440" rIns="170688" bIns="91440" numCol="1" spcCol="1270" anchor="ctr" anchorCtr="0">
           <a:noAutofit/>
         </a:bodyPr>
         <a:lstStyle/>
         <a:p>
-          <a:pPr lvl="0" algn="ctr" defTabSz="889000" rtl="0">
+          <a:pPr lvl="0" algn="ctr" defTabSz="1066800" rtl="0">
             <a:lnSpc>
               <a:spcPct val="90000"/>
             </a:lnSpc>
@@ -1646,27 +1642,27 @@
             </a:spcAft>
           </a:pPr>
           <a:r>
-            <a:rPr lang="en-US" sz="2000" kern="1200" dirty="0" err="1" smtClean="0"/>
+            <a:rPr lang="en-US" sz="2400" kern="1200" dirty="0" err="1" smtClean="0"/>
             <a:t>Giới</a:t>
           </a:r>
           <a:r>
-            <a:rPr lang="en-US" sz="2000" kern="1200" dirty="0" smtClean="0"/>
+            <a:rPr lang="en-US" sz="2400" kern="1200" dirty="0" smtClean="0"/>
             <a:t> </a:t>
           </a:r>
           <a:r>
-            <a:rPr lang="en-US" sz="2000" kern="1200" dirty="0" err="1" smtClean="0"/>
+            <a:rPr lang="en-US" sz="2400" kern="1200" dirty="0" err="1" smtClean="0"/>
             <a:t>thiệu</a:t>
           </a:r>
           <a:r>
-            <a:rPr lang="en-US" sz="2000" kern="1200" dirty="0" smtClean="0"/>
+            <a:rPr lang="en-US" sz="2400" kern="1200" dirty="0" smtClean="0"/>
             <a:t> </a:t>
           </a:r>
-          <a:endParaRPr lang="en-US" sz="2000" kern="1200" dirty="0"/>
+          <a:endParaRPr lang="en-US" sz="2400" kern="1200" dirty="0"/>
         </a:p>
       </dsp:txBody>
       <dsp:txXfrm rot="10800000">
-        <a:off x="1543556" y="2616"/>
-        <a:ext cx="5133388" cy="445070"/>
+        <a:off x="1620960" y="594"/>
+        <a:ext cx="5094686" cy="599878"/>
       </dsp:txXfrm>
     </dsp:sp>
     <dsp:sp modelId="{F56FC70B-F031-44BF-8170-50470F1BEE76}">
@@ -1676,10 +1672,10 @@
       </dsp:nvSpPr>
       <dsp:spPr>
         <a:xfrm>
-          <a:off x="1209754" y="2616"/>
-          <a:ext cx="445070" cy="445070"/>
+          <a:off x="1171052" y="594"/>
+          <a:ext cx="599878" cy="599878"/>
         </a:xfrm>
-        <a:prstGeom prst="flowChartConnector">
+        <a:prstGeom prst="ellipse">
           <a:avLst/>
         </a:prstGeom>
         <a:solidFill>
@@ -1725,17 +1721,17 @@
       </dsp:nvSpPr>
       <dsp:spPr>
         <a:xfrm rot="10800000">
-          <a:off x="1432289" y="580544"/>
-          <a:ext cx="5244655" cy="445070"/>
+          <a:off x="1470991" y="779541"/>
+          <a:ext cx="5244655" cy="599878"/>
         </a:xfrm>
         <a:prstGeom prst="homePlate">
           <a:avLst/>
         </a:prstGeom>
         <a:solidFill>
           <a:schemeClr val="accent4">
-            <a:hueOff val="1485099"/>
-            <a:satOff val="-6853"/>
-            <a:lumOff val="252"/>
+            <a:hueOff val="2079139"/>
+            <a:satOff val="-9594"/>
+            <a:lumOff val="353"/>
             <a:alphaOff val="0"/>
           </a:schemeClr>
         </a:solidFill>
@@ -1768,12 +1764,12 @@
         </a:fontRef>
       </dsp:style>
       <dsp:txBody>
-        <a:bodyPr spcFirstLastPara="0" vert="horz" wrap="square" lIns="196264" tIns="76200" rIns="142240" bIns="76200" numCol="1" spcCol="1270" anchor="ctr" anchorCtr="0">
+        <a:bodyPr spcFirstLastPara="0" vert="horz" wrap="square" lIns="264530" tIns="91440" rIns="170688" bIns="91440" numCol="1" spcCol="1270" anchor="ctr" anchorCtr="0">
           <a:noAutofit/>
         </a:bodyPr>
         <a:lstStyle/>
         <a:p>
-          <a:pPr lvl="0" algn="ctr" defTabSz="889000" rtl="0">
+          <a:pPr lvl="0" algn="ctr" defTabSz="1066800" rtl="0">
             <a:lnSpc>
               <a:spcPct val="90000"/>
             </a:lnSpc>
@@ -1785,15 +1781,15 @@
             </a:spcAft>
           </a:pPr>
           <a:r>
-            <a:rPr lang="en-US" sz="2000" kern="1200" dirty="0" smtClean="0"/>
-            <a:t>Phân chia công việc</a:t>
+            <a:rPr lang="en-US" sz="2400" kern="1200" smtClean="0"/>
+            <a:t>Lịch sử phát triển Ngôn ngữ lập trình</a:t>
           </a:r>
-          <a:endParaRPr lang="en-US" sz="2000" kern="1200" dirty="0"/>
+          <a:endParaRPr lang="en-US" sz="2400" kern="1200"/>
         </a:p>
       </dsp:txBody>
       <dsp:txXfrm rot="10800000">
-        <a:off x="1543556" y="580544"/>
-        <a:ext cx="5133388" cy="445070"/>
+        <a:off x="1620960" y="779541"/>
+        <a:ext cx="5094686" cy="599878"/>
       </dsp:txXfrm>
     </dsp:sp>
     <dsp:sp modelId="{89B3021E-F9D4-4C92-BFB7-CF081341ECD1}">
@@ -1803,8 +1799,8 @@
       </dsp:nvSpPr>
       <dsp:spPr>
         <a:xfrm>
-          <a:off x="1209754" y="580544"/>
-          <a:ext cx="445070" cy="445070"/>
+          <a:off x="1171052" y="779541"/>
+          <a:ext cx="599878" cy="599878"/>
         </a:xfrm>
         <a:prstGeom prst="ellipse">
           <a:avLst/>
@@ -1812,9 +1808,9 @@
         <a:solidFill>
           <a:schemeClr val="accent4">
             <a:tint val="50000"/>
-            <a:hueOff val="1635361"/>
-            <a:satOff val="-8594"/>
-            <a:lumOff val="-622"/>
+            <a:hueOff val="2289505"/>
+            <a:satOff val="-12031"/>
+            <a:lumOff val="-871"/>
             <a:alphaOff val="0"/>
           </a:schemeClr>
         </a:solidFill>
@@ -1852,17 +1848,17 @@
       </dsp:nvSpPr>
       <dsp:spPr>
         <a:xfrm rot="10800000">
-          <a:off x="1432289" y="1158472"/>
-          <a:ext cx="5244655" cy="445070"/>
+          <a:off x="1470991" y="1558487"/>
+          <a:ext cx="5244655" cy="599878"/>
         </a:xfrm>
         <a:prstGeom prst="homePlate">
           <a:avLst/>
         </a:prstGeom>
         <a:solidFill>
           <a:schemeClr val="accent4">
-            <a:hueOff val="2970198"/>
-            <a:satOff val="-13705"/>
-            <a:lumOff val="504"/>
+            <a:hueOff val="4158277"/>
+            <a:satOff val="-19187"/>
+            <a:lumOff val="706"/>
             <a:alphaOff val="0"/>
           </a:schemeClr>
         </a:solidFill>
@@ -1895,12 +1891,12 @@
         </a:fontRef>
       </dsp:style>
       <dsp:txBody>
-        <a:bodyPr spcFirstLastPara="0" vert="horz" wrap="square" lIns="196264" tIns="76200" rIns="142240" bIns="76200" numCol="1" spcCol="1270" anchor="ctr" anchorCtr="0">
+        <a:bodyPr spcFirstLastPara="0" vert="horz" wrap="square" lIns="264530" tIns="91440" rIns="170688" bIns="91440" numCol="1" spcCol="1270" anchor="ctr" anchorCtr="0">
           <a:noAutofit/>
         </a:bodyPr>
         <a:lstStyle/>
         <a:p>
-          <a:pPr lvl="0" algn="ctr" defTabSz="889000" rtl="0">
+          <a:pPr lvl="0" algn="ctr" defTabSz="1066800" rtl="0">
             <a:lnSpc>
               <a:spcPct val="90000"/>
             </a:lnSpc>
@@ -1912,15 +1908,15 @@
             </a:spcAft>
           </a:pPr>
           <a:r>
-            <a:rPr lang="en-US" sz="2000" kern="1200" dirty="0" smtClean="0"/>
-            <a:t>Kế Hoạch của nhóm</a:t>
+            <a:rPr lang="en-US" sz="2400" kern="1200" smtClean="0"/>
+            <a:t>Các dạng Ngôn ngữ lập trình</a:t>
           </a:r>
-          <a:endParaRPr lang="en-US" sz="2000" kern="1200" dirty="0"/>
+          <a:endParaRPr lang="en-US" sz="2400" kern="1200"/>
         </a:p>
       </dsp:txBody>
       <dsp:txXfrm rot="10800000">
-        <a:off x="1543556" y="1158472"/>
-        <a:ext cx="5133388" cy="445070"/>
+        <a:off x="1620960" y="1558487"/>
+        <a:ext cx="5094686" cy="599878"/>
       </dsp:txXfrm>
     </dsp:sp>
     <dsp:sp modelId="{99E87DE9-6950-40EB-84C7-40835B615D0D}">
@@ -1930,8 +1926,8 @@
       </dsp:nvSpPr>
       <dsp:spPr>
         <a:xfrm>
-          <a:off x="1209754" y="1158472"/>
-          <a:ext cx="445070" cy="445070"/>
+          <a:off x="1171052" y="1558487"/>
+          <a:ext cx="599878" cy="599878"/>
         </a:xfrm>
         <a:prstGeom prst="ellipse">
           <a:avLst/>
@@ -1939,9 +1935,9 @@
         <a:solidFill>
           <a:schemeClr val="accent4">
             <a:tint val="50000"/>
-            <a:hueOff val="3270722"/>
-            <a:satOff val="-17187"/>
-            <a:lumOff val="-1244"/>
+            <a:hueOff val="4579010"/>
+            <a:satOff val="-24062"/>
+            <a:lumOff val="-1741"/>
             <a:alphaOff val="0"/>
           </a:schemeClr>
         </a:solidFill>
@@ -1972,24 +1968,24 @@
         <a:fontRef idx="minor"/>
       </dsp:style>
     </dsp:sp>
-    <dsp:sp modelId="{6CA79189-6C05-404E-AAA6-2B4F90FC8D6C}">
+    <dsp:sp modelId="{E9E80CBF-C39B-4455-B36F-7CD7A9006AA2}">
       <dsp:nvSpPr>
         <dsp:cNvPr id="0" name=""/>
         <dsp:cNvSpPr/>
       </dsp:nvSpPr>
       <dsp:spPr>
         <a:xfrm rot="10800000">
-          <a:off x="1432289" y="1736400"/>
-          <a:ext cx="5244655" cy="445070"/>
+          <a:off x="1470991" y="2337434"/>
+          <a:ext cx="5244655" cy="599878"/>
         </a:xfrm>
         <a:prstGeom prst="homePlate">
           <a:avLst/>
         </a:prstGeom>
         <a:solidFill>
           <a:schemeClr val="accent4">
-            <a:hueOff val="4455297"/>
-            <a:satOff val="-20558"/>
-            <a:lumOff val="756"/>
+            <a:hueOff val="6237416"/>
+            <a:satOff val="-28781"/>
+            <a:lumOff val="1059"/>
             <a:alphaOff val="0"/>
           </a:schemeClr>
         </a:solidFill>
@@ -2022,12 +2018,12 @@
         </a:fontRef>
       </dsp:style>
       <dsp:txBody>
-        <a:bodyPr spcFirstLastPara="0" vert="horz" wrap="square" lIns="196264" tIns="76200" rIns="142240" bIns="76200" numCol="1" spcCol="1270" anchor="ctr" anchorCtr="0">
+        <a:bodyPr spcFirstLastPara="0" vert="horz" wrap="square" lIns="264530" tIns="91440" rIns="170688" bIns="91440" numCol="1" spcCol="1270" anchor="ctr" anchorCtr="0">
           <a:noAutofit/>
         </a:bodyPr>
         <a:lstStyle/>
         <a:p>
-          <a:pPr lvl="0" algn="ctr" defTabSz="889000" rtl="0">
+          <a:pPr lvl="0" algn="ctr" defTabSz="1066800" rtl="0">
             <a:lnSpc>
               <a:spcPct val="90000"/>
             </a:lnSpc>
@@ -2039,26 +2035,26 @@
             </a:spcAft>
           </a:pPr>
           <a:r>
-            <a:rPr lang="en-US" sz="2000" kern="1200" dirty="0" smtClean="0"/>
-            <a:t>Thái độ của các thành viên</a:t>
+            <a:rPr lang="en-US" sz="2400" kern="1200" smtClean="0"/>
+            <a:t>Các công cụ Ngôn ngữ lập trình</a:t>
           </a:r>
-          <a:endParaRPr lang="en-US" sz="2000" kern="1200" dirty="0"/>
+          <a:endParaRPr lang="en-US" sz="2400" kern="1200"/>
         </a:p>
       </dsp:txBody>
       <dsp:txXfrm rot="10800000">
-        <a:off x="1543556" y="1736400"/>
-        <a:ext cx="5133388" cy="445070"/>
+        <a:off x="1620960" y="2337434"/>
+        <a:ext cx="5094686" cy="599878"/>
       </dsp:txXfrm>
     </dsp:sp>
-    <dsp:sp modelId="{4EE51578-5D96-4595-B1FE-1D0DEA5CA07C}">
+    <dsp:sp modelId="{81757A16-B33E-46D4-8998-D348694ADE08}">
       <dsp:nvSpPr>
         <dsp:cNvPr id="0" name=""/>
         <dsp:cNvSpPr/>
       </dsp:nvSpPr>
       <dsp:spPr>
         <a:xfrm>
-          <a:off x="1209754" y="1736400"/>
-          <a:ext cx="445070" cy="445070"/>
+          <a:off x="1171052" y="2337434"/>
+          <a:ext cx="599878" cy="599878"/>
         </a:xfrm>
         <a:prstGeom prst="ellipse">
           <a:avLst/>
@@ -2066,9 +2062,136 @@
         <a:solidFill>
           <a:schemeClr val="accent4">
             <a:tint val="50000"/>
-            <a:hueOff val="4906082"/>
-            <a:satOff val="-25781"/>
-            <a:lumOff val="-1866"/>
+            <a:hueOff val="6868515"/>
+            <a:satOff val="-36094"/>
+            <a:lumOff val="-2612"/>
+            <a:alphaOff val="0"/>
+          </a:schemeClr>
+        </a:solidFill>
+        <a:ln w="12700" cap="flat" cmpd="sng" algn="ctr">
+          <a:solidFill>
+            <a:schemeClr val="lt1">
+              <a:hueOff val="0"/>
+              <a:satOff val="0"/>
+              <a:lumOff val="0"/>
+              <a:alphaOff val="0"/>
+            </a:schemeClr>
+          </a:solidFill>
+          <a:prstDash val="solid"/>
+          <a:miter lim="800000"/>
+        </a:ln>
+        <a:effectLst/>
+      </dsp:spPr>
+      <dsp:style>
+        <a:lnRef idx="2">
+          <a:scrgbClr r="0" g="0" b="0"/>
+        </a:lnRef>
+        <a:fillRef idx="1">
+          <a:scrgbClr r="0" g="0" b="0"/>
+        </a:fillRef>
+        <a:effectRef idx="0">
+          <a:scrgbClr r="0" g="0" b="0"/>
+        </a:effectRef>
+        <a:fontRef idx="minor"/>
+      </dsp:style>
+    </dsp:sp>
+    <dsp:sp modelId="{0ACF1714-EF27-4819-BF25-282377132DC1}">
+      <dsp:nvSpPr>
+        <dsp:cNvPr id="0" name=""/>
+        <dsp:cNvSpPr/>
+      </dsp:nvSpPr>
+      <dsp:spPr>
+        <a:xfrm rot="10800000">
+          <a:off x="1470991" y="3116380"/>
+          <a:ext cx="5244655" cy="599878"/>
+        </a:xfrm>
+        <a:prstGeom prst="homePlate">
+          <a:avLst/>
+        </a:prstGeom>
+        <a:solidFill>
+          <a:schemeClr val="accent4">
+            <a:hueOff val="8316554"/>
+            <a:satOff val="-38374"/>
+            <a:lumOff val="1412"/>
+            <a:alphaOff val="0"/>
+          </a:schemeClr>
+        </a:solidFill>
+        <a:ln w="12700" cap="flat" cmpd="sng" algn="ctr">
+          <a:solidFill>
+            <a:schemeClr val="lt1">
+              <a:hueOff val="0"/>
+              <a:satOff val="0"/>
+              <a:lumOff val="0"/>
+              <a:alphaOff val="0"/>
+            </a:schemeClr>
+          </a:solidFill>
+          <a:prstDash val="solid"/>
+          <a:miter lim="800000"/>
+        </a:ln>
+        <a:effectLst/>
+      </dsp:spPr>
+      <dsp:style>
+        <a:lnRef idx="2">
+          <a:scrgbClr r="0" g="0" b="0"/>
+        </a:lnRef>
+        <a:fillRef idx="1">
+          <a:scrgbClr r="0" g="0" b="0"/>
+        </a:fillRef>
+        <a:effectRef idx="0">
+          <a:scrgbClr r="0" g="0" b="0"/>
+        </a:effectRef>
+        <a:fontRef idx="minor">
+          <a:schemeClr val="lt1"/>
+        </a:fontRef>
+      </dsp:style>
+      <dsp:txBody>
+        <a:bodyPr spcFirstLastPara="0" vert="horz" wrap="square" lIns="264530" tIns="91440" rIns="170688" bIns="91440" numCol="1" spcCol="1270" anchor="ctr" anchorCtr="0">
+          <a:noAutofit/>
+        </a:bodyPr>
+        <a:lstStyle/>
+        <a:p>
+          <a:pPr lvl="0" algn="ctr" defTabSz="1066800" rtl="0">
+            <a:lnSpc>
+              <a:spcPct val="90000"/>
+            </a:lnSpc>
+            <a:spcBef>
+              <a:spcPct val="0"/>
+            </a:spcBef>
+            <a:spcAft>
+              <a:spcPct val="35000"/>
+            </a:spcAft>
+          </a:pPr>
+          <a:r>
+            <a:rPr lang="en-US" sz="2400" kern="1200" smtClean="0"/>
+            <a:t>Cấu trúc một chương trình C++</a:t>
+          </a:r>
+          <a:endParaRPr lang="en-US" sz="2400" kern="1200"/>
+        </a:p>
+      </dsp:txBody>
+      <dsp:txXfrm rot="10800000">
+        <a:off x="1620960" y="3116380"/>
+        <a:ext cx="5094686" cy="599878"/>
+      </dsp:txXfrm>
+    </dsp:sp>
+    <dsp:sp modelId="{9271EB9B-6E45-41B7-B80E-65F1F636E2A3}">
+      <dsp:nvSpPr>
+        <dsp:cNvPr id="0" name=""/>
+        <dsp:cNvSpPr/>
+      </dsp:nvSpPr>
+      <dsp:spPr>
+        <a:xfrm>
+          <a:off x="1171052" y="3116380"/>
+          <a:ext cx="599878" cy="599878"/>
+        </a:xfrm>
+        <a:prstGeom prst="ellipse">
+          <a:avLst/>
+        </a:prstGeom>
+        <a:solidFill>
+          <a:schemeClr val="accent4">
+            <a:tint val="50000"/>
+            <a:hueOff val="9158020"/>
+            <a:satOff val="-48125"/>
+            <a:lumOff val="-3482"/>
             <a:alphaOff val="0"/>
           </a:schemeClr>
         </a:solidFill>
@@ -2106,389 +2229,8 @@
       </dsp:nvSpPr>
       <dsp:spPr>
         <a:xfrm rot="10800000">
-          <a:off x="1432289" y="2314328"/>
-          <a:ext cx="5244655" cy="445070"/>
-        </a:xfrm>
-        <a:prstGeom prst="homePlate">
-          <a:avLst/>
-        </a:prstGeom>
-        <a:solidFill>
-          <a:schemeClr val="accent4">
-            <a:hueOff val="5940396"/>
-            <a:satOff val="-27410"/>
-            <a:lumOff val="1009"/>
-            <a:alphaOff val="0"/>
-          </a:schemeClr>
-        </a:solidFill>
-        <a:ln w="12700" cap="flat" cmpd="sng" algn="ctr">
-          <a:solidFill>
-            <a:schemeClr val="lt1">
-              <a:hueOff val="0"/>
-              <a:satOff val="0"/>
-              <a:lumOff val="0"/>
-              <a:alphaOff val="0"/>
-            </a:schemeClr>
-          </a:solidFill>
-          <a:prstDash val="solid"/>
-          <a:miter lim="800000"/>
-        </a:ln>
-        <a:effectLst/>
-      </dsp:spPr>
-      <dsp:style>
-        <a:lnRef idx="2">
-          <a:scrgbClr r="0" g="0" b="0"/>
-        </a:lnRef>
-        <a:fillRef idx="1">
-          <a:scrgbClr r="0" g="0" b="0"/>
-        </a:fillRef>
-        <a:effectRef idx="0">
-          <a:scrgbClr r="0" g="0" b="0"/>
-        </a:effectRef>
-        <a:fontRef idx="minor">
-          <a:schemeClr val="lt1"/>
-        </a:fontRef>
-      </dsp:style>
-      <dsp:txBody>
-        <a:bodyPr spcFirstLastPara="0" vert="horz" wrap="square" lIns="196264" tIns="76200" rIns="142240" bIns="76200" numCol="1" spcCol="1270" anchor="ctr" anchorCtr="0">
-          <a:noAutofit/>
-        </a:bodyPr>
-        <a:lstStyle/>
-        <a:p>
-          <a:pPr lvl="0" algn="ctr" defTabSz="889000" rtl="0">
-            <a:lnSpc>
-              <a:spcPct val="90000"/>
-            </a:lnSpc>
-            <a:spcBef>
-              <a:spcPct val="0"/>
-            </a:spcBef>
-            <a:spcAft>
-              <a:spcPct val="35000"/>
-            </a:spcAft>
-          </a:pPr>
-          <a:r>
-            <a:rPr lang="en-US" sz="2000" kern="1200" dirty="0" smtClean="0"/>
-            <a:t>Đánh giá các buổi họp nhóm</a:t>
-          </a:r>
-          <a:endParaRPr lang="en-US" sz="2000" kern="1200" dirty="0"/>
-        </a:p>
-      </dsp:txBody>
-      <dsp:txXfrm rot="10800000">
-        <a:off x="1543556" y="2314328"/>
-        <a:ext cx="5133388" cy="445070"/>
-      </dsp:txXfrm>
-    </dsp:sp>
-    <dsp:sp modelId="{7335870A-BE03-457A-9BF0-A3EE44A6357C}">
-      <dsp:nvSpPr>
-        <dsp:cNvPr id="0" name=""/>
-        <dsp:cNvSpPr/>
-      </dsp:nvSpPr>
-      <dsp:spPr>
-        <a:xfrm>
-          <a:off x="1209754" y="2314328"/>
-          <a:ext cx="445070" cy="445070"/>
-        </a:xfrm>
-        <a:prstGeom prst="ellipse">
-          <a:avLst/>
-        </a:prstGeom>
-        <a:solidFill>
-          <a:schemeClr val="accent4">
-            <a:tint val="50000"/>
-            <a:hueOff val="6541443"/>
-            <a:satOff val="-34375"/>
-            <a:lumOff val="-2487"/>
-            <a:alphaOff val="0"/>
-          </a:schemeClr>
-        </a:solidFill>
-        <a:ln w="12700" cap="flat" cmpd="sng" algn="ctr">
-          <a:solidFill>
-            <a:schemeClr val="lt1">
-              <a:hueOff val="0"/>
-              <a:satOff val="0"/>
-              <a:lumOff val="0"/>
-              <a:alphaOff val="0"/>
-            </a:schemeClr>
-          </a:solidFill>
-          <a:prstDash val="solid"/>
-          <a:miter lim="800000"/>
-        </a:ln>
-        <a:effectLst/>
-      </dsp:spPr>
-      <dsp:style>
-        <a:lnRef idx="2">
-          <a:scrgbClr r="0" g="0" b="0"/>
-        </a:lnRef>
-        <a:fillRef idx="1">
-          <a:scrgbClr r="0" g="0" b="0"/>
-        </a:fillRef>
-        <a:effectRef idx="0">
-          <a:scrgbClr r="0" g="0" b="0"/>
-        </a:effectRef>
-        <a:fontRef idx="minor"/>
-      </dsp:style>
-    </dsp:sp>
-    <dsp:sp modelId="{13D41184-2F53-4041-80BC-849B5C113C61}">
-      <dsp:nvSpPr>
-        <dsp:cNvPr id="0" name=""/>
-        <dsp:cNvSpPr/>
-      </dsp:nvSpPr>
-      <dsp:spPr>
-        <a:xfrm rot="10800000">
-          <a:off x="1432289" y="2892256"/>
-          <a:ext cx="5244655" cy="445070"/>
-        </a:xfrm>
-        <a:prstGeom prst="homePlate">
-          <a:avLst/>
-        </a:prstGeom>
-        <a:solidFill>
-          <a:schemeClr val="accent4">
-            <a:hueOff val="7425495"/>
-            <a:satOff val="-34263"/>
-            <a:lumOff val="1261"/>
-            <a:alphaOff val="0"/>
-          </a:schemeClr>
-        </a:solidFill>
-        <a:ln w="12700" cap="flat" cmpd="sng" algn="ctr">
-          <a:solidFill>
-            <a:schemeClr val="lt1">
-              <a:hueOff val="0"/>
-              <a:satOff val="0"/>
-              <a:lumOff val="0"/>
-              <a:alphaOff val="0"/>
-            </a:schemeClr>
-          </a:solidFill>
-          <a:prstDash val="solid"/>
-          <a:miter lim="800000"/>
-        </a:ln>
-        <a:effectLst/>
-      </dsp:spPr>
-      <dsp:style>
-        <a:lnRef idx="2">
-          <a:scrgbClr r="0" g="0" b="0"/>
-        </a:lnRef>
-        <a:fillRef idx="1">
-          <a:scrgbClr r="0" g="0" b="0"/>
-        </a:fillRef>
-        <a:effectRef idx="0">
-          <a:scrgbClr r="0" g="0" b="0"/>
-        </a:effectRef>
-        <a:fontRef idx="minor">
-          <a:schemeClr val="lt1"/>
-        </a:fontRef>
-      </dsp:style>
-      <dsp:txBody>
-        <a:bodyPr spcFirstLastPara="0" vert="horz" wrap="square" lIns="196264" tIns="76200" rIns="142240" bIns="76200" numCol="1" spcCol="1270" anchor="ctr" anchorCtr="0">
-          <a:noAutofit/>
-        </a:bodyPr>
-        <a:lstStyle/>
-        <a:p>
-          <a:pPr lvl="0" algn="ctr" defTabSz="889000" rtl="0">
-            <a:lnSpc>
-              <a:spcPct val="90000"/>
-            </a:lnSpc>
-            <a:spcBef>
-              <a:spcPct val="0"/>
-            </a:spcBef>
-            <a:spcAft>
-              <a:spcPct val="35000"/>
-            </a:spcAft>
-          </a:pPr>
-          <a:r>
-            <a:rPr lang="en-US" sz="2000" kern="1200" dirty="0" smtClean="0"/>
-            <a:t>Biên bản làm việc nhóm</a:t>
-          </a:r>
-          <a:endParaRPr lang="en-US" sz="2000" kern="1200" dirty="0"/>
-        </a:p>
-      </dsp:txBody>
-      <dsp:txXfrm rot="10800000">
-        <a:off x="1543556" y="2892256"/>
-        <a:ext cx="5133388" cy="445070"/>
-      </dsp:txXfrm>
-    </dsp:sp>
-    <dsp:sp modelId="{C705203E-DE74-438E-9C6C-5CD2F79F7A39}">
-      <dsp:nvSpPr>
-        <dsp:cNvPr id="0" name=""/>
-        <dsp:cNvSpPr/>
-      </dsp:nvSpPr>
-      <dsp:spPr>
-        <a:xfrm>
-          <a:off x="1209754" y="2892256"/>
-          <a:ext cx="445070" cy="445070"/>
-        </a:xfrm>
-        <a:prstGeom prst="ellipse">
-          <a:avLst/>
-        </a:prstGeom>
-        <a:solidFill>
-          <a:schemeClr val="accent4">
-            <a:tint val="50000"/>
-            <a:hueOff val="8176804"/>
-            <a:satOff val="-42969"/>
-            <a:lumOff val="-3109"/>
-            <a:alphaOff val="0"/>
-          </a:schemeClr>
-        </a:solidFill>
-        <a:ln w="12700" cap="flat" cmpd="sng" algn="ctr">
-          <a:solidFill>
-            <a:schemeClr val="lt1">
-              <a:hueOff val="0"/>
-              <a:satOff val="0"/>
-              <a:lumOff val="0"/>
-              <a:alphaOff val="0"/>
-            </a:schemeClr>
-          </a:solidFill>
-          <a:prstDash val="solid"/>
-          <a:miter lim="800000"/>
-        </a:ln>
-        <a:effectLst/>
-      </dsp:spPr>
-      <dsp:style>
-        <a:lnRef idx="2">
-          <a:scrgbClr r="0" g="0" b="0"/>
-        </a:lnRef>
-        <a:fillRef idx="1">
-          <a:scrgbClr r="0" g="0" b="0"/>
-        </a:fillRef>
-        <a:effectRef idx="0">
-          <a:scrgbClr r="0" g="0" b="0"/>
-        </a:effectRef>
-        <a:fontRef idx="minor"/>
-      </dsp:style>
-    </dsp:sp>
-    <dsp:sp modelId="{E556136F-CDF5-419B-BF65-FBFD923437C0}">
-      <dsp:nvSpPr>
-        <dsp:cNvPr id="0" name=""/>
-        <dsp:cNvSpPr/>
-      </dsp:nvSpPr>
-      <dsp:spPr>
-        <a:xfrm rot="10800000">
-          <a:off x="1432289" y="3470184"/>
-          <a:ext cx="5244655" cy="445070"/>
-        </a:xfrm>
-        <a:prstGeom prst="homePlate">
-          <a:avLst/>
-        </a:prstGeom>
-        <a:solidFill>
-          <a:schemeClr val="accent4">
-            <a:hueOff val="8910594"/>
-            <a:satOff val="-41115"/>
-            <a:lumOff val="1513"/>
-            <a:alphaOff val="0"/>
-          </a:schemeClr>
-        </a:solidFill>
-        <a:ln w="12700" cap="flat" cmpd="sng" algn="ctr">
-          <a:solidFill>
-            <a:schemeClr val="lt1">
-              <a:hueOff val="0"/>
-              <a:satOff val="0"/>
-              <a:lumOff val="0"/>
-              <a:alphaOff val="0"/>
-            </a:schemeClr>
-          </a:solidFill>
-          <a:prstDash val="solid"/>
-          <a:miter lim="800000"/>
-        </a:ln>
-        <a:effectLst/>
-      </dsp:spPr>
-      <dsp:style>
-        <a:lnRef idx="2">
-          <a:scrgbClr r="0" g="0" b="0"/>
-        </a:lnRef>
-        <a:fillRef idx="1">
-          <a:scrgbClr r="0" g="0" b="0"/>
-        </a:fillRef>
-        <a:effectRef idx="0">
-          <a:scrgbClr r="0" g="0" b="0"/>
-        </a:effectRef>
-        <a:fontRef idx="minor">
-          <a:schemeClr val="lt1"/>
-        </a:fontRef>
-      </dsp:style>
-      <dsp:txBody>
-        <a:bodyPr spcFirstLastPara="0" vert="horz" wrap="square" lIns="196264" tIns="76200" rIns="142240" bIns="76200" numCol="1" spcCol="1270" anchor="ctr" anchorCtr="0">
-          <a:noAutofit/>
-        </a:bodyPr>
-        <a:lstStyle/>
-        <a:p>
-          <a:pPr lvl="0" algn="ctr" defTabSz="889000" rtl="0">
-            <a:lnSpc>
-              <a:spcPct val="90000"/>
-            </a:lnSpc>
-            <a:spcBef>
-              <a:spcPct val="0"/>
-            </a:spcBef>
-            <a:spcAft>
-              <a:spcPct val="35000"/>
-            </a:spcAft>
-          </a:pPr>
-          <a:r>
-            <a:rPr lang="en-US" sz="2000" kern="1200" dirty="0" smtClean="0"/>
-            <a:t>Đánh giá thành viên</a:t>
-          </a:r>
-          <a:endParaRPr lang="en-US" sz="2000" kern="1200" dirty="0"/>
-        </a:p>
-      </dsp:txBody>
-      <dsp:txXfrm rot="10800000">
-        <a:off x="1543556" y="3470184"/>
-        <a:ext cx="5133388" cy="445070"/>
-      </dsp:txXfrm>
-    </dsp:sp>
-    <dsp:sp modelId="{A168BB1B-C133-4B09-AE5F-F3283510AD73}">
-      <dsp:nvSpPr>
-        <dsp:cNvPr id="0" name=""/>
-        <dsp:cNvSpPr/>
-      </dsp:nvSpPr>
-      <dsp:spPr>
-        <a:xfrm>
-          <a:off x="1209754" y="3470184"/>
-          <a:ext cx="445070" cy="445070"/>
-        </a:xfrm>
-        <a:prstGeom prst="ellipse">
-          <a:avLst/>
-        </a:prstGeom>
-        <a:solidFill>
-          <a:schemeClr val="accent4">
-            <a:tint val="50000"/>
-            <a:hueOff val="9812164"/>
-            <a:satOff val="-51562"/>
-            <a:lumOff val="-3731"/>
-            <a:alphaOff val="0"/>
-          </a:schemeClr>
-        </a:solidFill>
-        <a:ln w="12700" cap="flat" cmpd="sng" algn="ctr">
-          <a:solidFill>
-            <a:schemeClr val="lt1">
-              <a:hueOff val="0"/>
-              <a:satOff val="0"/>
-              <a:lumOff val="0"/>
-              <a:alphaOff val="0"/>
-            </a:schemeClr>
-          </a:solidFill>
-          <a:prstDash val="solid"/>
-          <a:miter lim="800000"/>
-        </a:ln>
-        <a:effectLst/>
-      </dsp:spPr>
-      <dsp:style>
-        <a:lnRef idx="2">
-          <a:scrgbClr r="0" g="0" b="0"/>
-        </a:lnRef>
-        <a:fillRef idx="1">
-          <a:scrgbClr r="0" g="0" b="0"/>
-        </a:fillRef>
-        <a:effectRef idx="0">
-          <a:scrgbClr r="0" g="0" b="0"/>
-        </a:effectRef>
-        <a:fontRef idx="minor"/>
-      </dsp:style>
-    </dsp:sp>
-    <dsp:sp modelId="{3AE37666-E249-4DD9-AADA-E4A46813033E}">
-      <dsp:nvSpPr>
-        <dsp:cNvPr id="0" name=""/>
-        <dsp:cNvSpPr/>
-      </dsp:nvSpPr>
-      <dsp:spPr>
-        <a:xfrm rot="10800000">
-          <a:off x="1432289" y="4048112"/>
-          <a:ext cx="5244655" cy="445070"/>
+          <a:off x="1470991" y="3895326"/>
+          <a:ext cx="5244655" cy="599878"/>
         </a:xfrm>
         <a:prstGeom prst="homePlate">
           <a:avLst/>
@@ -2530,12 +2272,12 @@
         </a:fontRef>
       </dsp:style>
       <dsp:txBody>
-        <a:bodyPr spcFirstLastPara="0" vert="horz" wrap="square" lIns="196264" tIns="76200" rIns="142240" bIns="76200" numCol="1" spcCol="1270" anchor="ctr" anchorCtr="0">
+        <a:bodyPr spcFirstLastPara="0" vert="horz" wrap="square" lIns="264530" tIns="91440" rIns="170688" bIns="91440" numCol="1" spcCol="1270" anchor="ctr" anchorCtr="0">
           <a:noAutofit/>
         </a:bodyPr>
         <a:lstStyle/>
         <a:p>
-          <a:pPr lvl="0" algn="ctr" defTabSz="889000" rtl="0">
+          <a:pPr lvl="0" algn="ctr" defTabSz="1066800" rtl="0">
             <a:lnSpc>
               <a:spcPct val="90000"/>
             </a:lnSpc>
@@ -2547,26 +2289,74 @@
             </a:spcAft>
           </a:pPr>
           <a:r>
-            <a:rPr lang="en-US" sz="2000" kern="1200" dirty="0" smtClean="0"/>
-            <a:t>Clip đồ án</a:t>
+            <a:rPr lang="en-US" sz="2400" kern="1200" dirty="0" err="1" smtClean="0"/>
+            <a:t>Giải</a:t>
           </a:r>
-          <a:endParaRPr lang="en-US" sz="2000" kern="1200" dirty="0"/>
+          <a:r>
+            <a:rPr lang="en-US" sz="2400" kern="1200" dirty="0" smtClean="0"/>
+            <a:t> </a:t>
+          </a:r>
+          <a:r>
+            <a:rPr lang="en-US" sz="2400" kern="1200" dirty="0" err="1" smtClean="0"/>
+            <a:t>thuật</a:t>
+          </a:r>
+          <a:r>
+            <a:rPr lang="en-US" sz="2400" kern="1200" dirty="0" smtClean="0"/>
+            <a:t> </a:t>
+          </a:r>
+          <a:r>
+            <a:rPr lang="en-US" sz="2400" kern="1200" dirty="0" err="1" smtClean="0"/>
+            <a:t>và</a:t>
+          </a:r>
+          <a:r>
+            <a:rPr lang="en-US" sz="2400" kern="1200" dirty="0" smtClean="0"/>
+            <a:t> </a:t>
+          </a:r>
+          <a:r>
+            <a:rPr lang="en-US" sz="2400" kern="1200" dirty="0" err="1" smtClean="0"/>
+            <a:t>đặc</a:t>
+          </a:r>
+          <a:r>
+            <a:rPr lang="en-US" sz="2400" kern="1200" dirty="0" smtClean="0"/>
+            <a:t> </a:t>
+          </a:r>
+          <a:r>
+            <a:rPr lang="en-US" sz="2400" kern="1200" dirty="0" err="1" smtClean="0"/>
+            <a:t>tả</a:t>
+          </a:r>
+          <a:r>
+            <a:rPr lang="en-US" sz="2400" kern="1200" dirty="0" smtClean="0"/>
+            <a:t> </a:t>
+          </a:r>
+          <a:r>
+            <a:rPr lang="en-US" sz="2400" kern="1200" dirty="0" err="1" smtClean="0"/>
+            <a:t>giải</a:t>
+          </a:r>
+          <a:r>
+            <a:rPr lang="en-US" sz="2400" kern="1200" dirty="0" smtClean="0"/>
+            <a:t> </a:t>
+          </a:r>
+          <a:r>
+            <a:rPr lang="en-US" sz="2400" kern="1200" dirty="0" err="1" smtClean="0"/>
+            <a:t>thuật</a:t>
+          </a:r>
+          <a:endParaRPr lang="en-US" sz="2400" kern="1200" dirty="0"/>
         </a:p>
       </dsp:txBody>
       <dsp:txXfrm rot="10800000">
-        <a:off x="1543556" y="4048112"/>
-        <a:ext cx="5133388" cy="445070"/>
+        <a:off x="1620960" y="3895326"/>
+        <a:ext cx="5094686" cy="599878"/>
       </dsp:txXfrm>
     </dsp:sp>
-    <dsp:sp modelId="{684FB06E-CAB0-4A2F-8213-E45FE9987EA6}">
+    <dsp:sp modelId="{7335870A-BE03-457A-9BF0-A3EE44A6357C}">
       <dsp:nvSpPr>
         <dsp:cNvPr id="0" name=""/>
         <dsp:cNvSpPr/>
       </dsp:nvSpPr>
       <dsp:spPr>
         <a:xfrm>
-          <a:off x="1209754" y="4048112"/>
-          <a:ext cx="445070" cy="445070"/>
+          <a:off x="1171052" y="3895326"/>
+          <a:ext cx="599878" cy="599878"/>
         </a:xfrm>
         <a:prstGeom prst="ellipse">
           <a:avLst/>
@@ -4027,7 +3817,7 @@
     </p:spTree>
     <p:extLst>
       <p:ext uri="{BB962C8B-B14F-4D97-AF65-F5344CB8AC3E}">
-        <p14:creationId xmlns:p14="http://schemas.microsoft.com/office/powerpoint/2010/main" val="1586409557"/>
+        <p14:creationId xmlns:p14="http://schemas.microsoft.com/office/powerpoint/2010/main" xmlns="" val="1586409557"/>
       </p:ext>
     </p:extLst>
   </p:cSld>
@@ -4181,7 +3971,7 @@
           </a:ln>
           <a:extLst>
             <a:ext uri="{909E8E84-426E-40DD-AFC4-6F175D3DCCD1}">
-              <a14:hiddenFill xmlns:a14="http://schemas.microsoft.com/office/drawing/2010/main">
+              <a14:hiddenFill xmlns:a14="http://schemas.microsoft.com/office/drawing/2010/main" xmlns="">
                 <a:solidFill>
                   <a:srgbClr val="FFFFFF"/>
                 </a:solidFill>
@@ -4363,7 +4153,7 @@
     </p:spTree>
     <p:extLst>
       <p:ext uri="{BB962C8B-B14F-4D97-AF65-F5344CB8AC3E}">
-        <p14:creationId xmlns:p14="http://schemas.microsoft.com/office/powerpoint/2010/main" val="3779946414"/>
+        <p14:creationId xmlns:p14="http://schemas.microsoft.com/office/powerpoint/2010/main" xmlns="" val="3779946414"/>
       </p:ext>
     </p:extLst>
   </p:cSld>
@@ -4525,14 +4315,14 @@
           <a:ln/>
           <a:extLst>
             <a:ext uri="{909E8E84-426E-40DD-AFC4-6F175D3DCCD1}">
-              <a14:hiddenFill xmlns:a14="http://schemas.microsoft.com/office/drawing/2010/main">
+              <a14:hiddenFill xmlns:a14="http://schemas.microsoft.com/office/drawing/2010/main" xmlns="">
                 <a:solidFill>
                   <a:srgbClr val="FFFFFF"/>
                 </a:solidFill>
               </a14:hiddenFill>
             </a:ext>
             <a:ext uri="{91240B29-F687-4F45-9708-019B960494DF}">
-              <a14:hiddenLine xmlns:a14="http://schemas.microsoft.com/office/drawing/2010/main" w="9525">
+              <a14:hiddenLine xmlns:a14="http://schemas.microsoft.com/office/drawing/2010/main" xmlns="" w="9525">
                 <a:solidFill>
                   <a:srgbClr val="000000"/>
                 </a:solidFill>
@@ -4683,14 +4473,14 @@
           <a:ln/>
           <a:extLst>
             <a:ext uri="{909E8E84-426E-40DD-AFC4-6F175D3DCCD1}">
-              <a14:hiddenFill xmlns:a14="http://schemas.microsoft.com/office/drawing/2010/main">
+              <a14:hiddenFill xmlns:a14="http://schemas.microsoft.com/office/drawing/2010/main" xmlns="">
                 <a:solidFill>
                   <a:srgbClr val="FFFFFF"/>
                 </a:solidFill>
               </a14:hiddenFill>
             </a:ext>
             <a:ext uri="{91240B29-F687-4F45-9708-019B960494DF}">
-              <a14:hiddenLine xmlns:a14="http://schemas.microsoft.com/office/drawing/2010/main" w="9525">
+              <a14:hiddenLine xmlns:a14="http://schemas.microsoft.com/office/drawing/2010/main" xmlns="" w="9525">
                 <a:solidFill>
                   <a:srgbClr val="000000"/>
                 </a:solidFill>
@@ -4713,7 +4503,7 @@
     </p:spTree>
     <p:extLst>
       <p:ext uri="{BB962C8B-B14F-4D97-AF65-F5344CB8AC3E}">
-        <p14:creationId xmlns:p14="http://schemas.microsoft.com/office/powerpoint/2010/main" val="2460111543"/>
+        <p14:creationId xmlns:p14="http://schemas.microsoft.com/office/powerpoint/2010/main" xmlns="" val="2460111543"/>
       </p:ext>
     </p:extLst>
   </p:cSld>
@@ -4970,7 +4760,7 @@
     </p:spTree>
     <p:extLst>
       <p:ext uri="{BB962C8B-B14F-4D97-AF65-F5344CB8AC3E}">
-        <p14:creationId xmlns:p14="http://schemas.microsoft.com/office/powerpoint/2010/main" val="1191603254"/>
+        <p14:creationId xmlns:p14="http://schemas.microsoft.com/office/powerpoint/2010/main" xmlns="" val="1191603254"/>
       </p:ext>
     </p:extLst>
   </p:cSld>
@@ -5194,7 +4984,7 @@
     </p:spTree>
     <p:extLst>
       <p:ext uri="{BB962C8B-B14F-4D97-AF65-F5344CB8AC3E}">
-        <p14:creationId xmlns:p14="http://schemas.microsoft.com/office/powerpoint/2010/main" val="1071376976"/>
+        <p14:creationId xmlns:p14="http://schemas.microsoft.com/office/powerpoint/2010/main" xmlns="" val="1071376976"/>
       </p:ext>
     </p:extLst>
   </p:cSld>
@@ -5393,7 +5183,7 @@
     </p:spTree>
     <p:extLst>
       <p:ext uri="{BB962C8B-B14F-4D97-AF65-F5344CB8AC3E}">
-        <p14:creationId xmlns:p14="http://schemas.microsoft.com/office/powerpoint/2010/main" val="4215254224"/>
+        <p14:creationId xmlns:p14="http://schemas.microsoft.com/office/powerpoint/2010/main" xmlns="" val="4215254224"/>
       </p:ext>
     </p:extLst>
   </p:cSld>
@@ -5710,7 +5500,7 @@
     </p:spTree>
     <p:extLst>
       <p:ext uri="{BB962C8B-B14F-4D97-AF65-F5344CB8AC3E}">
-        <p14:creationId xmlns:p14="http://schemas.microsoft.com/office/powerpoint/2010/main" val="2932714335"/>
+        <p14:creationId xmlns:p14="http://schemas.microsoft.com/office/powerpoint/2010/main" xmlns="" val="2932714335"/>
       </p:ext>
     </p:extLst>
   </p:cSld>
@@ -5828,7 +5618,7 @@
             <a:alphaModFix amt="19000"/>
             <a:extLst>
               <a:ext uri="{28A0092B-C50C-407E-A947-70E740481C1C}">
-                <a14:useLocalDpi xmlns:a14="http://schemas.microsoft.com/office/drawing/2010/main" val="0"/>
+                <a14:useLocalDpi xmlns:a14="http://schemas.microsoft.com/office/drawing/2010/main" xmlns="" val="0"/>
               </a:ext>
             </a:extLst>
           </a:blip>
@@ -5849,7 +5639,7 @@
     </p:spTree>
     <p:extLst>
       <p:ext uri="{BB962C8B-B14F-4D97-AF65-F5344CB8AC3E}">
-        <p14:creationId xmlns:p14="http://schemas.microsoft.com/office/powerpoint/2010/main" val="3597262477"/>
+        <p14:creationId xmlns:p14="http://schemas.microsoft.com/office/powerpoint/2010/main" xmlns="" val="3597262477"/>
       </p:ext>
     </p:extLst>
   </p:cSld>
@@ -6135,7 +5925,7 @@
     </p:spTree>
     <p:extLst>
       <p:ext uri="{BB962C8B-B14F-4D97-AF65-F5344CB8AC3E}">
-        <p14:creationId xmlns:p14="http://schemas.microsoft.com/office/powerpoint/2010/main" val="4184055895"/>
+        <p14:creationId xmlns:p14="http://schemas.microsoft.com/office/powerpoint/2010/main" xmlns="" val="4184055895"/>
       </p:ext>
     </p:extLst>
   </p:cSld>
@@ -6551,7 +6341,7 @@
     </p:spTree>
     <p:extLst>
       <p:ext uri="{BB962C8B-B14F-4D97-AF65-F5344CB8AC3E}">
-        <p14:creationId xmlns:p14="http://schemas.microsoft.com/office/powerpoint/2010/main" val="3074528042"/>
+        <p14:creationId xmlns:p14="http://schemas.microsoft.com/office/powerpoint/2010/main" xmlns="" val="3074528042"/>
       </p:ext>
     </p:extLst>
   </p:cSld>
@@ -6723,7 +6513,7 @@
     </p:spTree>
     <p:extLst>
       <p:ext uri="{BB962C8B-B14F-4D97-AF65-F5344CB8AC3E}">
-        <p14:creationId xmlns:p14="http://schemas.microsoft.com/office/powerpoint/2010/main" val="493573408"/>
+        <p14:creationId xmlns:p14="http://schemas.microsoft.com/office/powerpoint/2010/main" xmlns="" val="493573408"/>
       </p:ext>
     </p:extLst>
   </p:cSld>
@@ -6837,7 +6627,7 @@
     </p:spTree>
     <p:extLst>
       <p:ext uri="{BB962C8B-B14F-4D97-AF65-F5344CB8AC3E}">
-        <p14:creationId xmlns:p14="http://schemas.microsoft.com/office/powerpoint/2010/main" val="3218785815"/>
+        <p14:creationId xmlns:p14="http://schemas.microsoft.com/office/powerpoint/2010/main" xmlns="" val="3218785815"/>
       </p:ext>
     </p:extLst>
   </p:cSld>
@@ -7133,7 +6923,7 @@
     </p:spTree>
     <p:extLst>
       <p:ext uri="{BB962C8B-B14F-4D97-AF65-F5344CB8AC3E}">
-        <p14:creationId xmlns:p14="http://schemas.microsoft.com/office/powerpoint/2010/main" val="677144757"/>
+        <p14:creationId xmlns:p14="http://schemas.microsoft.com/office/powerpoint/2010/main" xmlns="" val="677144757"/>
       </p:ext>
     </p:extLst>
   </p:cSld>
@@ -7409,7 +7199,7 @@
     </p:spTree>
     <p:extLst>
       <p:ext uri="{BB962C8B-B14F-4D97-AF65-F5344CB8AC3E}">
-        <p14:creationId xmlns:p14="http://schemas.microsoft.com/office/powerpoint/2010/main" val="895954504"/>
+        <p14:creationId xmlns:p14="http://schemas.microsoft.com/office/powerpoint/2010/main" xmlns="" val="895954504"/>
       </p:ext>
     </p:extLst>
   </p:cSld>
@@ -7846,7 +7636,7 @@
           <a:blip r:embed="rId13">
             <a:extLst>
               <a:ext uri="{28A0092B-C50C-407E-A947-70E740481C1C}">
-                <a14:useLocalDpi xmlns:a14="http://schemas.microsoft.com/office/drawing/2010/main" val="0"/>
+                <a14:useLocalDpi xmlns:a14="http://schemas.microsoft.com/office/drawing/2010/main" xmlns="" val="0"/>
               </a:ext>
             </a:extLst>
           </a:blip>
@@ -7972,7 +7762,7 @@
           <a:blip r:embed="rId14" cstate="print">
             <a:extLst>
               <a:ext uri="{28A0092B-C50C-407E-A947-70E740481C1C}">
-                <a14:useLocalDpi xmlns:a14="http://schemas.microsoft.com/office/drawing/2010/main" val="0"/>
+                <a14:useLocalDpi xmlns:a14="http://schemas.microsoft.com/office/drawing/2010/main" xmlns="" val="0"/>
               </a:ext>
             </a:extLst>
           </a:blip>
@@ -8002,7 +7792,7 @@
           <a:blip r:embed="rId15" cstate="print">
             <a:extLst>
               <a:ext uri="{28A0092B-C50C-407E-A947-70E740481C1C}">
-                <a14:useLocalDpi xmlns:a14="http://schemas.microsoft.com/office/drawing/2010/main" val="0"/>
+                <a14:useLocalDpi xmlns:a14="http://schemas.microsoft.com/office/drawing/2010/main" xmlns="" val="0"/>
               </a:ext>
             </a:extLst>
           </a:blip>
@@ -8023,7 +7813,7 @@
     </p:spTree>
     <p:extLst>
       <p:ext uri="{BB962C8B-B14F-4D97-AF65-F5344CB8AC3E}">
-        <p14:creationId xmlns:p14="http://schemas.microsoft.com/office/powerpoint/2010/main" val="3286353079"/>
+        <p14:creationId xmlns:p14="http://schemas.microsoft.com/office/powerpoint/2010/main" xmlns="" val="3286353079"/>
       </p:ext>
     </p:extLst>
   </p:cSld>
@@ -9004,7 +8794,7 @@
     </p:spTree>
     <p:extLst>
       <p:ext uri="{BB962C8B-B14F-4D97-AF65-F5344CB8AC3E}">
-        <p14:creationId xmlns:p14="http://schemas.microsoft.com/office/powerpoint/2010/main" val="2134968034"/>
+        <p14:creationId xmlns:p14="http://schemas.microsoft.com/office/powerpoint/2010/main" xmlns="" val="2134968034"/>
       </p:ext>
     </p:extLst>
   </p:cSld>
@@ -9068,12 +8858,22 @@
               <a:buChar char="v"/>
             </a:pPr>
             <a:r>
-              <a:rPr lang="en-US" dirty="0" err="1" smtClean="0"/>
-              <a:t>Sau</a:t>
-            </a:r>
-            <a:r>
               <a:rPr lang="en-US" dirty="0" smtClean="0"/>
-              <a:t> khi qua 7 phần xin mời các bạn đến với clip của nhóm :</a:t>
+              <a:t>Phần quan trọng nhất</a:t>
+            </a:r>
+          </a:p>
+          <a:p>
+            <a:pPr>
+              <a:buFont typeface="Wingdings" pitchFamily="2" charset="2"/>
+              <a:buChar char="v"/>
+            </a:pPr>
+            <a:r>
+              <a:rPr lang="en-US" dirty="0" smtClean="0"/>
+              <a:t>Sau khi qua 7 phần xin mời các bạn đến với clip của nhóm </a:t>
+            </a:r>
+            <a:r>
+              <a:rPr lang="en-US" dirty="0" smtClean="0"/>
+              <a:t>:</a:t>
             </a:r>
           </a:p>
           <a:p>
@@ -9200,7 +9000,7 @@
     </p:spTree>
     <p:extLst>
       <p:ext uri="{BB962C8B-B14F-4D97-AF65-F5344CB8AC3E}">
-        <p14:creationId xmlns:p14="http://schemas.microsoft.com/office/powerpoint/2010/main" val="3417245275"/>
+        <p14:creationId xmlns:p14="http://schemas.microsoft.com/office/powerpoint/2010/main" xmlns="" val="3417245275"/>
       </p:ext>
     </p:extLst>
   </p:cSld>
@@ -9363,7 +9163,7 @@
     </p:spTree>
     <p:extLst>
       <p:ext uri="{BB962C8B-B14F-4D97-AF65-F5344CB8AC3E}">
-        <p14:creationId xmlns:p14="http://schemas.microsoft.com/office/powerpoint/2010/main" val="395878056"/>
+        <p14:creationId xmlns:p14="http://schemas.microsoft.com/office/powerpoint/2010/main" xmlns="" val="395878056"/>
       </p:ext>
     </p:extLst>
   </p:cSld>
@@ -9428,31 +9228,7 @@
             </a:pPr>
             <a:r>
               <a:rPr lang="en-US" dirty="0" smtClean="0"/>
-              <a:t>Lê </a:t>
-            </a:r>
-            <a:r>
-              <a:rPr lang="en-US" dirty="0" err="1" smtClean="0"/>
-              <a:t>Thành</a:t>
-            </a:r>
-            <a:r>
-              <a:rPr lang="en-US" dirty="0" smtClean="0"/>
-              <a:t> </a:t>
-            </a:r>
-            <a:r>
-              <a:rPr lang="en-US" dirty="0" err="1" smtClean="0"/>
-              <a:t>Trung</a:t>
-            </a:r>
-            <a:r>
-              <a:rPr lang="en-US" dirty="0" smtClean="0"/>
-              <a:t> (Nhóm </a:t>
-            </a:r>
-            <a:r>
-              <a:rPr lang="en-US" dirty="0" err="1" smtClean="0"/>
-              <a:t>Trưởng</a:t>
-            </a:r>
-            <a:r>
-              <a:rPr lang="en-US" dirty="0" smtClean="0"/>
-              <a:t>).</a:t>
+              <a:t>Lê Thành Trung(Nhóm Trưởng)</a:t>
             </a:r>
           </a:p>
           <a:p>
@@ -9465,35 +9241,20 @@
                 <a:latin typeface="Arial" pitchFamily="34" charset="0"/>
                 <a:cs typeface="Arial" pitchFamily="34" charset="0"/>
               </a:rPr>
-              <a:t>Lê </a:t>
-            </a:r>
-            <a:r>
-              <a:rPr lang="en-US" dirty="0" err="1" smtClean="0">
-                <a:latin typeface="Arial" pitchFamily="34" charset="0"/>
-                <a:cs typeface="Arial" pitchFamily="34" charset="0"/>
-              </a:rPr>
-              <a:t>Văn</a:t>
-            </a:r>
+              <a:t>Lê Văn Huy</a:t>
+            </a:r>
+          </a:p>
+          <a:p>
+            <a:pPr marL="514350" lvl="0" indent="-514350">
+              <a:buFont typeface="+mj-lt"/>
+              <a:buAutoNum type="arabicPeriod"/>
+            </a:pPr>
             <a:r>
               <a:rPr lang="en-US" dirty="0" smtClean="0">
                 <a:latin typeface="Arial" pitchFamily="34" charset="0"/>
                 <a:cs typeface="Arial" pitchFamily="34" charset="0"/>
               </a:rPr>
-              <a:t> </a:t>
-            </a:r>
-            <a:r>
-              <a:rPr lang="en-US" dirty="0" err="1" smtClean="0">
-                <a:latin typeface="Arial" pitchFamily="34" charset="0"/>
-                <a:cs typeface="Arial" pitchFamily="34" charset="0"/>
-              </a:rPr>
-              <a:t>Huy</a:t>
-            </a:r>
-            <a:r>
-              <a:rPr lang="en-US" dirty="0" smtClean="0">
-                <a:latin typeface="Arial" pitchFamily="34" charset="0"/>
-                <a:cs typeface="Arial" pitchFamily="34" charset="0"/>
-              </a:rPr>
-              <a:t>.</a:t>
+              <a:t>Phùng Viết Huy</a:t>
             </a:r>
           </a:p>
           <a:p>
@@ -9502,39 +9263,8 @@
               <a:buAutoNum type="arabicPeriod"/>
             </a:pPr>
             <a:r>
-              <a:rPr lang="en-US" dirty="0" smtClean="0">
-                <a:latin typeface="Arial" pitchFamily="34" charset="0"/>
-                <a:cs typeface="Arial" pitchFamily="34" charset="0"/>
-              </a:rPr>
-              <a:t>Phùng </a:t>
-            </a:r>
-            <a:r>
-              <a:rPr lang="en-US" dirty="0" err="1" smtClean="0">
-                <a:latin typeface="Arial" pitchFamily="34" charset="0"/>
-                <a:cs typeface="Arial" pitchFamily="34" charset="0"/>
-              </a:rPr>
-              <a:t>Viết</a:t>
-            </a:r>
-            <a:r>
-              <a:rPr lang="en-US" dirty="0" smtClean="0">
-                <a:latin typeface="Arial" pitchFamily="34" charset="0"/>
-                <a:cs typeface="Arial" pitchFamily="34" charset="0"/>
-              </a:rPr>
-              <a:t> </a:t>
-            </a:r>
-            <a:r>
-              <a:rPr lang="en-US" dirty="0" err="1" smtClean="0">
-                <a:latin typeface="Arial" pitchFamily="34" charset="0"/>
-                <a:cs typeface="Arial" pitchFamily="34" charset="0"/>
-              </a:rPr>
-              <a:t>Huy</a:t>
-            </a:r>
-            <a:r>
-              <a:rPr lang="en-US" dirty="0" smtClean="0">
-                <a:latin typeface="Arial" pitchFamily="34" charset="0"/>
-                <a:cs typeface="Arial" pitchFamily="34" charset="0"/>
-              </a:rPr>
-              <a:t>.</a:t>
+              <a:rPr lang="en-US" dirty="0" smtClean="0"/>
+              <a:t>Quách Văn Thiên An	</a:t>
             </a:r>
           </a:p>
           <a:p>
@@ -9544,37 +9274,7 @@
             </a:pPr>
             <a:r>
               <a:rPr lang="en-US" dirty="0" smtClean="0"/>
-              <a:t>Quách Văn </a:t>
-            </a:r>
-            <a:r>
-              <a:rPr lang="en-US" dirty="0" err="1" smtClean="0"/>
-              <a:t>Thiên</a:t>
-            </a:r>
-            <a:r>
-              <a:rPr lang="en-US" dirty="0" smtClean="0"/>
-              <a:t> An.	</a:t>
-            </a:r>
-          </a:p>
-          <a:p>
-            <a:pPr marL="514350" lvl="0" indent="-514350">
-              <a:buFont typeface="+mj-lt"/>
-              <a:buAutoNum type="arabicPeriod"/>
-            </a:pPr>
-            <a:r>
-              <a:rPr lang="en-US" dirty="0" err="1" smtClean="0"/>
-              <a:t>Nguyễn</a:t>
-            </a:r>
-            <a:r>
-              <a:rPr lang="en-US" dirty="0" smtClean="0"/>
-              <a:t> </a:t>
-            </a:r>
-            <a:r>
-              <a:rPr lang="en-US" dirty="0" err="1" smtClean="0"/>
-              <a:t>Lộc</a:t>
-            </a:r>
-            <a:r>
-              <a:rPr lang="en-US" dirty="0" smtClean="0"/>
-              <a:t>.</a:t>
+              <a:t>Nguyễn Lộc</a:t>
             </a:r>
             <a:endParaRPr lang="en-US" dirty="0" smtClean="0">
               <a:latin typeface="Arial" pitchFamily="34" charset="0"/>
@@ -9740,7 +9440,7 @@
             <p:ph idx="1"/>
             <p:extLst>
               <p:ext uri="{D42A27DB-BD31-4B8C-83A1-F6EECF244321}">
-                <p14:modId xmlns:p14="http://schemas.microsoft.com/office/powerpoint/2010/main" val="1800465449"/>
+                <p14:modId xmlns:p14="http://schemas.microsoft.com/office/powerpoint/2010/main" xmlns="" val="1694855842"/>
               </p:ext>
             </p:extLst>
           </p:nvPr>
@@ -9915,15 +9615,7 @@
             </a:pPr>
             <a:r>
               <a:rPr lang="en-US" dirty="0" smtClean="0"/>
-              <a:t>Đồ án “Ước mơ” được thực hiện với </a:t>
-            </a:r>
-            <a:r>
-              <a:rPr lang="en-US" dirty="0" err="1" smtClean="0"/>
-              <a:t>nhóm</a:t>
-            </a:r>
-            <a:r>
-              <a:rPr lang="en-US" dirty="0" smtClean="0"/>
-              <a:t> 7.</a:t>
+              <a:t>Đồ án “Ước mơ” được thực hiện với nhóm 7</a:t>
             </a:r>
           </a:p>
           <a:p>
@@ -9936,164 +9628,14 @@
                 <a:latin typeface="Arial" pitchFamily="34" charset="0"/>
                 <a:cs typeface="Arial" pitchFamily="34" charset="0"/>
               </a:rPr>
-              <a:t>Nói về ước mơ của </a:t>
-            </a:r>
-            <a:r>
-              <a:rPr lang="en-US" dirty="0" err="1" smtClean="0">
-                <a:latin typeface="Arial" pitchFamily="34" charset="0"/>
-                <a:cs typeface="Arial" pitchFamily="34" charset="0"/>
-              </a:rPr>
-              <a:t>bạn</a:t>
+              <a:t>Nói </a:t>
             </a:r>
             <a:r>
               <a:rPr lang="en-US" dirty="0" smtClean="0">
                 <a:latin typeface="Arial" pitchFamily="34" charset="0"/>
                 <a:cs typeface="Arial" pitchFamily="34" charset="0"/>
               </a:rPr>
-              <a:t> </a:t>
-            </a:r>
-            <a:r>
-              <a:rPr lang="en-US" dirty="0" err="1" smtClean="0">
-                <a:latin typeface="Arial" pitchFamily="34" charset="0"/>
-                <a:cs typeface="Arial" pitchFamily="34" charset="0"/>
-              </a:rPr>
-              <a:t>Lộc</a:t>
-            </a:r>
-            <a:r>
-              <a:rPr lang="en-US" dirty="0" smtClean="0"/>
-              <a:t>.</a:t>
-            </a:r>
-            <a:r>
-              <a:rPr lang="en-US" dirty="0"/>
-              <a:t> </a:t>
-            </a:r>
-            <a:r>
-              <a:rPr lang="en-US" dirty="0" err="1" smtClean="0"/>
-              <a:t>Từ</a:t>
-            </a:r>
-            <a:r>
-              <a:rPr lang="en-US" dirty="0" smtClean="0"/>
-              <a:t> </a:t>
-            </a:r>
-            <a:r>
-              <a:rPr lang="en-US" dirty="0" err="1" smtClean="0"/>
-              <a:t>những</a:t>
-            </a:r>
-            <a:r>
-              <a:rPr lang="en-US" dirty="0" smtClean="0"/>
-              <a:t> </a:t>
-            </a:r>
-            <a:r>
-              <a:rPr lang="en-US" dirty="0" err="1" smtClean="0"/>
-              <a:t>ước</a:t>
-            </a:r>
-            <a:r>
-              <a:rPr lang="en-US" dirty="0" smtClean="0"/>
-              <a:t> </a:t>
-            </a:r>
-            <a:r>
-              <a:rPr lang="en-US" dirty="0" err="1" smtClean="0"/>
-              <a:t>mơ</a:t>
-            </a:r>
-            <a:r>
-              <a:rPr lang="en-US" dirty="0" smtClean="0"/>
-              <a:t> </a:t>
-            </a:r>
-            <a:r>
-              <a:rPr lang="en-US" dirty="0" err="1" smtClean="0"/>
-              <a:t>từ</a:t>
-            </a:r>
-            <a:r>
-              <a:rPr lang="en-US" dirty="0" smtClean="0"/>
-              <a:t> </a:t>
-            </a:r>
-            <a:r>
-              <a:rPr lang="en-US" dirty="0" err="1" smtClean="0"/>
-              <a:t>khi</a:t>
-            </a:r>
-            <a:r>
-              <a:rPr lang="en-US" dirty="0" smtClean="0"/>
-              <a:t> </a:t>
-            </a:r>
-            <a:r>
-              <a:rPr lang="en-US" dirty="0" err="1" smtClean="0"/>
-              <a:t>còn</a:t>
-            </a:r>
-            <a:r>
-              <a:rPr lang="en-US" dirty="0"/>
-              <a:t> </a:t>
-            </a:r>
-            <a:r>
-              <a:rPr lang="en-US" dirty="0" err="1" smtClean="0"/>
-              <a:t>nhỏ</a:t>
-            </a:r>
-            <a:r>
-              <a:rPr lang="en-US" dirty="0" smtClean="0"/>
-              <a:t> </a:t>
-            </a:r>
-            <a:r>
-              <a:rPr lang="en-US" dirty="0" err="1" smtClean="0"/>
-              <a:t>và</a:t>
-            </a:r>
-            <a:r>
-              <a:rPr lang="en-US" dirty="0" smtClean="0"/>
-              <a:t> </a:t>
-            </a:r>
-            <a:r>
-              <a:rPr lang="en-US" dirty="0" err="1" smtClean="0"/>
-              <a:t>dần</a:t>
-            </a:r>
-            <a:r>
-              <a:rPr lang="en-US" dirty="0" smtClean="0"/>
-              <a:t> </a:t>
-            </a:r>
-            <a:r>
-              <a:rPr lang="en-US" dirty="0" err="1" smtClean="0"/>
-              <a:t>dần</a:t>
-            </a:r>
-            <a:r>
-              <a:rPr lang="en-US" dirty="0" smtClean="0"/>
-              <a:t> </a:t>
-            </a:r>
-            <a:r>
-              <a:rPr lang="en-US" dirty="0" err="1" smtClean="0"/>
-              <a:t>thay</a:t>
-            </a:r>
-            <a:r>
-              <a:rPr lang="en-US" dirty="0" smtClean="0"/>
-              <a:t> </a:t>
-            </a:r>
-            <a:r>
-              <a:rPr lang="en-US" dirty="0" err="1" smtClean="0"/>
-              <a:t>đổi</a:t>
-            </a:r>
-            <a:r>
-              <a:rPr lang="en-US" dirty="0" smtClean="0"/>
-              <a:t> </a:t>
-            </a:r>
-            <a:r>
-              <a:rPr lang="en-US" dirty="0" err="1" smtClean="0"/>
-              <a:t>theo</a:t>
-            </a:r>
-            <a:r>
-              <a:rPr lang="en-US" dirty="0" smtClean="0"/>
-              <a:t> </a:t>
-            </a:r>
-            <a:r>
-              <a:rPr lang="en-US" dirty="0" err="1" smtClean="0"/>
-              <a:t>thời</a:t>
-            </a:r>
-            <a:r>
-              <a:rPr lang="en-US" dirty="0" smtClean="0"/>
-              <a:t> </a:t>
-            </a:r>
-            <a:r>
-              <a:rPr lang="en-US" dirty="0" err="1" smtClean="0"/>
-              <a:t>gian</a:t>
-            </a:r>
-            <a:r>
-              <a:rPr lang="en-US" dirty="0" smtClean="0"/>
-              <a:t>.</a:t>
+              <a:t>về ước mơ của bạn Lộc trong nhóm bọn mình. </a:t>
             </a:r>
           </a:p>
           <a:p>
@@ -10102,140 +9644,8 @@
               <a:buChar char=""/>
             </a:pPr>
             <a:r>
-              <a:rPr lang="en-US" dirty="0" err="1" smtClean="0"/>
-              <a:t>Đến</a:t>
-            </a:r>
-            <a:r>
               <a:rPr lang="en-US" dirty="0" smtClean="0"/>
-              <a:t> </a:t>
-            </a:r>
-            <a:r>
-              <a:rPr lang="en-US" dirty="0" err="1" smtClean="0"/>
-              <a:t>khi</a:t>
-            </a:r>
-            <a:r>
-              <a:rPr lang="en-US" dirty="0" smtClean="0"/>
-              <a:t> </a:t>
-            </a:r>
-            <a:r>
-              <a:rPr lang="en-US" dirty="0" err="1" smtClean="0"/>
-              <a:t>trưởng</a:t>
-            </a:r>
-            <a:r>
-              <a:rPr lang="en-US" dirty="0" smtClean="0"/>
-              <a:t> </a:t>
-            </a:r>
-            <a:r>
-              <a:rPr lang="en-US" dirty="0" err="1" smtClean="0"/>
-              <a:t>thành</a:t>
-            </a:r>
-            <a:r>
-              <a:rPr lang="en-US" dirty="0" smtClean="0"/>
-              <a:t> </a:t>
-            </a:r>
-            <a:r>
-              <a:rPr lang="en-US" dirty="0" err="1" smtClean="0"/>
-              <a:t>hơn</a:t>
-            </a:r>
-            <a:r>
-              <a:rPr lang="en-US" dirty="0" smtClean="0"/>
-              <a:t>, </a:t>
-            </a:r>
-            <a:r>
-              <a:rPr lang="en-US" dirty="0" err="1" smtClean="0"/>
-              <a:t>Lộc</a:t>
-            </a:r>
-            <a:r>
-              <a:rPr lang="en-US" dirty="0" smtClean="0"/>
-              <a:t> </a:t>
-            </a:r>
-            <a:r>
-              <a:rPr lang="en-US" dirty="0" err="1" smtClean="0"/>
-              <a:t>đã</a:t>
-            </a:r>
-            <a:r>
-              <a:rPr lang="en-US" dirty="0" smtClean="0"/>
-              <a:t> </a:t>
-            </a:r>
-            <a:r>
-              <a:rPr lang="en-US" dirty="0" err="1" smtClean="0"/>
-              <a:t>có</a:t>
-            </a:r>
-            <a:r>
-              <a:rPr lang="en-US" dirty="0" smtClean="0"/>
-              <a:t> </a:t>
-            </a:r>
-            <a:r>
-              <a:rPr lang="en-US" dirty="0" err="1" smtClean="0"/>
-              <a:t>những</a:t>
-            </a:r>
-            <a:r>
-              <a:rPr lang="en-US" dirty="0" smtClean="0"/>
-              <a:t> </a:t>
-            </a:r>
-            <a:r>
-              <a:rPr lang="en-US" dirty="0" err="1" smtClean="0"/>
-              <a:t>ước</a:t>
-            </a:r>
-            <a:r>
-              <a:rPr lang="en-US" dirty="0" smtClean="0"/>
-              <a:t> </a:t>
-            </a:r>
-            <a:r>
-              <a:rPr lang="en-US" dirty="0" err="1" smtClean="0"/>
-              <a:t>mơ</a:t>
-            </a:r>
-            <a:r>
-              <a:rPr lang="en-US" dirty="0" smtClean="0"/>
-              <a:t> </a:t>
-            </a:r>
-            <a:r>
-              <a:rPr lang="en-US" dirty="0" err="1" smtClean="0"/>
-              <a:t>vững</a:t>
-            </a:r>
-            <a:r>
-              <a:rPr lang="en-US" dirty="0" smtClean="0"/>
-              <a:t> </a:t>
-            </a:r>
-            <a:r>
-              <a:rPr lang="en-US" dirty="0" err="1" smtClean="0"/>
-              <a:t>vàng</a:t>
-            </a:r>
-            <a:r>
-              <a:rPr lang="en-US" dirty="0"/>
-              <a:t> </a:t>
-            </a:r>
-            <a:r>
-              <a:rPr lang="en-US" dirty="0" err="1" smtClean="0"/>
-              <a:t>và</a:t>
-            </a:r>
-            <a:r>
-              <a:rPr lang="en-US" dirty="0" smtClean="0"/>
-              <a:t> </a:t>
-            </a:r>
-            <a:r>
-              <a:rPr lang="en-US" dirty="0" err="1" smtClean="0"/>
-              <a:t>thiết</a:t>
-            </a:r>
-            <a:r>
-              <a:rPr lang="en-US" dirty="0" smtClean="0"/>
-              <a:t> </a:t>
-            </a:r>
-            <a:r>
-              <a:rPr lang="en-US" dirty="0" err="1" smtClean="0"/>
-              <a:t>thực</a:t>
-            </a:r>
-            <a:r>
-              <a:rPr lang="en-US" dirty="0" smtClean="0"/>
-              <a:t> </a:t>
-            </a:r>
-            <a:r>
-              <a:rPr lang="en-US" dirty="0" err="1" smtClean="0"/>
-              <a:t>hơn</a:t>
-            </a:r>
-            <a:r>
-              <a:rPr lang="en-US" dirty="0" smtClean="0"/>
-              <a:t>.</a:t>
+              <a:t>Câu chuyện đi từ khi bạn lộc còn bé có những ước mơ như bao đứa trẻ khác và lớn lên định hướng được ước mơ của mình.</a:t>
             </a:r>
           </a:p>
           <a:p>
@@ -10244,85 +9654,13 @@
               <a:buChar char=""/>
             </a:pPr>
             <a:r>
-              <a:rPr lang="en-US" dirty="0" err="1" smtClean="0"/>
-              <a:t>Và</a:t>
-            </a:r>
-            <a:r>
               <a:rPr lang="en-US" dirty="0" smtClean="0"/>
-              <a:t> </a:t>
-            </a:r>
-            <a:r>
-              <a:rPr lang="en-US" dirty="0" err="1" smtClean="0"/>
-              <a:t>những</a:t>
-            </a:r>
-            <a:r>
-              <a:rPr lang="en-US" dirty="0" smtClean="0"/>
-              <a:t> </a:t>
-            </a:r>
-            <a:r>
-              <a:rPr lang="en-US" dirty="0" err="1" smtClean="0"/>
-              <a:t>điều</a:t>
-            </a:r>
-            <a:r>
-              <a:rPr lang="en-US" dirty="0" smtClean="0"/>
-              <a:t> </a:t>
-            </a:r>
-            <a:r>
-              <a:rPr lang="en-US" dirty="0" err="1" smtClean="0"/>
-              <a:t>mà</a:t>
-            </a:r>
-            <a:r>
-              <a:rPr lang="en-US" dirty="0" smtClean="0"/>
-              <a:t> </a:t>
-            </a:r>
-            <a:r>
-              <a:rPr lang="en-US" dirty="0" err="1" smtClean="0"/>
-              <a:t>Lộc</a:t>
-            </a:r>
-            <a:r>
-              <a:rPr lang="en-US" dirty="0" smtClean="0"/>
-              <a:t> </a:t>
-            </a:r>
-            <a:r>
-              <a:rPr lang="en-US" dirty="0" err="1" smtClean="0"/>
-              <a:t>cần</a:t>
-            </a:r>
-            <a:r>
-              <a:rPr lang="en-US" dirty="0" smtClean="0"/>
-              <a:t> </a:t>
-            </a:r>
-            <a:r>
-              <a:rPr lang="en-US" dirty="0" err="1" smtClean="0"/>
-              <a:t>phải</a:t>
-            </a:r>
-            <a:r>
-              <a:rPr lang="en-US" dirty="0" smtClean="0"/>
-              <a:t> </a:t>
-            </a:r>
-            <a:r>
-              <a:rPr lang="en-US" dirty="0" err="1" smtClean="0"/>
-              <a:t>học</a:t>
-            </a:r>
-            <a:r>
-              <a:rPr lang="en-US" dirty="0" smtClean="0"/>
-              <a:t> </a:t>
-            </a:r>
-            <a:r>
-              <a:rPr lang="en-US" dirty="0" err="1" smtClean="0"/>
-              <a:t>và</a:t>
-            </a:r>
-            <a:r>
-              <a:rPr lang="en-US" dirty="0" smtClean="0"/>
-              <a:t> </a:t>
-            </a:r>
-            <a:r>
-              <a:rPr lang="en-US" dirty="0" err="1" smtClean="0"/>
-              <a:t>làm</a:t>
-            </a:r>
-            <a:r>
-              <a:rPr lang="en-US" dirty="0" smtClean="0"/>
-              <a:t>.</a:t>
-            </a:r>
+              <a:t>Và câu chuyện được nói rõ hơn trong phần clip.</a:t>
+            </a:r>
+            <a:endParaRPr lang="en-US" dirty="0" smtClean="0">
+              <a:latin typeface="Arial" pitchFamily="34" charset="0"/>
+              <a:cs typeface="Arial" pitchFamily="34" charset="0"/>
+            </a:endParaRPr>
           </a:p>
         </p:txBody>
       </p:sp>
@@ -10721,47 +10059,7 @@
             </a:pPr>
             <a:r>
               <a:rPr lang="en-US" dirty="0" smtClean="0"/>
-              <a:t>Mọi người đều nhận công việc của mình một </a:t>
-            </a:r>
-            <a:r>
-              <a:rPr lang="en-US" dirty="0" err="1" smtClean="0"/>
-              <a:t>cách</a:t>
-            </a:r>
-            <a:r>
-              <a:rPr lang="en-US" dirty="0" smtClean="0"/>
-              <a:t> </a:t>
-            </a:r>
-            <a:r>
-              <a:rPr lang="en-US" dirty="0" err="1" smtClean="0"/>
-              <a:t>cụ</a:t>
-            </a:r>
-            <a:r>
-              <a:rPr lang="en-US" dirty="0" smtClean="0"/>
-              <a:t> </a:t>
-            </a:r>
-            <a:r>
-              <a:rPr lang="en-US" dirty="0" err="1" smtClean="0"/>
-              <a:t>thể</a:t>
-            </a:r>
-            <a:r>
-              <a:rPr lang="en-US" dirty="0" smtClean="0"/>
-              <a:t> </a:t>
-            </a:r>
-            <a:r>
-              <a:rPr lang="en-US" dirty="0" err="1" smtClean="0"/>
-              <a:t>và</a:t>
-            </a:r>
-            <a:r>
-              <a:rPr lang="en-US" dirty="0" smtClean="0"/>
-              <a:t> chi </a:t>
-            </a:r>
-            <a:r>
-              <a:rPr lang="en-US" dirty="0" err="1" smtClean="0"/>
-              <a:t>tiết</a:t>
-            </a:r>
-            <a:r>
-              <a:rPr lang="en-US" dirty="0" smtClean="0"/>
-              <a:t>.</a:t>
+              <a:t>Mọi người đều nhận công việc của mình một cách thoải mái </a:t>
             </a:r>
           </a:p>
           <a:p>
@@ -10770,124 +10068,8 @@
               <a:buChar char="v"/>
             </a:pPr>
             <a:r>
-              <a:rPr lang="en-US" dirty="0" err="1" smtClean="0"/>
-              <a:t>Và</a:t>
-            </a:r>
-            <a:r>
-              <a:rPr lang="en-US" dirty="0"/>
-              <a:t> </a:t>
-            </a:r>
-            <a:r>
-              <a:rPr lang="en-US" dirty="0" err="1" smtClean="0"/>
-              <a:t>các</a:t>
-            </a:r>
-            <a:r>
               <a:rPr lang="en-US" dirty="0" smtClean="0"/>
-              <a:t> </a:t>
-            </a:r>
-            <a:r>
-              <a:rPr lang="en-US" dirty="0" err="1" smtClean="0"/>
-              <a:t>thành</a:t>
-            </a:r>
-            <a:r>
-              <a:rPr lang="en-US" dirty="0" smtClean="0"/>
-              <a:t> </a:t>
-            </a:r>
-            <a:r>
-              <a:rPr lang="en-US" dirty="0" err="1" smtClean="0"/>
-              <a:t>viên</a:t>
-            </a:r>
-            <a:r>
-              <a:rPr lang="en-US" dirty="0" smtClean="0"/>
-              <a:t> </a:t>
-            </a:r>
-            <a:r>
-              <a:rPr lang="en-US" dirty="0" err="1" smtClean="0"/>
-              <a:t>trong</a:t>
-            </a:r>
-            <a:r>
-              <a:rPr lang="en-US" dirty="0" smtClean="0"/>
-              <a:t> </a:t>
-            </a:r>
-            <a:r>
-              <a:rPr lang="en-US" dirty="0" err="1" smtClean="0"/>
-              <a:t>nhóm</a:t>
-            </a:r>
-            <a:r>
-              <a:rPr lang="en-US" dirty="0" smtClean="0"/>
-              <a:t> </a:t>
-            </a:r>
-            <a:r>
-              <a:rPr lang="en-US" dirty="0" err="1" smtClean="0"/>
-              <a:t>được</a:t>
-            </a:r>
-            <a:r>
-              <a:rPr lang="en-US" dirty="0" smtClean="0"/>
-              <a:t> </a:t>
-            </a:r>
-            <a:r>
-              <a:rPr lang="en-US" dirty="0" err="1" smtClean="0"/>
-              <a:t>quy</a:t>
-            </a:r>
-            <a:r>
-              <a:rPr lang="en-US" dirty="0" smtClean="0"/>
-              <a:t> </a:t>
-            </a:r>
-            <a:r>
-              <a:rPr lang="en-US" dirty="0" err="1" smtClean="0"/>
-              <a:t>định</a:t>
-            </a:r>
-            <a:r>
-              <a:rPr lang="en-US" dirty="0" smtClean="0"/>
-              <a:t> </a:t>
-            </a:r>
-            <a:r>
-              <a:rPr lang="en-US" dirty="0" err="1" smtClean="0"/>
-              <a:t>thời</a:t>
-            </a:r>
-            <a:r>
-              <a:rPr lang="en-US" dirty="0" smtClean="0"/>
-              <a:t> </a:t>
-            </a:r>
-            <a:r>
-              <a:rPr lang="en-US" dirty="0" err="1" smtClean="0"/>
-              <a:t>gian</a:t>
-            </a:r>
-            <a:r>
-              <a:rPr lang="en-US" dirty="0" smtClean="0"/>
-              <a:t> </a:t>
-            </a:r>
-            <a:r>
-              <a:rPr lang="en-US" dirty="0" err="1" smtClean="0"/>
-              <a:t>nộp</a:t>
-            </a:r>
-            <a:r>
-              <a:rPr lang="en-US" dirty="0" smtClean="0"/>
-              <a:t> </a:t>
-            </a:r>
-            <a:r>
-              <a:rPr lang="en-US" dirty="0" err="1" smtClean="0"/>
-              <a:t>bài</a:t>
-            </a:r>
-            <a:r>
-              <a:rPr lang="en-US" dirty="0" smtClean="0"/>
-              <a:t> </a:t>
-            </a:r>
-            <a:r>
-              <a:rPr lang="en-US" dirty="0" err="1" smtClean="0"/>
-              <a:t>rõ</a:t>
-            </a:r>
-            <a:r>
-              <a:rPr lang="en-US" dirty="0" smtClean="0"/>
-              <a:t> </a:t>
-            </a:r>
-            <a:r>
-              <a:rPr lang="en-US" dirty="0" err="1" smtClean="0"/>
-              <a:t>ràng</a:t>
-            </a:r>
-            <a:r>
-              <a:rPr lang="en-US" dirty="0" smtClean="0"/>
-              <a:t>. </a:t>
+              <a:t>Chi tiết công việc cho từng bạn là được liệt kê trong file world</a:t>
             </a:r>
           </a:p>
         </p:txBody>
@@ -10999,7 +10181,7 @@
     </p:spTree>
     <p:extLst>
       <p:ext uri="{BB962C8B-B14F-4D97-AF65-F5344CB8AC3E}">
-        <p14:creationId xmlns:p14="http://schemas.microsoft.com/office/powerpoint/2010/main" val="2136782892"/>
+        <p14:creationId xmlns:p14="http://schemas.microsoft.com/office/powerpoint/2010/main" xmlns="" val="2136782892"/>
       </p:ext>
     </p:extLst>
   </p:cSld>
@@ -11060,36 +10242,32 @@
                 <a:latin typeface="Arial" pitchFamily="34" charset="0"/>
                 <a:cs typeface="Arial" pitchFamily="34" charset="0"/>
               </a:rPr>
-              <a:t>Mọi người cùng nhau thảo luận và cùng thống nhất </a:t>
-            </a:r>
-            <a:r>
-              <a:rPr lang="en-US" dirty="0" err="1" smtClean="0">
-                <a:latin typeface="Arial" pitchFamily="34" charset="0"/>
-                <a:cs typeface="Arial" pitchFamily="34" charset="0"/>
-              </a:rPr>
-              <a:t>kế</a:t>
+              <a:t>Mọi người cùng nhau thảo luận và cùng thống nhất kế </a:t>
             </a:r>
             <a:r>
               <a:rPr lang="en-US" dirty="0" smtClean="0">
                 <a:latin typeface="Arial" pitchFamily="34" charset="0"/>
                 <a:cs typeface="Arial" pitchFamily="34" charset="0"/>
               </a:rPr>
-              <a:t> </a:t>
-            </a:r>
-            <a:r>
-              <a:rPr lang="en-US" dirty="0" err="1" smtClean="0">
-                <a:latin typeface="Arial" pitchFamily="34" charset="0"/>
-                <a:cs typeface="Arial" pitchFamily="34" charset="0"/>
-              </a:rPr>
               <a:t>hoạch</a:t>
             </a:r>
+          </a:p>
+          <a:p>
+            <a:pPr marL="539750" indent="-457200">
+              <a:buFont typeface="Wingdings" pitchFamily="2" charset="2"/>
+              <a:buChar char="v"/>
+            </a:pPr>
             <a:r>
               <a:rPr lang="en-US" dirty="0" smtClean="0">
                 <a:latin typeface="Arial" pitchFamily="34" charset="0"/>
                 <a:cs typeface="Arial" pitchFamily="34" charset="0"/>
               </a:rPr>
-              <a:t>.</a:t>
-            </a:r>
+              <a:t>Kế hoạch được lên chi tiết và có thời hạn</a:t>
+            </a:r>
+            <a:endParaRPr lang="en-US" dirty="0" smtClean="0">
+              <a:latin typeface="Arial" pitchFamily="34" charset="0"/>
+              <a:cs typeface="Arial" pitchFamily="34" charset="0"/>
+            </a:endParaRPr>
           </a:p>
           <a:p>
             <a:pPr marL="539750" indent="-457200">
@@ -11097,40 +10275,13 @@
               <a:buChar char="v"/>
             </a:pPr>
             <a:r>
-              <a:rPr lang="en-US" dirty="0" smtClean="0">
-                <a:latin typeface="Arial" pitchFamily="34" charset="0"/>
-                <a:cs typeface="Arial" pitchFamily="34" charset="0"/>
-              </a:rPr>
-              <a:t>Kế hoạch được lên chi tiết và có </a:t>
-            </a:r>
-            <a:r>
-              <a:rPr lang="en-US" dirty="0" err="1" smtClean="0">
-                <a:latin typeface="Arial" pitchFamily="34" charset="0"/>
-                <a:cs typeface="Arial" pitchFamily="34" charset="0"/>
-              </a:rPr>
-              <a:t>thời</a:t>
-            </a:r>
-            <a:r>
-              <a:rPr lang="en-US" dirty="0" smtClean="0">
-                <a:latin typeface="Arial" pitchFamily="34" charset="0"/>
-                <a:cs typeface="Arial" pitchFamily="34" charset="0"/>
-              </a:rPr>
-              <a:t> </a:t>
-            </a:r>
-            <a:r>
-              <a:rPr lang="en-US" dirty="0" err="1" smtClean="0">
-                <a:latin typeface="Arial" pitchFamily="34" charset="0"/>
-                <a:cs typeface="Arial" pitchFamily="34" charset="0"/>
-              </a:rPr>
-              <a:t>hạn</a:t>
-            </a:r>
-            <a:r>
-              <a:rPr lang="en-US" dirty="0" smtClean="0">
-                <a:latin typeface="Arial" pitchFamily="34" charset="0"/>
-                <a:cs typeface="Arial" pitchFamily="34" charset="0"/>
-              </a:rPr>
-              <a:t>.</a:t>
-            </a:r>
+              <a:rPr lang="en-US" dirty="0" smtClean="0"/>
+              <a:t>Kế hoạch chi tiết có trong world</a:t>
+            </a:r>
+            <a:endParaRPr lang="en-US" dirty="0" smtClean="0">
+              <a:latin typeface="Arial" pitchFamily="34" charset="0"/>
+              <a:cs typeface="Arial" pitchFamily="34" charset="0"/>
+            </a:endParaRPr>
           </a:p>
         </p:txBody>
       </p:sp>
@@ -11241,7 +10392,7 @@
     </p:spTree>
     <p:extLst>
       <p:ext uri="{BB962C8B-B14F-4D97-AF65-F5344CB8AC3E}">
-        <p14:creationId xmlns:p14="http://schemas.microsoft.com/office/powerpoint/2010/main" val="792502242"/>
+        <p14:creationId xmlns:p14="http://schemas.microsoft.com/office/powerpoint/2010/main" xmlns="" val="792502242"/>
       </p:ext>
     </p:extLst>
   </p:cSld>
@@ -11299,23 +10450,7 @@
             </a:pPr>
             <a:r>
               <a:rPr lang="en-US" dirty="0" smtClean="0"/>
-              <a:t>Các thành viên đều có thái độ làm việc </a:t>
-            </a:r>
-            <a:r>
-              <a:rPr lang="en-US" dirty="0" err="1" smtClean="0"/>
-              <a:t>nghiêm</a:t>
-            </a:r>
-            <a:r>
-              <a:rPr lang="en-US" dirty="0" smtClean="0"/>
-              <a:t> </a:t>
-            </a:r>
-            <a:r>
-              <a:rPr lang="en-US" dirty="0" err="1" smtClean="0"/>
-              <a:t>chỉnh</a:t>
-            </a:r>
-            <a:r>
-              <a:rPr lang="en-US" dirty="0" smtClean="0"/>
-              <a:t>.</a:t>
+              <a:t>Các thành viên đều có thái độ làm việc nghiêm chỉnh </a:t>
             </a:r>
           </a:p>
           <a:p>
@@ -11324,92 +10459,8 @@
               <a:buChar char=""/>
             </a:pPr>
             <a:r>
-              <a:rPr lang="en-US" dirty="0" err="1" smtClean="0"/>
-              <a:t>Các</a:t>
-            </a:r>
-            <a:r>
               <a:rPr lang="en-US" dirty="0" smtClean="0"/>
-              <a:t> </a:t>
-            </a:r>
-            <a:r>
-              <a:rPr lang="en-US" dirty="0" err="1" smtClean="0"/>
-              <a:t>thành</a:t>
-            </a:r>
-            <a:r>
-              <a:rPr lang="en-US" dirty="0" smtClean="0"/>
-              <a:t> </a:t>
-            </a:r>
-            <a:r>
-              <a:rPr lang="en-US" dirty="0" err="1" smtClean="0"/>
-              <a:t>viên</a:t>
-            </a:r>
-            <a:r>
-              <a:rPr lang="en-US" dirty="0" smtClean="0"/>
-              <a:t> </a:t>
-            </a:r>
-            <a:r>
-              <a:rPr lang="en-US" dirty="0" err="1" smtClean="0"/>
-              <a:t>đều</a:t>
-            </a:r>
-            <a:r>
-              <a:rPr lang="en-US" dirty="0" smtClean="0"/>
-              <a:t> </a:t>
-            </a:r>
-            <a:r>
-              <a:rPr lang="en-US" dirty="0" err="1" smtClean="0"/>
-              <a:t>hoàn</a:t>
-            </a:r>
-            <a:r>
-              <a:rPr lang="en-US" dirty="0" smtClean="0"/>
-              <a:t> </a:t>
-            </a:r>
-            <a:r>
-              <a:rPr lang="en-US" dirty="0" err="1" smtClean="0"/>
-              <a:t>thành</a:t>
-            </a:r>
-            <a:r>
-              <a:rPr lang="en-US" dirty="0" smtClean="0"/>
-              <a:t> </a:t>
-            </a:r>
-            <a:r>
-              <a:rPr lang="en-US" dirty="0" err="1" smtClean="0"/>
-              <a:t>công</a:t>
-            </a:r>
-            <a:r>
-              <a:rPr lang="en-US" dirty="0" smtClean="0"/>
-              <a:t> </a:t>
-            </a:r>
-            <a:r>
-              <a:rPr lang="en-US" dirty="0" err="1" smtClean="0"/>
-              <a:t>việc</a:t>
-            </a:r>
-            <a:r>
-              <a:rPr lang="en-US" dirty="0" smtClean="0"/>
-              <a:t> </a:t>
-            </a:r>
-            <a:r>
-              <a:rPr lang="en-US" dirty="0" err="1" smtClean="0"/>
-              <a:t>đúng</a:t>
-            </a:r>
-            <a:r>
-              <a:rPr lang="en-US" dirty="0" smtClean="0"/>
-              <a:t> </a:t>
-            </a:r>
-            <a:r>
-              <a:rPr lang="en-US" dirty="0" err="1" smtClean="0"/>
-              <a:t>tiến</a:t>
-            </a:r>
-            <a:r>
-              <a:rPr lang="en-US" dirty="0" smtClean="0"/>
-              <a:t> </a:t>
-            </a:r>
-            <a:r>
-              <a:rPr lang="en-US" dirty="0" err="1" smtClean="0"/>
-              <a:t>độ</a:t>
-            </a:r>
-            <a:r>
-              <a:rPr lang="en-US" dirty="0" smtClean="0"/>
-              <a:t>.</a:t>
+              <a:t>Không có sự cãi cọ bất đồng quan điểm</a:t>
             </a:r>
           </a:p>
           <a:p>
@@ -11418,77 +10469,9 @@
               <a:buChar char=""/>
             </a:pPr>
             <a:r>
-              <a:rPr lang="en-US" dirty="0" err="1" smtClean="0"/>
-              <a:t>Hoàn</a:t>
-            </a:r>
-            <a:r>
               <a:rPr lang="en-US" dirty="0" smtClean="0"/>
-              <a:t> </a:t>
-            </a:r>
-            <a:r>
-              <a:rPr lang="en-US" dirty="0" err="1" smtClean="0"/>
-              <a:t>thành</a:t>
-            </a:r>
-            <a:r>
-              <a:rPr lang="en-US" dirty="0" smtClean="0"/>
-              <a:t> </a:t>
-            </a:r>
-            <a:r>
-              <a:rPr lang="en-US" dirty="0" err="1" smtClean="0"/>
-              <a:t>tốt</a:t>
-            </a:r>
-            <a:r>
-              <a:rPr lang="en-US" dirty="0" smtClean="0"/>
-              <a:t> </a:t>
-            </a:r>
-            <a:r>
-              <a:rPr lang="en-US" dirty="0" err="1" smtClean="0"/>
-              <a:t>các</a:t>
-            </a:r>
-            <a:r>
-              <a:rPr lang="en-US" dirty="0" smtClean="0"/>
-              <a:t> </a:t>
-            </a:r>
-            <a:r>
-              <a:rPr lang="en-US" dirty="0" err="1" smtClean="0"/>
-              <a:t>công</a:t>
-            </a:r>
-            <a:r>
-              <a:rPr lang="en-US" dirty="0" smtClean="0"/>
-              <a:t> </a:t>
-            </a:r>
-            <a:r>
-              <a:rPr lang="en-US" dirty="0" err="1" smtClean="0"/>
-              <a:t>việc</a:t>
-            </a:r>
-            <a:r>
-              <a:rPr lang="en-US" dirty="0" smtClean="0"/>
-              <a:t> </a:t>
-            </a:r>
-            <a:r>
-              <a:rPr lang="en-US" dirty="0" err="1" smtClean="0"/>
-              <a:t>được</a:t>
-            </a:r>
-            <a:r>
-              <a:rPr lang="en-US" dirty="0" smtClean="0"/>
-              <a:t> </a:t>
-            </a:r>
-            <a:r>
-              <a:rPr lang="en-US" dirty="0" err="1" smtClean="0"/>
-              <a:t>giao</a:t>
-            </a:r>
-            <a:r>
-              <a:rPr lang="en-US" dirty="0"/>
-              <a:t>.</a:t>
-            </a:r>
-            <a:endParaRPr lang="en-US" dirty="0" smtClean="0"/>
-          </a:p>
-          <a:p>
-            <a:pPr marL="365125" indent="-282575" algn="just">
-              <a:buFont typeface="Wingdings 2" pitchFamily="18" charset="2"/>
-              <a:buChar char=""/>
-            </a:pPr>
-            <a:endParaRPr lang="en-US" dirty="0" smtClean="0"/>
+              <a:t>Đánh giá thái độ chi tiết có trong world</a:t>
+            </a:r>
           </a:p>
         </p:txBody>
       </p:sp>
@@ -11599,7 +10582,7 @@
     </p:spTree>
     <p:extLst>
       <p:ext uri="{BB962C8B-B14F-4D97-AF65-F5344CB8AC3E}">
-        <p14:creationId xmlns:p14="http://schemas.microsoft.com/office/powerpoint/2010/main" val="792502242"/>
+        <p14:creationId xmlns:p14="http://schemas.microsoft.com/office/powerpoint/2010/main" xmlns="" val="792502242"/>
       </p:ext>
     </p:extLst>
   </p:cSld>
@@ -11656,58 +10639,9 @@
               <a:buChar char="v"/>
             </a:pPr>
             <a:r>
-              <a:rPr lang="en-US" dirty="0" err="1" smtClean="0"/>
-              <a:t>Các</a:t>
-            </a:r>
-            <a:r>
               <a:rPr lang="en-US" dirty="0" smtClean="0"/>
-              <a:t> </a:t>
-            </a:r>
-            <a:r>
-              <a:rPr lang="en-US" dirty="0" err="1" smtClean="0"/>
-              <a:t>thành</a:t>
-            </a:r>
-            <a:r>
-              <a:rPr lang="en-US" dirty="0" smtClean="0"/>
-              <a:t> </a:t>
-            </a:r>
-            <a:r>
-              <a:rPr lang="en-US" dirty="0" err="1" smtClean="0"/>
-              <a:t>viên</a:t>
-            </a:r>
-            <a:r>
-              <a:rPr lang="en-US" dirty="0" smtClean="0"/>
-              <a:t> </a:t>
-            </a:r>
-            <a:r>
-              <a:rPr lang="en-US" dirty="0" err="1" smtClean="0"/>
-              <a:t>tham</a:t>
-            </a:r>
-            <a:r>
-              <a:rPr lang="en-US" dirty="0" smtClean="0"/>
-              <a:t> </a:t>
-            </a:r>
-            <a:r>
-              <a:rPr lang="en-US" dirty="0" err="1" smtClean="0"/>
-              <a:t>gia</a:t>
-            </a:r>
-            <a:r>
-              <a:rPr lang="en-US" dirty="0" smtClean="0"/>
-              <a:t> </a:t>
-            </a:r>
-            <a:r>
-              <a:rPr lang="en-US" dirty="0" err="1" smtClean="0"/>
-              <a:t>đầy</a:t>
-            </a:r>
-            <a:r>
-              <a:rPr lang="en-US" dirty="0" smtClean="0"/>
-              <a:t> </a:t>
-            </a:r>
-            <a:r>
-              <a:rPr lang="en-US" dirty="0" err="1" smtClean="0"/>
-              <a:t>đủ</a:t>
-            </a:r>
-            <a:endParaRPr lang="en-US" dirty="0" smtClean="0"/>
+              <a:t>Các buổi làm việc nhóm đều diễn ra suôn sẻ và vui tươi</a:t>
+            </a:r>
           </a:p>
           <a:p>
             <a:pPr marL="539750" indent="-457200">
@@ -11715,76 +10649,8 @@
               <a:buChar char="v"/>
             </a:pPr>
             <a:r>
-              <a:rPr lang="en-US" dirty="0" err="1" smtClean="0"/>
-              <a:t>Phân</a:t>
-            </a:r>
-            <a:r>
               <a:rPr lang="en-US" dirty="0" smtClean="0"/>
-              <a:t> </a:t>
-            </a:r>
-            <a:r>
-              <a:rPr lang="en-US" dirty="0" err="1" smtClean="0"/>
-              <a:t>công</a:t>
-            </a:r>
-            <a:r>
-              <a:rPr lang="en-US" dirty="0" smtClean="0"/>
-              <a:t>, </a:t>
-            </a:r>
-            <a:r>
-              <a:rPr lang="en-US" dirty="0" err="1" smtClean="0"/>
-              <a:t>kiểm</a:t>
-            </a:r>
-            <a:r>
-              <a:rPr lang="en-US" dirty="0" smtClean="0"/>
-              <a:t> </a:t>
-            </a:r>
-            <a:r>
-              <a:rPr lang="en-US" dirty="0" err="1" smtClean="0"/>
-              <a:t>tra</a:t>
-            </a:r>
-            <a:r>
-              <a:rPr lang="en-US" dirty="0" smtClean="0"/>
-              <a:t> </a:t>
-            </a:r>
-            <a:r>
-              <a:rPr lang="en-US" dirty="0" err="1" smtClean="0"/>
-              <a:t>công</a:t>
-            </a:r>
-            <a:r>
-              <a:rPr lang="en-US" dirty="0" smtClean="0"/>
-              <a:t> </a:t>
-            </a:r>
-            <a:r>
-              <a:rPr lang="en-US" dirty="0" err="1" smtClean="0"/>
-              <a:t>việc</a:t>
-            </a:r>
-            <a:r>
-              <a:rPr lang="en-US" dirty="0" smtClean="0"/>
-              <a:t> </a:t>
-            </a:r>
-            <a:r>
-              <a:rPr lang="en-US" dirty="0" err="1" smtClean="0"/>
-              <a:t>từng</a:t>
-            </a:r>
-            <a:r>
-              <a:rPr lang="en-US" dirty="0" smtClean="0"/>
-              <a:t> </a:t>
-            </a:r>
-            <a:r>
-              <a:rPr lang="en-US" dirty="0" err="1" smtClean="0"/>
-              <a:t>thành</a:t>
-            </a:r>
-            <a:r>
-              <a:rPr lang="en-US" dirty="0" smtClean="0"/>
-              <a:t> </a:t>
-            </a:r>
-            <a:r>
-              <a:rPr lang="en-US" dirty="0" err="1" smtClean="0"/>
-              <a:t>viên</a:t>
-            </a:r>
-            <a:r>
-              <a:rPr lang="en-US" dirty="0" smtClean="0"/>
-              <a:t>.</a:t>
+              <a:t>Mọi người đều có mặt đầy đủ trong các buổi làm việc</a:t>
             </a:r>
           </a:p>
           <a:p>
@@ -11794,285 +10660,7 @@
             </a:pPr>
             <a:r>
               <a:rPr lang="en-US" dirty="0" smtClean="0"/>
-              <a:t>Song </a:t>
-            </a:r>
-            <a:r>
-              <a:rPr lang="en-US" dirty="0" err="1" smtClean="0"/>
-              <a:t>đó</a:t>
-            </a:r>
-            <a:r>
-              <a:rPr lang="en-US" dirty="0" smtClean="0"/>
-              <a:t>, </a:t>
-            </a:r>
-            <a:r>
-              <a:rPr lang="en-US" dirty="0" err="1" smtClean="0"/>
-              <a:t>cũng</a:t>
-            </a:r>
-            <a:r>
-              <a:rPr lang="en-US" dirty="0" smtClean="0"/>
-              <a:t> </a:t>
-            </a:r>
-            <a:r>
-              <a:rPr lang="en-US" dirty="0" err="1" smtClean="0"/>
-              <a:t>gặp</a:t>
-            </a:r>
-            <a:r>
-              <a:rPr lang="en-US" dirty="0" smtClean="0"/>
-              <a:t> </a:t>
-            </a:r>
-            <a:r>
-              <a:rPr lang="en-US" dirty="0" err="1" smtClean="0"/>
-              <a:t>những</a:t>
-            </a:r>
-            <a:r>
-              <a:rPr lang="en-US" dirty="0" smtClean="0"/>
-              <a:t> </a:t>
-            </a:r>
-            <a:r>
-              <a:rPr lang="en-US" dirty="0" err="1" smtClean="0"/>
-              <a:t>khó</a:t>
-            </a:r>
-            <a:r>
-              <a:rPr lang="en-US" dirty="0" smtClean="0"/>
-              <a:t> </a:t>
-            </a:r>
-            <a:r>
-              <a:rPr lang="en-US" dirty="0" err="1" smtClean="0"/>
-              <a:t>khăn</a:t>
-            </a:r>
-            <a:r>
-              <a:rPr lang="en-US" dirty="0" smtClean="0"/>
-              <a:t> </a:t>
-            </a:r>
-            <a:r>
-              <a:rPr lang="en-US" dirty="0" err="1" smtClean="0"/>
-              <a:t>về</a:t>
-            </a:r>
-            <a:r>
-              <a:rPr lang="en-US" dirty="0" smtClean="0"/>
-              <a:t> </a:t>
-            </a:r>
-            <a:r>
-              <a:rPr lang="en-US" dirty="0" err="1" smtClean="0"/>
-              <a:t>kỹ</a:t>
-            </a:r>
-            <a:r>
-              <a:rPr lang="en-US" dirty="0" smtClean="0"/>
-              <a:t> </a:t>
-            </a:r>
-            <a:r>
-              <a:rPr lang="en-US" dirty="0" err="1" smtClean="0"/>
-              <a:t>thuật</a:t>
-            </a:r>
-            <a:r>
-              <a:rPr lang="en-US" dirty="0" smtClean="0"/>
-              <a:t> </a:t>
-            </a:r>
-            <a:r>
-              <a:rPr lang="en-US" dirty="0" err="1" smtClean="0"/>
-              <a:t>cũng</a:t>
-            </a:r>
-            <a:r>
-              <a:rPr lang="en-US" dirty="0" smtClean="0"/>
-              <a:t> </a:t>
-            </a:r>
-            <a:r>
-              <a:rPr lang="en-US" dirty="0" err="1" smtClean="0"/>
-              <a:t>như</a:t>
-            </a:r>
-            <a:r>
-              <a:rPr lang="en-US" dirty="0" smtClean="0"/>
-              <a:t> </a:t>
-            </a:r>
-            <a:r>
-              <a:rPr lang="en-US" dirty="0" err="1" smtClean="0"/>
-              <a:t>về</a:t>
-            </a:r>
-            <a:r>
-              <a:rPr lang="en-US" dirty="0" smtClean="0"/>
-              <a:t> ý </a:t>
-            </a:r>
-            <a:r>
-              <a:rPr lang="en-US" dirty="0" err="1" smtClean="0"/>
-              <a:t>tưởng</a:t>
-            </a:r>
-            <a:r>
-              <a:rPr lang="en-US" dirty="0" smtClean="0"/>
-              <a:t> </a:t>
-            </a:r>
-            <a:r>
-              <a:rPr lang="en-US" dirty="0" err="1" smtClean="0"/>
-              <a:t>lẫn</a:t>
-            </a:r>
-            <a:r>
-              <a:rPr lang="en-US" dirty="0" smtClean="0"/>
-              <a:t> </a:t>
-            </a:r>
-            <a:r>
-              <a:rPr lang="en-US" dirty="0" err="1" smtClean="0"/>
-              <a:t>quan</a:t>
-            </a:r>
-            <a:r>
-              <a:rPr lang="en-US" dirty="0" smtClean="0"/>
-              <a:t> </a:t>
-            </a:r>
-            <a:r>
-              <a:rPr lang="en-US" dirty="0" err="1" smtClean="0"/>
-              <a:t>điểm</a:t>
-            </a:r>
-            <a:r>
-              <a:rPr lang="en-US" dirty="0" smtClean="0"/>
-              <a:t> </a:t>
-            </a:r>
-            <a:r>
-              <a:rPr lang="en-US" dirty="0" err="1" smtClean="0"/>
-              <a:t>trình</a:t>
-            </a:r>
-            <a:r>
-              <a:rPr lang="en-US" dirty="0" smtClean="0"/>
-              <a:t> </a:t>
-            </a:r>
-            <a:r>
-              <a:rPr lang="en-US" dirty="0" err="1" smtClean="0"/>
-              <a:t>bày</a:t>
-            </a:r>
-            <a:r>
-              <a:rPr lang="en-US" dirty="0" smtClean="0"/>
-              <a:t>.</a:t>
-            </a:r>
-          </a:p>
-          <a:p>
-            <a:pPr marL="539750" indent="-457200">
-              <a:buFont typeface="Wingdings" pitchFamily="2" charset="2"/>
-              <a:buChar char="v"/>
-            </a:pPr>
-            <a:r>
-              <a:rPr lang="en-US" dirty="0" err="1" smtClean="0"/>
-              <a:t>Và</a:t>
-            </a:r>
-            <a:r>
-              <a:rPr lang="en-US" dirty="0" smtClean="0"/>
-              <a:t> </a:t>
-            </a:r>
-            <a:r>
-              <a:rPr lang="en-US" dirty="0" err="1" smtClean="0"/>
-              <a:t>các</a:t>
-            </a:r>
-            <a:r>
-              <a:rPr lang="en-US" dirty="0"/>
-              <a:t> </a:t>
-            </a:r>
-            <a:r>
-              <a:rPr lang="en-US" dirty="0" err="1" smtClean="0"/>
-              <a:t>vấn</a:t>
-            </a:r>
-            <a:r>
-              <a:rPr lang="en-US" dirty="0" smtClean="0"/>
-              <a:t> </a:t>
-            </a:r>
-            <a:r>
-              <a:rPr lang="en-US" dirty="0" err="1" smtClean="0"/>
-              <a:t>đề</a:t>
-            </a:r>
-            <a:r>
-              <a:rPr lang="en-US" dirty="0" smtClean="0"/>
-              <a:t> </a:t>
-            </a:r>
-            <a:r>
-              <a:rPr lang="en-US" dirty="0" err="1" smtClean="0"/>
-              <a:t>được</a:t>
-            </a:r>
-            <a:r>
-              <a:rPr lang="en-US" dirty="0" smtClean="0"/>
-              <a:t> </a:t>
-            </a:r>
-            <a:r>
-              <a:rPr lang="en-US" dirty="0" err="1" smtClean="0"/>
-              <a:t>giải</a:t>
-            </a:r>
-            <a:r>
-              <a:rPr lang="en-US" dirty="0" smtClean="0"/>
-              <a:t> </a:t>
-            </a:r>
-            <a:r>
-              <a:rPr lang="en-US" dirty="0" err="1" smtClean="0"/>
-              <a:t>quyết</a:t>
-            </a:r>
-            <a:r>
-              <a:rPr lang="en-US" dirty="0" smtClean="0"/>
-              <a:t> </a:t>
-            </a:r>
-            <a:r>
-              <a:rPr lang="en-US" dirty="0" err="1" smtClean="0"/>
-              <a:t>một</a:t>
-            </a:r>
-            <a:r>
-              <a:rPr lang="en-US" dirty="0" smtClean="0"/>
-              <a:t> </a:t>
-            </a:r>
-            <a:r>
-              <a:rPr lang="en-US" dirty="0" err="1" smtClean="0"/>
-              <a:t>cách</a:t>
-            </a:r>
-            <a:r>
-              <a:rPr lang="en-US" dirty="0" smtClean="0"/>
-              <a:t> </a:t>
-            </a:r>
-            <a:r>
-              <a:rPr lang="en-US" dirty="0" err="1" smtClean="0"/>
-              <a:t>suôn</a:t>
-            </a:r>
-            <a:r>
-              <a:rPr lang="en-US" dirty="0" smtClean="0"/>
-              <a:t> </a:t>
-            </a:r>
-            <a:r>
-              <a:rPr lang="en-US" dirty="0" err="1" smtClean="0"/>
-              <a:t>sẻ</a:t>
-            </a:r>
-            <a:r>
-              <a:rPr lang="en-US" dirty="0"/>
-              <a:t> </a:t>
-            </a:r>
-            <a:r>
-              <a:rPr lang="en-US" dirty="0" err="1" smtClean="0"/>
-              <a:t>khi</a:t>
-            </a:r>
-            <a:r>
-              <a:rPr lang="en-US" dirty="0" smtClean="0"/>
-              <a:t> </a:t>
-            </a:r>
-            <a:r>
-              <a:rPr lang="en-US" dirty="0" err="1" smtClean="0"/>
-              <a:t>kết</a:t>
-            </a:r>
-            <a:r>
-              <a:rPr lang="en-US" dirty="0" smtClean="0"/>
-              <a:t> </a:t>
-            </a:r>
-            <a:r>
-              <a:rPr lang="en-US" dirty="0" err="1" smtClean="0"/>
-              <a:t>thúc</a:t>
-            </a:r>
-            <a:r>
-              <a:rPr lang="en-US" dirty="0" smtClean="0"/>
-              <a:t> </a:t>
-            </a:r>
-            <a:r>
-              <a:rPr lang="en-US" dirty="0" err="1" smtClean="0"/>
-              <a:t>họp</a:t>
-            </a:r>
-            <a:r>
-              <a:rPr lang="en-US" dirty="0" smtClean="0"/>
-              <a:t> </a:t>
-            </a:r>
-            <a:r>
-              <a:rPr lang="en-US" dirty="0" err="1" smtClean="0"/>
-              <a:t>nhóm</a:t>
-            </a:r>
-            <a:r>
-              <a:rPr lang="en-US" dirty="0" smtClean="0"/>
-              <a:t>. </a:t>
+              <a:t>Những buổi họp có hiệu quả tốt</a:t>
             </a:r>
           </a:p>
         </p:txBody>
@@ -12186,7 +10774,7 @@
     </p:spTree>
     <p:extLst>
       <p:ext uri="{BB962C8B-B14F-4D97-AF65-F5344CB8AC3E}">
-        <p14:creationId xmlns:p14="http://schemas.microsoft.com/office/powerpoint/2010/main" val="792502242"/>
+        <p14:creationId xmlns:p14="http://schemas.microsoft.com/office/powerpoint/2010/main" xmlns="" val="792502242"/>
       </p:ext>
     </p:extLst>
   </p:cSld>
@@ -12242,68 +10830,27 @@
           <a:p>
             <a:r>
               <a:rPr lang="en-US" dirty="0" smtClean="0"/>
-              <a:t>Có bốn biên bản </a:t>
-            </a:r>
-            <a:r>
-              <a:rPr lang="en-US" dirty="0" err="1" smtClean="0"/>
-              <a:t>họp</a:t>
-            </a:r>
+              <a:t>Có bốn biên bản họp nhóm</a:t>
+            </a:r>
+          </a:p>
+          <a:p>
             <a:r>
               <a:rPr lang="en-US" dirty="0" smtClean="0"/>
-              <a:t> </a:t>
-            </a:r>
-            <a:r>
-              <a:rPr lang="en-US" dirty="0" err="1" smtClean="0"/>
-              <a:t>nhóm</a:t>
-            </a:r>
+              <a:t>Liệt kê ý tưởng, ý kiến của các thành viên </a:t>
+            </a:r>
+          </a:p>
+          <a:p>
             <a:r>
               <a:rPr lang="en-US" dirty="0" smtClean="0"/>
-              <a:t>.</a:t>
+              <a:t>Cách làm việc nhóm và sự dẫn dắt của nhóm trưởng</a:t>
             </a:r>
           </a:p>
           <a:p>
             <a:r>
               <a:rPr lang="en-US" dirty="0" smtClean="0"/>
-              <a:t>Liệt kê ý tưởng, ý kiến của các </a:t>
-            </a:r>
-            <a:r>
-              <a:rPr lang="en-US" dirty="0" err="1" smtClean="0"/>
-              <a:t>thành</a:t>
-            </a:r>
-            <a:r>
-              <a:rPr lang="en-US" dirty="0" smtClean="0"/>
-              <a:t> </a:t>
-            </a:r>
-            <a:r>
-              <a:rPr lang="en-US" dirty="0" err="1" smtClean="0"/>
-              <a:t>viên</a:t>
-            </a:r>
-            <a:r>
-              <a:rPr lang="en-US" dirty="0" smtClean="0"/>
-              <a:t>. </a:t>
-            </a:r>
-          </a:p>
-          <a:p>
-            <a:r>
-              <a:rPr lang="en-US" dirty="0" smtClean="0"/>
-              <a:t>Cách làm việc nhóm và sự dẫn dắt của </a:t>
-            </a:r>
-            <a:r>
-              <a:rPr lang="en-US" dirty="0" err="1" smtClean="0"/>
-              <a:t>nhóm</a:t>
-            </a:r>
-            <a:r>
-              <a:rPr lang="en-US" dirty="0" smtClean="0"/>
-              <a:t> </a:t>
-            </a:r>
-            <a:r>
-              <a:rPr lang="en-US" dirty="0" err="1" smtClean="0"/>
-              <a:t>trưởng</a:t>
-            </a:r>
-            <a:r>
-              <a:rPr lang="en-US" dirty="0" smtClean="0"/>
-              <a:t>.</a:t>
-            </a:r>
+              <a:t>Các biên bản chi tiết có trong world</a:t>
+            </a:r>
+            <a:endParaRPr lang="en-US" dirty="0"/>
           </a:p>
         </p:txBody>
       </p:sp>
@@ -12416,7 +10963,7 @@
     </p:spTree>
     <p:extLst>
       <p:ext uri="{BB962C8B-B14F-4D97-AF65-F5344CB8AC3E}">
-        <p14:creationId xmlns:p14="http://schemas.microsoft.com/office/powerpoint/2010/main" val="1674230041"/>
+        <p14:creationId xmlns:p14="http://schemas.microsoft.com/office/powerpoint/2010/main" xmlns="" val="1674230041"/>
       </p:ext>
     </p:extLst>
   </p:cSld>
